--- a/1-PPT/L1 Architecture.pptx
+++ b/1-PPT/L1 Architecture.pptx
@@ -5,26 +5,39 @@
     <p:sldMasterId id="2147483648" r:id="rId1"/>
   </p:sldMasterIdLst>
   <p:notesMasterIdLst>
-    <p:notesMasterId r:id="rId19"/>
+    <p:notesMasterId r:id="rId32"/>
   </p:notesMasterIdLst>
   <p:sldIdLst>
-    <p:sldId id="268" r:id="rId2"/>
+    <p:sldId id="285" r:id="rId2"/>
     <p:sldId id="283" r:id="rId3"/>
-    <p:sldId id="262" r:id="rId4"/>
-    <p:sldId id="261" r:id="rId5"/>
-    <p:sldId id="282" r:id="rId6"/>
-    <p:sldId id="264" r:id="rId7"/>
-    <p:sldId id="258" r:id="rId8"/>
-    <p:sldId id="266" r:id="rId9"/>
-    <p:sldId id="265" r:id="rId10"/>
-    <p:sldId id="256" r:id="rId11"/>
-    <p:sldId id="257" r:id="rId12"/>
-    <p:sldId id="259" r:id="rId13"/>
-    <p:sldId id="267" r:id="rId14"/>
-    <p:sldId id="272" r:id="rId15"/>
-    <p:sldId id="273" r:id="rId16"/>
-    <p:sldId id="269" r:id="rId17"/>
-    <p:sldId id="284" r:id="rId18"/>
+    <p:sldId id="286" r:id="rId4"/>
+    <p:sldId id="262" r:id="rId5"/>
+    <p:sldId id="289" r:id="rId6"/>
+    <p:sldId id="261" r:id="rId7"/>
+    <p:sldId id="282" r:id="rId8"/>
+    <p:sldId id="264" r:id="rId9"/>
+    <p:sldId id="258" r:id="rId10"/>
+    <p:sldId id="266" r:id="rId11"/>
+    <p:sldId id="265" r:id="rId12"/>
+    <p:sldId id="256" r:id="rId13"/>
+    <p:sldId id="257" r:id="rId14"/>
+    <p:sldId id="259" r:id="rId15"/>
+    <p:sldId id="298" r:id="rId16"/>
+    <p:sldId id="299" r:id="rId17"/>
+    <p:sldId id="300" r:id="rId18"/>
+    <p:sldId id="301" r:id="rId19"/>
+    <p:sldId id="302" r:id="rId20"/>
+    <p:sldId id="303" r:id="rId21"/>
+    <p:sldId id="304" r:id="rId22"/>
+    <p:sldId id="305" r:id="rId23"/>
+    <p:sldId id="310" r:id="rId24"/>
+    <p:sldId id="307" r:id="rId25"/>
+    <p:sldId id="267" r:id="rId26"/>
+    <p:sldId id="272" r:id="rId27"/>
+    <p:sldId id="273" r:id="rId28"/>
+    <p:sldId id="269" r:id="rId29"/>
+    <p:sldId id="284" r:id="rId30"/>
+    <p:sldId id="311" r:id="rId31"/>
   </p:sldIdLst>
   <p:sldSz cx="9144000" cy="6858000" type="screen4x3"/>
   <p:notesSz cx="6858000" cy="9144000"/>
@@ -127,6 +140,753 @@
 </file>
 
 <file path=ppt/diagrams/colors1.xml><?xml version="1.0" encoding="utf-8"?>
+<dgm:colorsDef xmlns:dgm="http://schemas.openxmlformats.org/drawingml/2006/diagram" xmlns:a="http://schemas.openxmlformats.org/drawingml/2006/main" uniqueId="urn:microsoft.com/office/officeart/2005/8/colors/accent1_2">
+  <dgm:title val=""/>
+  <dgm:desc val=""/>
+  <dgm:catLst>
+    <dgm:cat type="accent1" pri="11200"/>
+  </dgm:catLst>
+  <dgm:styleLbl name="node0">
+    <dgm:fillClrLst meth="repeat">
+      <a:schemeClr val="accent1"/>
+    </dgm:fillClrLst>
+    <dgm:linClrLst meth="repeat">
+      <a:schemeClr val="lt1"/>
+    </dgm:linClrLst>
+    <dgm:effectClrLst/>
+    <dgm:txLinClrLst/>
+    <dgm:txFillClrLst/>
+    <dgm:txEffectClrLst/>
+  </dgm:styleLbl>
+  <dgm:styleLbl name="alignNode1">
+    <dgm:fillClrLst meth="repeat">
+      <a:schemeClr val="accent1"/>
+    </dgm:fillClrLst>
+    <dgm:linClrLst meth="repeat">
+      <a:schemeClr val="accent1"/>
+    </dgm:linClrLst>
+    <dgm:effectClrLst/>
+    <dgm:txLinClrLst/>
+    <dgm:txFillClrLst/>
+    <dgm:txEffectClrLst/>
+  </dgm:styleLbl>
+  <dgm:styleLbl name="node1">
+    <dgm:fillClrLst meth="repeat">
+      <a:schemeClr val="accent1"/>
+    </dgm:fillClrLst>
+    <dgm:linClrLst meth="repeat">
+      <a:schemeClr val="lt1"/>
+    </dgm:linClrLst>
+    <dgm:effectClrLst/>
+    <dgm:txLinClrLst/>
+    <dgm:txFillClrLst/>
+    <dgm:txEffectClrLst/>
+  </dgm:styleLbl>
+  <dgm:styleLbl name="lnNode1">
+    <dgm:fillClrLst meth="repeat">
+      <a:schemeClr val="accent1"/>
+    </dgm:fillClrLst>
+    <dgm:linClrLst meth="repeat">
+      <a:schemeClr val="lt1"/>
+    </dgm:linClrLst>
+    <dgm:effectClrLst/>
+    <dgm:txLinClrLst/>
+    <dgm:txFillClrLst/>
+    <dgm:txEffectClrLst/>
+  </dgm:styleLbl>
+  <dgm:styleLbl name="vennNode1">
+    <dgm:fillClrLst meth="repeat">
+      <a:schemeClr val="accent1">
+        <a:alpha val="50000"/>
+      </a:schemeClr>
+    </dgm:fillClrLst>
+    <dgm:linClrLst meth="repeat">
+      <a:schemeClr val="lt1"/>
+    </dgm:linClrLst>
+    <dgm:effectClrLst/>
+    <dgm:txLinClrLst/>
+    <dgm:txFillClrLst/>
+    <dgm:txEffectClrLst/>
+  </dgm:styleLbl>
+  <dgm:styleLbl name="node2">
+    <dgm:fillClrLst meth="repeat">
+      <a:schemeClr val="accent1"/>
+    </dgm:fillClrLst>
+    <dgm:linClrLst meth="repeat">
+      <a:schemeClr val="lt1"/>
+    </dgm:linClrLst>
+    <dgm:effectClrLst/>
+    <dgm:txLinClrLst/>
+    <dgm:txFillClrLst/>
+    <dgm:txEffectClrLst/>
+  </dgm:styleLbl>
+  <dgm:styleLbl name="node3">
+    <dgm:fillClrLst meth="repeat">
+      <a:schemeClr val="accent1"/>
+    </dgm:fillClrLst>
+    <dgm:linClrLst meth="repeat">
+      <a:schemeClr val="lt1"/>
+    </dgm:linClrLst>
+    <dgm:effectClrLst/>
+    <dgm:txLinClrLst/>
+    <dgm:txFillClrLst/>
+    <dgm:txEffectClrLst/>
+  </dgm:styleLbl>
+  <dgm:styleLbl name="node4">
+    <dgm:fillClrLst meth="repeat">
+      <a:schemeClr val="accent1"/>
+    </dgm:fillClrLst>
+    <dgm:linClrLst meth="repeat">
+      <a:schemeClr val="lt1"/>
+    </dgm:linClrLst>
+    <dgm:effectClrLst/>
+    <dgm:txLinClrLst/>
+    <dgm:txFillClrLst/>
+    <dgm:txEffectClrLst/>
+  </dgm:styleLbl>
+  <dgm:styleLbl name="fgImgPlace1">
+    <dgm:fillClrLst meth="repeat">
+      <a:schemeClr val="accent1">
+        <a:tint val="50000"/>
+      </a:schemeClr>
+    </dgm:fillClrLst>
+    <dgm:linClrLst meth="repeat">
+      <a:schemeClr val="lt1"/>
+    </dgm:linClrLst>
+    <dgm:effectClrLst/>
+    <dgm:txLinClrLst/>
+    <dgm:txFillClrLst meth="repeat">
+      <a:schemeClr val="lt1"/>
+    </dgm:txFillClrLst>
+    <dgm:txEffectClrLst/>
+  </dgm:styleLbl>
+  <dgm:styleLbl name="alignImgPlace1">
+    <dgm:fillClrLst meth="repeat">
+      <a:schemeClr val="accent1">
+        <a:tint val="50000"/>
+      </a:schemeClr>
+    </dgm:fillClrLst>
+    <dgm:linClrLst meth="repeat">
+      <a:schemeClr val="lt1"/>
+    </dgm:linClrLst>
+    <dgm:effectClrLst/>
+    <dgm:txLinClrLst/>
+    <dgm:txFillClrLst meth="repeat">
+      <a:schemeClr val="lt1"/>
+    </dgm:txFillClrLst>
+    <dgm:txEffectClrLst/>
+  </dgm:styleLbl>
+  <dgm:styleLbl name="bgImgPlace1">
+    <dgm:fillClrLst meth="repeat">
+      <a:schemeClr val="accent1">
+        <a:tint val="50000"/>
+      </a:schemeClr>
+    </dgm:fillClrLst>
+    <dgm:linClrLst meth="repeat">
+      <a:schemeClr val="lt1"/>
+    </dgm:linClrLst>
+    <dgm:effectClrLst/>
+    <dgm:txLinClrLst/>
+    <dgm:txFillClrLst meth="repeat">
+      <a:schemeClr val="lt1"/>
+    </dgm:txFillClrLst>
+    <dgm:txEffectClrLst/>
+  </dgm:styleLbl>
+  <dgm:styleLbl name="sibTrans2D1">
+    <dgm:fillClrLst meth="repeat">
+      <a:schemeClr val="accent1">
+        <a:tint val="60000"/>
+      </a:schemeClr>
+    </dgm:fillClrLst>
+    <dgm:linClrLst meth="repeat">
+      <a:schemeClr val="accent1">
+        <a:tint val="60000"/>
+      </a:schemeClr>
+    </dgm:linClrLst>
+    <dgm:effectClrLst/>
+    <dgm:txLinClrLst/>
+    <dgm:txFillClrLst/>
+    <dgm:txEffectClrLst/>
+  </dgm:styleLbl>
+  <dgm:styleLbl name="fgSibTrans2D1">
+    <dgm:fillClrLst meth="repeat">
+      <a:schemeClr val="accent1">
+        <a:tint val="60000"/>
+      </a:schemeClr>
+    </dgm:fillClrLst>
+    <dgm:linClrLst meth="repeat">
+      <a:schemeClr val="accent1">
+        <a:tint val="60000"/>
+      </a:schemeClr>
+    </dgm:linClrLst>
+    <dgm:effectClrLst/>
+    <dgm:txLinClrLst/>
+    <dgm:txFillClrLst/>
+    <dgm:txEffectClrLst/>
+  </dgm:styleLbl>
+  <dgm:styleLbl name="bgSibTrans2D1">
+    <dgm:fillClrLst meth="repeat">
+      <a:schemeClr val="accent1">
+        <a:tint val="60000"/>
+      </a:schemeClr>
+    </dgm:fillClrLst>
+    <dgm:linClrLst meth="repeat">
+      <a:schemeClr val="accent1">
+        <a:tint val="60000"/>
+      </a:schemeClr>
+    </dgm:linClrLst>
+    <dgm:effectClrLst/>
+    <dgm:txLinClrLst/>
+    <dgm:txFillClrLst/>
+    <dgm:txEffectClrLst/>
+  </dgm:styleLbl>
+  <dgm:styleLbl name="sibTrans1D1">
+    <dgm:fillClrLst meth="repeat">
+      <a:schemeClr val="accent1"/>
+    </dgm:fillClrLst>
+    <dgm:linClrLst meth="repeat">
+      <a:schemeClr val="accent1"/>
+    </dgm:linClrLst>
+    <dgm:effectClrLst/>
+    <dgm:txLinClrLst/>
+    <dgm:txFillClrLst meth="repeat">
+      <a:schemeClr val="tx1"/>
+    </dgm:txFillClrLst>
+    <dgm:txEffectClrLst/>
+  </dgm:styleLbl>
+  <dgm:styleLbl name="callout">
+    <dgm:fillClrLst meth="repeat">
+      <a:schemeClr val="accent1"/>
+    </dgm:fillClrLst>
+    <dgm:linClrLst meth="repeat">
+      <a:schemeClr val="accent1">
+        <a:tint val="50000"/>
+      </a:schemeClr>
+    </dgm:linClrLst>
+    <dgm:effectClrLst/>
+    <dgm:txLinClrLst/>
+    <dgm:txFillClrLst meth="repeat">
+      <a:schemeClr val="tx1"/>
+    </dgm:txFillClrLst>
+    <dgm:txEffectClrLst/>
+  </dgm:styleLbl>
+  <dgm:styleLbl name="asst0">
+    <dgm:fillClrLst meth="repeat">
+      <a:schemeClr val="accent1"/>
+    </dgm:fillClrLst>
+    <dgm:linClrLst meth="repeat">
+      <a:schemeClr val="lt1"/>
+    </dgm:linClrLst>
+    <dgm:effectClrLst/>
+    <dgm:txLinClrLst/>
+    <dgm:txFillClrLst/>
+    <dgm:txEffectClrLst/>
+  </dgm:styleLbl>
+  <dgm:styleLbl name="asst1">
+    <dgm:fillClrLst meth="repeat">
+      <a:schemeClr val="accent1"/>
+    </dgm:fillClrLst>
+    <dgm:linClrLst meth="repeat">
+      <a:schemeClr val="lt1"/>
+    </dgm:linClrLst>
+    <dgm:effectClrLst/>
+    <dgm:txLinClrLst/>
+    <dgm:txFillClrLst/>
+    <dgm:txEffectClrLst/>
+  </dgm:styleLbl>
+  <dgm:styleLbl name="asst2">
+    <dgm:fillClrLst meth="repeat">
+      <a:schemeClr val="accent1"/>
+    </dgm:fillClrLst>
+    <dgm:linClrLst meth="repeat">
+      <a:schemeClr val="lt1"/>
+    </dgm:linClrLst>
+    <dgm:effectClrLst/>
+    <dgm:txLinClrLst/>
+    <dgm:txFillClrLst/>
+    <dgm:txEffectClrLst/>
+  </dgm:styleLbl>
+  <dgm:styleLbl name="asst3">
+    <dgm:fillClrLst meth="repeat">
+      <a:schemeClr val="accent1"/>
+    </dgm:fillClrLst>
+    <dgm:linClrLst meth="repeat">
+      <a:schemeClr val="lt1"/>
+    </dgm:linClrLst>
+    <dgm:effectClrLst/>
+    <dgm:txLinClrLst/>
+    <dgm:txFillClrLst/>
+    <dgm:txEffectClrLst/>
+  </dgm:styleLbl>
+  <dgm:styleLbl name="asst4">
+    <dgm:fillClrLst meth="repeat">
+      <a:schemeClr val="accent1"/>
+    </dgm:fillClrLst>
+    <dgm:linClrLst meth="repeat">
+      <a:schemeClr val="lt1"/>
+    </dgm:linClrLst>
+    <dgm:effectClrLst/>
+    <dgm:txLinClrLst/>
+    <dgm:txFillClrLst/>
+    <dgm:txEffectClrLst/>
+  </dgm:styleLbl>
+  <dgm:styleLbl name="parChTrans2D1">
+    <dgm:fillClrLst meth="repeat">
+      <a:schemeClr val="accent1">
+        <a:tint val="60000"/>
+      </a:schemeClr>
+    </dgm:fillClrLst>
+    <dgm:linClrLst meth="repeat">
+      <a:schemeClr val="accent1">
+        <a:tint val="60000"/>
+      </a:schemeClr>
+    </dgm:linClrLst>
+    <dgm:effectClrLst/>
+    <dgm:txLinClrLst/>
+    <dgm:txFillClrLst meth="repeat">
+      <a:schemeClr val="lt1"/>
+    </dgm:txFillClrLst>
+    <dgm:txEffectClrLst/>
+  </dgm:styleLbl>
+  <dgm:styleLbl name="parChTrans2D2">
+    <dgm:fillClrLst meth="repeat">
+      <a:schemeClr val="accent1"/>
+    </dgm:fillClrLst>
+    <dgm:linClrLst meth="repeat">
+      <a:schemeClr val="accent1"/>
+    </dgm:linClrLst>
+    <dgm:effectClrLst/>
+    <dgm:txLinClrLst/>
+    <dgm:txFillClrLst meth="repeat">
+      <a:schemeClr val="lt1"/>
+    </dgm:txFillClrLst>
+    <dgm:txEffectClrLst/>
+  </dgm:styleLbl>
+  <dgm:styleLbl name="parChTrans2D3">
+    <dgm:fillClrLst meth="repeat">
+      <a:schemeClr val="accent1"/>
+    </dgm:fillClrLst>
+    <dgm:linClrLst meth="repeat">
+      <a:schemeClr val="accent1"/>
+    </dgm:linClrLst>
+    <dgm:effectClrLst/>
+    <dgm:txLinClrLst/>
+    <dgm:txFillClrLst meth="repeat">
+      <a:schemeClr val="lt1"/>
+    </dgm:txFillClrLst>
+    <dgm:txEffectClrLst/>
+  </dgm:styleLbl>
+  <dgm:styleLbl name="parChTrans2D4">
+    <dgm:fillClrLst meth="repeat">
+      <a:schemeClr val="accent1"/>
+    </dgm:fillClrLst>
+    <dgm:linClrLst meth="repeat">
+      <a:schemeClr val="accent1"/>
+    </dgm:linClrLst>
+    <dgm:effectClrLst/>
+    <dgm:txLinClrLst/>
+    <dgm:txFillClrLst meth="repeat">
+      <a:schemeClr val="lt1"/>
+    </dgm:txFillClrLst>
+    <dgm:txEffectClrLst/>
+  </dgm:styleLbl>
+  <dgm:styleLbl name="parChTrans1D1">
+    <dgm:fillClrLst meth="repeat">
+      <a:schemeClr val="accent1"/>
+    </dgm:fillClrLst>
+    <dgm:linClrLst meth="repeat">
+      <a:schemeClr val="accent1">
+        <a:shade val="60000"/>
+      </a:schemeClr>
+    </dgm:linClrLst>
+    <dgm:effectClrLst/>
+    <dgm:txLinClrLst/>
+    <dgm:txFillClrLst meth="repeat">
+      <a:schemeClr val="tx1"/>
+    </dgm:txFillClrLst>
+    <dgm:txEffectClrLst/>
+  </dgm:styleLbl>
+  <dgm:styleLbl name="parChTrans1D2">
+    <dgm:fillClrLst meth="repeat">
+      <a:schemeClr val="accent1"/>
+    </dgm:fillClrLst>
+    <dgm:linClrLst meth="repeat">
+      <a:schemeClr val="accent1">
+        <a:shade val="60000"/>
+      </a:schemeClr>
+    </dgm:linClrLst>
+    <dgm:effectClrLst/>
+    <dgm:txLinClrLst/>
+    <dgm:txFillClrLst meth="repeat">
+      <a:schemeClr val="tx1"/>
+    </dgm:txFillClrLst>
+    <dgm:txEffectClrLst/>
+  </dgm:styleLbl>
+  <dgm:styleLbl name="parChTrans1D3">
+    <dgm:fillClrLst meth="repeat">
+      <a:schemeClr val="accent1"/>
+    </dgm:fillClrLst>
+    <dgm:linClrLst meth="repeat">
+      <a:schemeClr val="accent1">
+        <a:shade val="80000"/>
+      </a:schemeClr>
+    </dgm:linClrLst>
+    <dgm:effectClrLst/>
+    <dgm:txLinClrLst/>
+    <dgm:txFillClrLst meth="repeat">
+      <a:schemeClr val="tx1"/>
+    </dgm:txFillClrLst>
+    <dgm:txEffectClrLst/>
+  </dgm:styleLbl>
+  <dgm:styleLbl name="parChTrans1D4">
+    <dgm:fillClrLst meth="repeat">
+      <a:schemeClr val="accent1"/>
+    </dgm:fillClrLst>
+    <dgm:linClrLst meth="repeat">
+      <a:schemeClr val="accent1">
+        <a:shade val="80000"/>
+      </a:schemeClr>
+    </dgm:linClrLst>
+    <dgm:effectClrLst/>
+    <dgm:txLinClrLst/>
+    <dgm:txFillClrLst meth="repeat">
+      <a:schemeClr val="tx1"/>
+    </dgm:txFillClrLst>
+    <dgm:txEffectClrLst/>
+  </dgm:styleLbl>
+  <dgm:styleLbl name="fgAcc1">
+    <dgm:fillClrLst meth="repeat">
+      <a:schemeClr val="lt1">
+        <a:alpha val="90000"/>
+      </a:schemeClr>
+    </dgm:fillClrLst>
+    <dgm:linClrLst meth="repeat">
+      <a:schemeClr val="accent1"/>
+    </dgm:linClrLst>
+    <dgm:effectClrLst/>
+    <dgm:txLinClrLst/>
+    <dgm:txFillClrLst meth="repeat">
+      <a:schemeClr val="dk1"/>
+    </dgm:txFillClrLst>
+    <dgm:txEffectClrLst/>
+  </dgm:styleLbl>
+  <dgm:styleLbl name="conFgAcc1">
+    <dgm:fillClrLst meth="repeat">
+      <a:schemeClr val="lt1">
+        <a:alpha val="90000"/>
+      </a:schemeClr>
+    </dgm:fillClrLst>
+    <dgm:linClrLst meth="repeat">
+      <a:schemeClr val="accent1"/>
+    </dgm:linClrLst>
+    <dgm:effectClrLst/>
+    <dgm:txLinClrLst/>
+    <dgm:txFillClrLst meth="repeat">
+      <a:schemeClr val="dk1"/>
+    </dgm:txFillClrLst>
+    <dgm:txEffectClrLst/>
+  </dgm:styleLbl>
+  <dgm:styleLbl name="alignAcc1">
+    <dgm:fillClrLst meth="repeat">
+      <a:schemeClr val="lt1">
+        <a:alpha val="90000"/>
+      </a:schemeClr>
+    </dgm:fillClrLst>
+    <dgm:linClrLst meth="repeat">
+      <a:schemeClr val="accent1"/>
+    </dgm:linClrLst>
+    <dgm:effectClrLst/>
+    <dgm:txLinClrLst/>
+    <dgm:txFillClrLst meth="repeat">
+      <a:schemeClr val="dk1"/>
+    </dgm:txFillClrLst>
+    <dgm:txEffectClrLst/>
+  </dgm:styleLbl>
+  <dgm:styleLbl name="trAlignAcc1">
+    <dgm:fillClrLst meth="repeat">
+      <a:schemeClr val="lt1">
+        <a:alpha val="40000"/>
+      </a:schemeClr>
+    </dgm:fillClrLst>
+    <dgm:linClrLst meth="repeat">
+      <a:schemeClr val="accent1"/>
+    </dgm:linClrLst>
+    <dgm:effectClrLst/>
+    <dgm:txLinClrLst/>
+    <dgm:txFillClrLst meth="repeat">
+      <a:schemeClr val="dk1"/>
+    </dgm:txFillClrLst>
+    <dgm:txEffectClrLst/>
+  </dgm:styleLbl>
+  <dgm:styleLbl name="bgAcc1">
+    <dgm:fillClrLst meth="repeat">
+      <a:schemeClr val="lt1">
+        <a:alpha val="90000"/>
+      </a:schemeClr>
+    </dgm:fillClrLst>
+    <dgm:linClrLst meth="repeat">
+      <a:schemeClr val="accent1"/>
+    </dgm:linClrLst>
+    <dgm:effectClrLst/>
+    <dgm:txLinClrLst/>
+    <dgm:txFillClrLst meth="repeat">
+      <a:schemeClr val="dk1"/>
+    </dgm:txFillClrLst>
+    <dgm:txEffectClrLst/>
+  </dgm:styleLbl>
+  <dgm:styleLbl name="solidFgAcc1">
+    <dgm:fillClrLst meth="repeat">
+      <a:schemeClr val="lt1"/>
+    </dgm:fillClrLst>
+    <dgm:linClrLst meth="repeat">
+      <a:schemeClr val="accent1"/>
+    </dgm:linClrLst>
+    <dgm:effectClrLst/>
+    <dgm:txLinClrLst/>
+    <dgm:txFillClrLst meth="repeat">
+      <a:schemeClr val="dk1"/>
+    </dgm:txFillClrLst>
+    <dgm:txEffectClrLst/>
+  </dgm:styleLbl>
+  <dgm:styleLbl name="solidAlignAcc1">
+    <dgm:fillClrLst meth="repeat">
+      <a:schemeClr val="lt1"/>
+    </dgm:fillClrLst>
+    <dgm:linClrLst meth="repeat">
+      <a:schemeClr val="accent1"/>
+    </dgm:linClrLst>
+    <dgm:effectClrLst/>
+    <dgm:txLinClrLst/>
+    <dgm:txFillClrLst meth="repeat">
+      <a:schemeClr val="dk1"/>
+    </dgm:txFillClrLst>
+    <dgm:txEffectClrLst/>
+  </dgm:styleLbl>
+  <dgm:styleLbl name="solidBgAcc1">
+    <dgm:fillClrLst meth="repeat">
+      <a:schemeClr val="lt1"/>
+    </dgm:fillClrLst>
+    <dgm:linClrLst meth="repeat">
+      <a:schemeClr val="accent1"/>
+    </dgm:linClrLst>
+    <dgm:effectClrLst/>
+    <dgm:txLinClrLst/>
+    <dgm:txFillClrLst meth="repeat">
+      <a:schemeClr val="dk1"/>
+    </dgm:txFillClrLst>
+    <dgm:txEffectClrLst/>
+  </dgm:styleLbl>
+  <dgm:styleLbl name="fgAccFollowNode1">
+    <dgm:fillClrLst meth="repeat">
+      <a:schemeClr val="accent1">
+        <a:alpha val="90000"/>
+        <a:tint val="40000"/>
+      </a:schemeClr>
+    </dgm:fillClrLst>
+    <dgm:linClrLst meth="repeat">
+      <a:schemeClr val="accent1">
+        <a:alpha val="90000"/>
+        <a:tint val="40000"/>
+      </a:schemeClr>
+    </dgm:linClrLst>
+    <dgm:effectClrLst/>
+    <dgm:txLinClrLst/>
+    <dgm:txFillClrLst meth="repeat">
+      <a:schemeClr val="dk1"/>
+    </dgm:txFillClrLst>
+    <dgm:txEffectClrLst/>
+  </dgm:styleLbl>
+  <dgm:styleLbl name="alignAccFollowNode1">
+    <dgm:fillClrLst meth="repeat">
+      <a:schemeClr val="accent1">
+        <a:alpha val="90000"/>
+        <a:tint val="40000"/>
+      </a:schemeClr>
+    </dgm:fillClrLst>
+    <dgm:linClrLst meth="repeat">
+      <a:schemeClr val="accent1">
+        <a:alpha val="90000"/>
+        <a:tint val="40000"/>
+      </a:schemeClr>
+    </dgm:linClrLst>
+    <dgm:effectClrLst/>
+    <dgm:txLinClrLst/>
+    <dgm:txFillClrLst meth="repeat">
+      <a:schemeClr val="dk1"/>
+    </dgm:txFillClrLst>
+    <dgm:txEffectClrLst/>
+  </dgm:styleLbl>
+  <dgm:styleLbl name="bgAccFollowNode1">
+    <dgm:fillClrLst meth="repeat">
+      <a:schemeClr val="accent1">
+        <a:alpha val="90000"/>
+        <a:tint val="40000"/>
+      </a:schemeClr>
+    </dgm:fillClrLst>
+    <dgm:linClrLst meth="repeat">
+      <a:schemeClr val="accent1">
+        <a:alpha val="90000"/>
+        <a:tint val="40000"/>
+      </a:schemeClr>
+    </dgm:linClrLst>
+    <dgm:effectClrLst/>
+    <dgm:txLinClrLst/>
+    <dgm:txFillClrLst meth="repeat">
+      <a:schemeClr val="dk1"/>
+    </dgm:txFillClrLst>
+    <dgm:txEffectClrLst/>
+  </dgm:styleLbl>
+  <dgm:styleLbl name="fgAcc0">
+    <dgm:fillClrLst meth="repeat">
+      <a:schemeClr val="lt1">
+        <a:alpha val="90000"/>
+      </a:schemeClr>
+    </dgm:fillClrLst>
+    <dgm:linClrLst meth="repeat">
+      <a:schemeClr val="accent1"/>
+    </dgm:linClrLst>
+    <dgm:effectClrLst/>
+    <dgm:txLinClrLst/>
+    <dgm:txFillClrLst meth="repeat">
+      <a:schemeClr val="dk1"/>
+    </dgm:txFillClrLst>
+    <dgm:txEffectClrLst/>
+  </dgm:styleLbl>
+  <dgm:styleLbl name="fgAcc2">
+    <dgm:fillClrLst meth="repeat">
+      <a:schemeClr val="lt1">
+        <a:alpha val="90000"/>
+      </a:schemeClr>
+    </dgm:fillClrLst>
+    <dgm:linClrLst meth="repeat">
+      <a:schemeClr val="accent1"/>
+    </dgm:linClrLst>
+    <dgm:effectClrLst/>
+    <dgm:txLinClrLst/>
+    <dgm:txFillClrLst meth="repeat">
+      <a:schemeClr val="dk1"/>
+    </dgm:txFillClrLst>
+    <dgm:txEffectClrLst/>
+  </dgm:styleLbl>
+  <dgm:styleLbl name="fgAcc3">
+    <dgm:fillClrLst meth="repeat">
+      <a:schemeClr val="lt1">
+        <a:alpha val="90000"/>
+      </a:schemeClr>
+    </dgm:fillClrLst>
+    <dgm:linClrLst meth="repeat">
+      <a:schemeClr val="accent1"/>
+    </dgm:linClrLst>
+    <dgm:effectClrLst/>
+    <dgm:txLinClrLst/>
+    <dgm:txFillClrLst meth="repeat">
+      <a:schemeClr val="dk1"/>
+    </dgm:txFillClrLst>
+    <dgm:txEffectClrLst/>
+  </dgm:styleLbl>
+  <dgm:styleLbl name="fgAcc4">
+    <dgm:fillClrLst meth="repeat">
+      <a:schemeClr val="lt1">
+        <a:alpha val="90000"/>
+      </a:schemeClr>
+    </dgm:fillClrLst>
+    <dgm:linClrLst meth="repeat">
+      <a:schemeClr val="accent1"/>
+    </dgm:linClrLst>
+    <dgm:effectClrLst/>
+    <dgm:txLinClrLst/>
+    <dgm:txFillClrLst meth="repeat">
+      <a:schemeClr val="dk1"/>
+    </dgm:txFillClrLst>
+    <dgm:txEffectClrLst/>
+  </dgm:styleLbl>
+  <dgm:styleLbl name="bgShp">
+    <dgm:fillClrLst meth="repeat">
+      <a:schemeClr val="accent1">
+        <a:tint val="40000"/>
+      </a:schemeClr>
+    </dgm:fillClrLst>
+    <dgm:linClrLst meth="repeat">
+      <a:schemeClr val="accent1"/>
+    </dgm:linClrLst>
+    <dgm:effectClrLst/>
+    <dgm:txLinClrLst/>
+    <dgm:txFillClrLst meth="repeat">
+      <a:schemeClr val="dk1"/>
+    </dgm:txFillClrLst>
+    <dgm:txEffectClrLst/>
+  </dgm:styleLbl>
+  <dgm:styleLbl name="dkBgShp">
+    <dgm:fillClrLst meth="repeat">
+      <a:schemeClr val="accent1">
+        <a:shade val="80000"/>
+      </a:schemeClr>
+    </dgm:fillClrLst>
+    <dgm:linClrLst meth="repeat">
+      <a:schemeClr val="accent1"/>
+    </dgm:linClrLst>
+    <dgm:effectClrLst/>
+    <dgm:txLinClrLst/>
+    <dgm:txFillClrLst meth="repeat">
+      <a:schemeClr val="lt1"/>
+    </dgm:txFillClrLst>
+    <dgm:txEffectClrLst/>
+  </dgm:styleLbl>
+  <dgm:styleLbl name="trBgShp">
+    <dgm:fillClrLst meth="repeat">
+      <a:schemeClr val="accent1">
+        <a:tint val="50000"/>
+        <a:alpha val="40000"/>
+      </a:schemeClr>
+    </dgm:fillClrLst>
+    <dgm:linClrLst meth="repeat">
+      <a:schemeClr val="accent1"/>
+    </dgm:linClrLst>
+    <dgm:effectClrLst/>
+    <dgm:txLinClrLst/>
+    <dgm:txFillClrLst meth="repeat">
+      <a:schemeClr val="lt1"/>
+    </dgm:txFillClrLst>
+    <dgm:txEffectClrLst/>
+  </dgm:styleLbl>
+  <dgm:styleLbl name="fgShp">
+    <dgm:fillClrLst meth="repeat">
+      <a:schemeClr val="accent1">
+        <a:tint val="60000"/>
+      </a:schemeClr>
+    </dgm:fillClrLst>
+    <dgm:linClrLst meth="repeat">
+      <a:schemeClr val="lt1"/>
+    </dgm:linClrLst>
+    <dgm:effectClrLst/>
+    <dgm:txLinClrLst/>
+    <dgm:txFillClrLst meth="repeat">
+      <a:schemeClr val="dk1"/>
+    </dgm:txFillClrLst>
+    <dgm:txEffectClrLst/>
+  </dgm:styleLbl>
+  <dgm:styleLbl name="revTx">
+    <dgm:fillClrLst meth="repeat">
+      <a:schemeClr val="lt1">
+        <a:alpha val="0"/>
+      </a:schemeClr>
+    </dgm:fillClrLst>
+    <dgm:linClrLst meth="repeat">
+      <a:schemeClr val="dk1">
+        <a:alpha val="0"/>
+      </a:schemeClr>
+    </dgm:linClrLst>
+    <dgm:effectClrLst/>
+    <dgm:txLinClrLst/>
+    <dgm:txFillClrLst meth="repeat">
+      <a:schemeClr val="tx1"/>
+    </dgm:txFillClrLst>
+    <dgm:txEffectClrLst/>
+  </dgm:styleLbl>
+</dgm:colorsDef>
+</file>
+
+<file path=ppt/diagrams/colors2.xml><?xml version="1.0" encoding="utf-8"?>
 <dgm:colorsDef xmlns:dgm="http://schemas.openxmlformats.org/drawingml/2006/diagram" xmlns:a="http://schemas.openxmlformats.org/drawingml/2006/main" uniqueId="urn:microsoft.com/office/officeart/2005/8/colors/accent1_2">
   <dgm:title val=""/>
   <dgm:desc val=""/>
@@ -2668,6 +3428,262 @@
     <dgm:cxn modelId="{9F4BC462-E624-4C03-83C3-464BF58F4D6A}" type="presParOf" srcId="{4C94CCAD-6978-4294-911C-1D8261871AE6}" destId="{54E61D26-E328-4F7A-AA8A-577C8FE7EB45}" srcOrd="3" destOrd="0" presId="urn:microsoft.com/office/officeart/2008/layout/HorizontalMultiLevelHierarchy"/>
     <dgm:cxn modelId="{1A16BCAD-1C48-4A06-9250-050840F8619C}" type="presParOf" srcId="{54E61D26-E328-4F7A-AA8A-577C8FE7EB45}" destId="{1E29C45B-29F5-4F4F-BCAE-CD3CA571FBC2}" srcOrd="0" destOrd="0" presId="urn:microsoft.com/office/officeart/2008/layout/HorizontalMultiLevelHierarchy"/>
     <dgm:cxn modelId="{72022285-FB5E-4D5A-A589-4CF624E4B779}" type="presParOf" srcId="{54E61D26-E328-4F7A-AA8A-577C8FE7EB45}" destId="{C16E2485-C403-4FDE-AB88-B2770D2CDD25}" srcOrd="1" destOrd="0" presId="urn:microsoft.com/office/officeart/2008/layout/HorizontalMultiLevelHierarchy"/>
+  </dgm:cxnLst>
+  <dgm:bg/>
+  <dgm:whole/>
+</dgm:dataModel>
+</file>
+
+<file path=ppt/diagrams/data2.xml><?xml version="1.0" encoding="utf-8"?>
+<dgm:dataModel xmlns:dgm="http://schemas.openxmlformats.org/drawingml/2006/diagram" xmlns:a="http://schemas.openxmlformats.org/drawingml/2006/main">
+  <dgm:ptLst>
+    <dgm:pt modelId="{D767EA11-135E-451A-999C-19F1C308079D}" type="doc">
+      <dgm:prSet loTypeId="urn:microsoft.com/office/officeart/2005/8/layout/funnel1" loCatId="relationship" qsTypeId="urn:microsoft.com/office/officeart/2005/8/quickstyle/simple3" qsCatId="simple" csTypeId="urn:microsoft.com/office/officeart/2005/8/colors/accent1_2" csCatId="accent1" phldr="1"/>
+      <dgm:spPr/>
+    </dgm:pt>
+    <dgm:pt modelId="{6DC5D734-9B85-486D-A21E-C3CE605A2E9B}">
+      <dgm:prSet phldrT="[Text]"/>
+      <dgm:spPr/>
+      <dgm:t>
+        <a:bodyPr/>
+        <a:lstStyle/>
+        <a:p>
+          <a:r>
+            <a:rPr lang="en-US" dirty="0"/>
+            <a:t>CSS</a:t>
+          </a:r>
+        </a:p>
+      </dgm:t>
+    </dgm:pt>
+    <dgm:pt modelId="{49C7C6B9-39D6-4904-BFE2-92E1D08881BA}" type="parTrans" cxnId="{530C1347-1C38-4785-8AFF-43D01CFC989B}">
+      <dgm:prSet/>
+      <dgm:spPr/>
+      <dgm:t>
+        <a:bodyPr/>
+        <a:lstStyle/>
+        <a:p>
+          <a:endParaRPr lang="en-US"/>
+        </a:p>
+      </dgm:t>
+    </dgm:pt>
+    <dgm:pt modelId="{0CAD542D-72D4-454B-8F77-B1CE2A35B301}" type="sibTrans" cxnId="{530C1347-1C38-4785-8AFF-43D01CFC989B}">
+      <dgm:prSet/>
+      <dgm:spPr/>
+      <dgm:t>
+        <a:bodyPr/>
+        <a:lstStyle/>
+        <a:p>
+          <a:endParaRPr lang="en-US"/>
+        </a:p>
+      </dgm:t>
+    </dgm:pt>
+    <dgm:pt modelId="{82113458-4205-4968-BF9F-3A1337DA0619}">
+      <dgm:prSet phldrT="[Text]"/>
+      <dgm:spPr/>
+      <dgm:t>
+        <a:bodyPr/>
+        <a:lstStyle/>
+        <a:p>
+          <a:r>
+            <a:rPr lang="en-US" dirty="0"/>
+            <a:t>DOM</a:t>
+          </a:r>
+        </a:p>
+      </dgm:t>
+    </dgm:pt>
+    <dgm:pt modelId="{1775B296-A43D-4D8E-A7A5-868BFB6CF5B8}" type="parTrans" cxnId="{085D9B23-7046-439F-BD9E-979CDE85DFD1}">
+      <dgm:prSet/>
+      <dgm:spPr/>
+      <dgm:t>
+        <a:bodyPr/>
+        <a:lstStyle/>
+        <a:p>
+          <a:endParaRPr lang="en-US"/>
+        </a:p>
+      </dgm:t>
+    </dgm:pt>
+    <dgm:pt modelId="{A8E85A50-9EBF-4EC1-9A22-BEAD6FB5F670}" type="sibTrans" cxnId="{085D9B23-7046-439F-BD9E-979CDE85DFD1}">
+      <dgm:prSet/>
+      <dgm:spPr/>
+      <dgm:t>
+        <a:bodyPr/>
+        <a:lstStyle/>
+        <a:p>
+          <a:endParaRPr lang="en-US"/>
+        </a:p>
+      </dgm:t>
+    </dgm:pt>
+    <dgm:pt modelId="{3627E7AD-6D0A-47FD-9D76-B1CA2BA44718}">
+      <dgm:prSet phldrT="[Text]"/>
+      <dgm:spPr/>
+      <dgm:t>
+        <a:bodyPr/>
+        <a:lstStyle/>
+        <a:p>
+          <a:r>
+            <a:rPr lang="en-US" dirty="0"/>
+            <a:t>JavaScript</a:t>
+          </a:r>
+        </a:p>
+      </dgm:t>
+    </dgm:pt>
+    <dgm:pt modelId="{F002211D-2650-48BF-A752-304D66A0218E}" type="parTrans" cxnId="{E45DB704-1E5A-4820-A1DF-9C9A62468BE5}">
+      <dgm:prSet/>
+      <dgm:spPr/>
+      <dgm:t>
+        <a:bodyPr/>
+        <a:lstStyle/>
+        <a:p>
+          <a:endParaRPr lang="en-US"/>
+        </a:p>
+      </dgm:t>
+    </dgm:pt>
+    <dgm:pt modelId="{857FD801-3450-4DA9-A6D7-3B331E9A9768}" type="sibTrans" cxnId="{E45DB704-1E5A-4820-A1DF-9C9A62468BE5}">
+      <dgm:prSet/>
+      <dgm:spPr/>
+      <dgm:t>
+        <a:bodyPr/>
+        <a:lstStyle/>
+        <a:p>
+          <a:endParaRPr lang="en-US"/>
+        </a:p>
+      </dgm:t>
+    </dgm:pt>
+    <dgm:pt modelId="{52D8BD56-C9CC-4162-938B-E554C4B2D8F4}">
+      <dgm:prSet phldrT="[Text]"/>
+      <dgm:spPr/>
+      <dgm:t>
+        <a:bodyPr/>
+        <a:lstStyle/>
+        <a:p>
+          <a:r>
+            <a:rPr lang="en-US" dirty="0"/>
+            <a:t>HTML</a:t>
+          </a:r>
+        </a:p>
+      </dgm:t>
+    </dgm:pt>
+    <dgm:pt modelId="{86D9CDAD-639A-4F89-AC5C-6BFC7800186E}" type="parTrans" cxnId="{43D69276-BBB2-4C6F-9EB9-CEB8B92B627F}">
+      <dgm:prSet/>
+      <dgm:spPr/>
+      <dgm:t>
+        <a:bodyPr/>
+        <a:lstStyle/>
+        <a:p>
+          <a:endParaRPr lang="en-US"/>
+        </a:p>
+      </dgm:t>
+    </dgm:pt>
+    <dgm:pt modelId="{02E44A95-4435-4EE6-9CE8-FF09837A7C11}" type="sibTrans" cxnId="{43D69276-BBB2-4C6F-9EB9-CEB8B92B627F}">
+      <dgm:prSet/>
+      <dgm:spPr/>
+      <dgm:t>
+        <a:bodyPr/>
+        <a:lstStyle/>
+        <a:p>
+          <a:endParaRPr lang="en-US"/>
+        </a:p>
+      </dgm:t>
+    </dgm:pt>
+    <dgm:pt modelId="{D3FB92C8-D882-4EE2-B416-C6A5FD1811BB}" type="pres">
+      <dgm:prSet presAssocID="{D767EA11-135E-451A-999C-19F1C308079D}" presName="Name0" presStyleCnt="0">
+        <dgm:presLayoutVars>
+          <dgm:chMax val="4"/>
+          <dgm:resizeHandles val="exact"/>
+        </dgm:presLayoutVars>
+      </dgm:prSet>
+      <dgm:spPr/>
+    </dgm:pt>
+    <dgm:pt modelId="{80EDB534-89C9-43E7-8C8C-255266C5677C}" type="pres">
+      <dgm:prSet presAssocID="{D767EA11-135E-451A-999C-19F1C308079D}" presName="ellipse" presStyleLbl="trBgShp" presStyleIdx="0" presStyleCnt="1"/>
+      <dgm:spPr/>
+    </dgm:pt>
+    <dgm:pt modelId="{42B2E358-3268-4FE7-9F44-81734CF92AD6}" type="pres">
+      <dgm:prSet presAssocID="{D767EA11-135E-451A-999C-19F1C308079D}" presName="arrow1" presStyleLbl="fgShp" presStyleIdx="0" presStyleCnt="1"/>
+      <dgm:spPr/>
+    </dgm:pt>
+    <dgm:pt modelId="{14C7F410-6DE6-4F6F-9791-04C9A0BFC46D}" type="pres">
+      <dgm:prSet presAssocID="{D767EA11-135E-451A-999C-19F1C308079D}" presName="rectangle" presStyleLbl="revTx" presStyleIdx="0" presStyleCnt="1">
+        <dgm:presLayoutVars>
+          <dgm:bulletEnabled val="1"/>
+        </dgm:presLayoutVars>
+      </dgm:prSet>
+      <dgm:spPr/>
+      <dgm:t>
+        <a:bodyPr/>
+        <a:lstStyle/>
+        <a:p>
+          <a:endParaRPr lang="en-US"/>
+        </a:p>
+      </dgm:t>
+    </dgm:pt>
+    <dgm:pt modelId="{F64EFAEE-A9F6-4EAA-8243-6842A1E75FA6}" type="pres">
+      <dgm:prSet presAssocID="{52D8BD56-C9CC-4162-938B-E554C4B2D8F4}" presName="item1" presStyleLbl="node1" presStyleIdx="0" presStyleCnt="3">
+        <dgm:presLayoutVars>
+          <dgm:bulletEnabled val="1"/>
+        </dgm:presLayoutVars>
+      </dgm:prSet>
+      <dgm:spPr/>
+      <dgm:t>
+        <a:bodyPr/>
+        <a:lstStyle/>
+        <a:p>
+          <a:endParaRPr lang="en-US"/>
+        </a:p>
+      </dgm:t>
+    </dgm:pt>
+    <dgm:pt modelId="{7E79D3A1-31DF-4064-98D1-80321030F7B6}" type="pres">
+      <dgm:prSet presAssocID="{6DC5D734-9B85-486D-A21E-C3CE605A2E9B}" presName="item2" presStyleLbl="node1" presStyleIdx="1" presStyleCnt="3">
+        <dgm:presLayoutVars>
+          <dgm:bulletEnabled val="1"/>
+        </dgm:presLayoutVars>
+      </dgm:prSet>
+      <dgm:spPr/>
+      <dgm:t>
+        <a:bodyPr/>
+        <a:lstStyle/>
+        <a:p>
+          <a:endParaRPr lang="en-US"/>
+        </a:p>
+      </dgm:t>
+    </dgm:pt>
+    <dgm:pt modelId="{754C290C-E9C9-4206-BF53-CFD2F7E2AB96}" type="pres">
+      <dgm:prSet presAssocID="{82113458-4205-4968-BF9F-3A1337DA0619}" presName="item3" presStyleLbl="node1" presStyleIdx="2" presStyleCnt="3">
+        <dgm:presLayoutVars>
+          <dgm:bulletEnabled val="1"/>
+        </dgm:presLayoutVars>
+      </dgm:prSet>
+      <dgm:spPr/>
+      <dgm:t>
+        <a:bodyPr/>
+        <a:lstStyle/>
+        <a:p>
+          <a:endParaRPr lang="en-US"/>
+        </a:p>
+      </dgm:t>
+    </dgm:pt>
+    <dgm:pt modelId="{1821174D-DD05-489C-B105-700A0534568F}" type="pres">
+      <dgm:prSet presAssocID="{D767EA11-135E-451A-999C-19F1C308079D}" presName="funnel" presStyleLbl="trAlignAcc1" presStyleIdx="0" presStyleCnt="1"/>
+      <dgm:spPr/>
+    </dgm:pt>
+  </dgm:ptLst>
+  <dgm:cxnLst>
+    <dgm:cxn modelId="{E45DB704-1E5A-4820-A1DF-9C9A62468BE5}" srcId="{D767EA11-135E-451A-999C-19F1C308079D}" destId="{3627E7AD-6D0A-47FD-9D76-B1CA2BA44718}" srcOrd="0" destOrd="0" parTransId="{F002211D-2650-48BF-A752-304D66A0218E}" sibTransId="{857FD801-3450-4DA9-A6D7-3B331E9A9768}"/>
+    <dgm:cxn modelId="{D7E84405-4778-47BC-B8B6-3A9F32E1C0D0}" type="presOf" srcId="{3627E7AD-6D0A-47FD-9D76-B1CA2BA44718}" destId="{754C290C-E9C9-4206-BF53-CFD2F7E2AB96}" srcOrd="0" destOrd="0" presId="urn:microsoft.com/office/officeart/2005/8/layout/funnel1"/>
+    <dgm:cxn modelId="{5BFB243B-34ED-4652-B735-561611A49A35}" type="presOf" srcId="{82113458-4205-4968-BF9F-3A1337DA0619}" destId="{14C7F410-6DE6-4F6F-9791-04C9A0BFC46D}" srcOrd="0" destOrd="0" presId="urn:microsoft.com/office/officeart/2005/8/layout/funnel1"/>
+    <dgm:cxn modelId="{3042D550-CD61-47C2-A0C0-E7719DDF4F79}" type="presOf" srcId="{6DC5D734-9B85-486D-A21E-C3CE605A2E9B}" destId="{F64EFAEE-A9F6-4EAA-8243-6842A1E75FA6}" srcOrd="0" destOrd="0" presId="urn:microsoft.com/office/officeart/2005/8/layout/funnel1"/>
+    <dgm:cxn modelId="{45DF3088-D4C7-499D-AE8F-9F30C33902F8}" type="presOf" srcId="{D767EA11-135E-451A-999C-19F1C308079D}" destId="{D3FB92C8-D882-4EE2-B416-C6A5FD1811BB}" srcOrd="0" destOrd="0" presId="urn:microsoft.com/office/officeart/2005/8/layout/funnel1"/>
+    <dgm:cxn modelId="{2A12E89D-081A-4B2F-95F3-831A5C7FACA0}" type="presOf" srcId="{52D8BD56-C9CC-4162-938B-E554C4B2D8F4}" destId="{7E79D3A1-31DF-4064-98D1-80321030F7B6}" srcOrd="0" destOrd="0" presId="urn:microsoft.com/office/officeart/2005/8/layout/funnel1"/>
+    <dgm:cxn modelId="{085D9B23-7046-439F-BD9E-979CDE85DFD1}" srcId="{D767EA11-135E-451A-999C-19F1C308079D}" destId="{82113458-4205-4968-BF9F-3A1337DA0619}" srcOrd="3" destOrd="0" parTransId="{1775B296-A43D-4D8E-A7A5-868BFB6CF5B8}" sibTransId="{A8E85A50-9EBF-4EC1-9A22-BEAD6FB5F670}"/>
+    <dgm:cxn modelId="{43D69276-BBB2-4C6F-9EB9-CEB8B92B627F}" srcId="{D767EA11-135E-451A-999C-19F1C308079D}" destId="{52D8BD56-C9CC-4162-938B-E554C4B2D8F4}" srcOrd="1" destOrd="0" parTransId="{86D9CDAD-639A-4F89-AC5C-6BFC7800186E}" sibTransId="{02E44A95-4435-4EE6-9CE8-FF09837A7C11}"/>
+    <dgm:cxn modelId="{530C1347-1C38-4785-8AFF-43D01CFC989B}" srcId="{D767EA11-135E-451A-999C-19F1C308079D}" destId="{6DC5D734-9B85-486D-A21E-C3CE605A2E9B}" srcOrd="2" destOrd="0" parTransId="{49C7C6B9-39D6-4904-BFE2-92E1D08881BA}" sibTransId="{0CAD542D-72D4-454B-8F77-B1CE2A35B301}"/>
+    <dgm:cxn modelId="{5321E73C-B37C-4FB8-92B8-CF2A851A6310}" type="presParOf" srcId="{D3FB92C8-D882-4EE2-B416-C6A5FD1811BB}" destId="{80EDB534-89C9-43E7-8C8C-255266C5677C}" srcOrd="0" destOrd="0" presId="urn:microsoft.com/office/officeart/2005/8/layout/funnel1"/>
+    <dgm:cxn modelId="{9B5738AF-93F3-4EB1-8536-53E4318F70A5}" type="presParOf" srcId="{D3FB92C8-D882-4EE2-B416-C6A5FD1811BB}" destId="{42B2E358-3268-4FE7-9F44-81734CF92AD6}" srcOrd="1" destOrd="0" presId="urn:microsoft.com/office/officeart/2005/8/layout/funnel1"/>
+    <dgm:cxn modelId="{9C6E4D21-2CF9-4657-B0BD-56A81A3A5E02}" type="presParOf" srcId="{D3FB92C8-D882-4EE2-B416-C6A5FD1811BB}" destId="{14C7F410-6DE6-4F6F-9791-04C9A0BFC46D}" srcOrd="2" destOrd="0" presId="urn:microsoft.com/office/officeart/2005/8/layout/funnel1"/>
+    <dgm:cxn modelId="{45C99AC7-162B-4690-AB58-C92CF6CBD34F}" type="presParOf" srcId="{D3FB92C8-D882-4EE2-B416-C6A5FD1811BB}" destId="{F64EFAEE-A9F6-4EAA-8243-6842A1E75FA6}" srcOrd="3" destOrd="0" presId="urn:microsoft.com/office/officeart/2005/8/layout/funnel1"/>
+    <dgm:cxn modelId="{5A852551-ECF4-4968-9BC5-38D644D799F5}" type="presParOf" srcId="{D3FB92C8-D882-4EE2-B416-C6A5FD1811BB}" destId="{7E79D3A1-31DF-4064-98D1-80321030F7B6}" srcOrd="4" destOrd="0" presId="urn:microsoft.com/office/officeart/2005/8/layout/funnel1"/>
+    <dgm:cxn modelId="{8451FB74-78C4-4EA7-B387-6FB9C10DD4EC}" type="presParOf" srcId="{D3FB92C8-D882-4EE2-B416-C6A5FD1811BB}" destId="{754C290C-E9C9-4206-BF53-CFD2F7E2AB96}" srcOrd="5" destOrd="0" presId="urn:microsoft.com/office/officeart/2005/8/layout/funnel1"/>
+    <dgm:cxn modelId="{D4386925-9B9E-4A96-8C31-F52429CE5DBE}" type="presParOf" srcId="{D3FB92C8-D882-4EE2-B416-C6A5FD1811BB}" destId="{1821174D-DD05-489C-B105-700A0534568F}" srcOrd="6" destOrd="0" presId="urn:microsoft.com/office/officeart/2005/8/layout/funnel1"/>
   </dgm:cxnLst>
   <dgm:bg/>
   <dgm:whole/>
@@ -2997,6 +4013,324 @@
 </dgm:layoutDef>
 </file>
 
+<file path=ppt/diagrams/layout2.xml><?xml version="1.0" encoding="utf-8"?>
+<dgm:layoutDef xmlns:dgm="http://schemas.openxmlformats.org/drawingml/2006/diagram" xmlns:a="http://schemas.openxmlformats.org/drawingml/2006/main" uniqueId="urn:microsoft.com/office/officeart/2005/8/layout/funnel1">
+  <dgm:title val=""/>
+  <dgm:desc val=""/>
+  <dgm:catLst>
+    <dgm:cat type="relationship" pri="2000"/>
+    <dgm:cat type="process" pri="27000"/>
+  </dgm:catLst>
+  <dgm:sampData>
+    <dgm:dataModel>
+      <dgm:ptLst>
+        <dgm:pt modelId="0" type="doc"/>
+        <dgm:pt modelId="1">
+          <dgm:prSet phldr="1"/>
+        </dgm:pt>
+        <dgm:pt modelId="2">
+          <dgm:prSet phldr="1"/>
+        </dgm:pt>
+        <dgm:pt modelId="3">
+          <dgm:prSet phldr="1"/>
+        </dgm:pt>
+        <dgm:pt modelId="4">
+          <dgm:prSet phldr="1"/>
+        </dgm:pt>
+      </dgm:ptLst>
+      <dgm:cxnLst>
+        <dgm:cxn modelId="5" srcId="0" destId="1" srcOrd="0" destOrd="0"/>
+        <dgm:cxn modelId="6" srcId="0" destId="2" srcOrd="1" destOrd="0"/>
+        <dgm:cxn modelId="7" srcId="0" destId="3" srcOrd="2" destOrd="0"/>
+        <dgm:cxn modelId="8" srcId="0" destId="4" srcOrd="3" destOrd="0"/>
+      </dgm:cxnLst>
+      <dgm:bg/>
+      <dgm:whole/>
+    </dgm:dataModel>
+  </dgm:sampData>
+  <dgm:styleData>
+    <dgm:dataModel>
+      <dgm:ptLst>
+        <dgm:pt modelId="0" type="doc"/>
+        <dgm:pt modelId="1"/>
+        <dgm:pt modelId="2"/>
+      </dgm:ptLst>
+      <dgm:cxnLst>
+        <dgm:cxn modelId="3" srcId="0" destId="1" srcOrd="0" destOrd="0"/>
+        <dgm:cxn modelId="4" srcId="0" destId="2" srcOrd="1" destOrd="0"/>
+      </dgm:cxnLst>
+      <dgm:bg/>
+      <dgm:whole/>
+    </dgm:dataModel>
+  </dgm:styleData>
+  <dgm:clrData>
+    <dgm:dataModel>
+      <dgm:ptLst>
+        <dgm:pt modelId="0" type="doc"/>
+        <dgm:pt modelId="1"/>
+        <dgm:pt modelId="2"/>
+        <dgm:pt modelId="3"/>
+        <dgm:pt modelId="4"/>
+      </dgm:ptLst>
+      <dgm:cxnLst>
+        <dgm:cxn modelId="5" srcId="0" destId="1" srcOrd="0" destOrd="0"/>
+        <dgm:cxn modelId="6" srcId="0" destId="2" srcOrd="1" destOrd="0"/>
+        <dgm:cxn modelId="7" srcId="0" destId="3" srcOrd="2" destOrd="0"/>
+        <dgm:cxn modelId="8" srcId="0" destId="4" srcOrd="3" destOrd="0"/>
+      </dgm:cxnLst>
+      <dgm:bg/>
+      <dgm:whole/>
+    </dgm:dataModel>
+  </dgm:clrData>
+  <dgm:layoutNode name="Name0">
+    <dgm:varLst>
+      <dgm:chMax val="4"/>
+      <dgm:resizeHandles val="exact"/>
+    </dgm:varLst>
+    <dgm:alg type="composite">
+      <dgm:param type="ar" val="1.25"/>
+    </dgm:alg>
+    <dgm:shape xmlns:r="http://schemas.openxmlformats.org/officeDocument/2006/relationships" r:blip="">
+      <dgm:adjLst/>
+    </dgm:shape>
+    <dgm:presOf/>
+    <dgm:choose name="Name1">
+      <dgm:if name="Name2" axis="ch" ptType="node" func="cnt" op="equ" val="2">
+        <dgm:constrLst>
+          <dgm:constr type="w" for="ch" forName="ellipse" refType="w" fact="0.645"/>
+          <dgm:constr type="h" for="ch" forName="ellipse" refType="h" fact="0.28"/>
+          <dgm:constr type="t" for="ch" forName="ellipse" refType="w" fact="0.0275"/>
+          <dgm:constr type="l" for="ch" forName="ellipse" refType="w" fact="0.0265"/>
+          <dgm:constr type="w" for="ch" forName="arrow1" refType="w" fact="0.125"/>
+          <dgm:constr type="h" for="ch" forName="arrow1" refType="h" fact="0.1"/>
+          <dgm:constr type="t" for="ch" forName="arrow1" refType="h" fact="0.72"/>
+          <dgm:constr type="l" for="ch" forName="arrow1" refType="w" fact="0.2875"/>
+          <dgm:constr type="w" for="ch" forName="rectangle" refType="w" fact="0.6"/>
+          <dgm:constr type="h" for="ch" forName="rectangle" refType="w" refFor="ch" refForName="rectangle" fact="0.25"/>
+          <dgm:constr type="t" for="ch" forName="rectangle" refType="h" fact="0.8"/>
+          <dgm:constr type="l" for="ch" forName="rectangle" refType="w" fact="0.05"/>
+          <dgm:constr type="w" for="ch" forName="item1" refType="w" fact="0.35"/>
+          <dgm:constr type="h" for="ch" forName="item1" refType="w" fact="0.35"/>
+          <dgm:constr type="t" for="ch" forName="item1" refType="h" fact="0.05"/>
+          <dgm:constr type="l" for="ch" forName="item1" refType="w" fact="0.125"/>
+          <dgm:constr type="primFontSz" for="ch" forName="item1" op="equ" val="65"/>
+          <dgm:constr type="w" for="ch" forName="funnel" refType="w" fact="0.7"/>
+          <dgm:constr type="h" for="ch" forName="funnel" refType="h" fact="0.7"/>
+          <dgm:constr type="t" for="ch" forName="funnel"/>
+          <dgm:constr type="l" for="ch" forName="funnel"/>
+        </dgm:constrLst>
+      </dgm:if>
+      <dgm:else name="Name3">
+        <dgm:constrLst>
+          <dgm:constr type="w" for="ch" forName="ellipse" refType="w" fact="0.645"/>
+          <dgm:constr type="h" for="ch" forName="ellipse" refType="h" fact="0.28"/>
+          <dgm:constr type="t" for="ch" forName="ellipse" refType="w" fact="0.0275"/>
+          <dgm:constr type="l" for="ch" forName="ellipse" refType="w" fact="0.0265"/>
+          <dgm:constr type="w" for="ch" forName="arrow1" refType="w" fact="0.125"/>
+          <dgm:constr type="h" for="ch" forName="arrow1" refType="h" fact="0.1"/>
+          <dgm:constr type="t" for="ch" forName="arrow1" refType="h" fact="0.72"/>
+          <dgm:constr type="l" for="ch" forName="arrow1" refType="w" fact="0.2875"/>
+          <dgm:constr type="w" for="ch" forName="rectangle" refType="w" fact="0.6"/>
+          <dgm:constr type="h" for="ch" forName="rectangle" refType="w" refFor="ch" refForName="rectangle" fact="0.25"/>
+          <dgm:constr type="t" for="ch" forName="rectangle" refType="h" fact="0.8"/>
+          <dgm:constr type="l" for="ch" forName="rectangle" refType="w" fact="0.05"/>
+          <dgm:constr type="primFontSz" for="ch" forName="rectangle" val="65"/>
+          <dgm:constr type="w" for="ch" forName="item1" refType="w" fact="0.225"/>
+          <dgm:constr type="h" for="ch" forName="item1" refType="w" fact="0.225"/>
+          <dgm:constr type="t" for="ch" forName="item1" refType="h" fact="0.336"/>
+          <dgm:constr type="l" for="ch" forName="item1" refType="w" fact="0.261"/>
+          <dgm:constr type="primFontSz" for="ch" forName="item1" val="65"/>
+          <dgm:constr type="w" for="ch" forName="item2" refType="w" fact="0.225"/>
+          <dgm:constr type="h" for="ch" forName="item2" refType="w" fact="0.225"/>
+          <dgm:constr type="t" for="ch" forName="item2" refType="h" fact="0.125"/>
+          <dgm:constr type="l" for="ch" forName="item2" refType="w" fact="0.1"/>
+          <dgm:constr type="primFontSz" for="ch" forName="item2" refType="primFontSz" refFor="ch" refForName="item1" op="equ"/>
+          <dgm:constr type="w" for="ch" forName="item3" refType="w" fact="0.225"/>
+          <dgm:constr type="h" for="ch" forName="item3" refType="w" fact="0.225"/>
+          <dgm:constr type="t" for="ch" forName="item3" refType="h" fact="0.057"/>
+          <dgm:constr type="l" for="ch" forName="item3" refType="w" fact="0.33"/>
+          <dgm:constr type="primFontSz" for="ch" forName="item3" refType="primFontSz" refFor="ch" refForName="item1" op="equ"/>
+          <dgm:constr type="w" for="ch" forName="funnel" refType="w" fact="0.7"/>
+          <dgm:constr type="h" for="ch" forName="funnel" refType="h" fact="0.7"/>
+          <dgm:constr type="t" for="ch" forName="funnel"/>
+          <dgm:constr type="l" for="ch" forName="funnel"/>
+        </dgm:constrLst>
+      </dgm:else>
+    </dgm:choose>
+    <dgm:ruleLst/>
+    <dgm:choose name="Name4">
+      <dgm:if name="Name5" axis="ch" ptType="node" func="cnt" op="gte" val="1">
+        <dgm:layoutNode name="ellipse" styleLbl="trBgShp">
+          <dgm:alg type="sp"/>
+          <dgm:shape xmlns:r="http://schemas.openxmlformats.org/officeDocument/2006/relationships" type="ellipse" r:blip="">
+            <dgm:adjLst/>
+          </dgm:shape>
+          <dgm:presOf/>
+          <dgm:constrLst/>
+          <dgm:ruleLst/>
+        </dgm:layoutNode>
+        <dgm:layoutNode name="arrow1" styleLbl="fgShp">
+          <dgm:alg type="sp"/>
+          <dgm:shape xmlns:r="http://schemas.openxmlformats.org/officeDocument/2006/relationships" type="downArrow" r:blip="">
+            <dgm:adjLst/>
+          </dgm:shape>
+          <dgm:presOf/>
+          <dgm:constrLst/>
+          <dgm:ruleLst/>
+        </dgm:layoutNode>
+        <dgm:layoutNode name="rectangle" styleLbl="revTx">
+          <dgm:varLst>
+            <dgm:bulletEnabled val="1"/>
+          </dgm:varLst>
+          <dgm:alg type="tx">
+            <dgm:param type="txAnchorHorzCh" val="ctr"/>
+          </dgm:alg>
+          <dgm:shape xmlns:r="http://schemas.openxmlformats.org/officeDocument/2006/relationships" type="rect" r:blip="">
+            <dgm:adjLst/>
+          </dgm:shape>
+          <dgm:choose name="Name6">
+            <dgm:if name="Name7" axis="ch" ptType="node" func="cnt" op="equ" val="1">
+              <dgm:presOf axis="ch desOrSelf" ptType="node node" st="1 1" cnt="1 0"/>
+            </dgm:if>
+            <dgm:if name="Name8" axis="ch" ptType="node" func="cnt" op="equ" val="2">
+              <dgm:presOf axis="ch desOrSelf" ptType="node node" st="2 1" cnt="1 0"/>
+            </dgm:if>
+            <dgm:if name="Name9" axis="ch" ptType="node" func="cnt" op="equ" val="3">
+              <dgm:presOf axis="ch desOrSelf" ptType="node node" st="3 1" cnt="1 0"/>
+            </dgm:if>
+            <dgm:else name="Name10">
+              <dgm:presOf axis="ch desOrSelf" ptType="node node" st="4 1" cnt="1 0"/>
+            </dgm:else>
+          </dgm:choose>
+          <dgm:constrLst/>
+          <dgm:ruleLst>
+            <dgm:rule type="primFontSz" val="5" fact="NaN" max="NaN"/>
+          </dgm:ruleLst>
+        </dgm:layoutNode>
+        <dgm:forEach name="Name11" axis="ch" ptType="node" st="2" cnt="1">
+          <dgm:layoutNode name="item1" styleLbl="node1">
+            <dgm:varLst>
+              <dgm:bulletEnabled val="1"/>
+            </dgm:varLst>
+            <dgm:alg type="tx">
+              <dgm:param type="txAnchorVertCh" val="mid"/>
+            </dgm:alg>
+            <dgm:shape xmlns:r="http://schemas.openxmlformats.org/officeDocument/2006/relationships" type="ellipse" r:blip="">
+              <dgm:adjLst/>
+            </dgm:shape>
+            <dgm:choose name="Name12">
+              <dgm:if name="Name13" axis="root ch" ptType="all node" func="cnt" op="equ" val="1">
+                <dgm:presOf/>
+              </dgm:if>
+              <dgm:if name="Name14" axis="root ch" ptType="all node" func="cnt" op="equ" val="2">
+                <dgm:presOf axis="root ch desOrSelf" ptType="all node node" st="1 1 1" cnt="0 1 0"/>
+              </dgm:if>
+              <dgm:if name="Name15" axis="root ch" ptType="all node" func="cnt" op="equ" val="3">
+                <dgm:presOf axis="root ch desOrSelf" ptType="all node node" st="1 2 1" cnt="0 1 0"/>
+              </dgm:if>
+              <dgm:else name="Name16">
+                <dgm:presOf axis="root ch desOrSelf" ptType="all node node" st="1 3 1" cnt="0 1 0"/>
+              </dgm:else>
+            </dgm:choose>
+            <dgm:constrLst>
+              <dgm:constr type="tMarg" refType="primFontSz" fact="0.1"/>
+              <dgm:constr type="bMarg" refType="primFontSz" fact="0.1"/>
+              <dgm:constr type="lMarg" refType="primFontSz" fact="0.1"/>
+              <dgm:constr type="rMarg" refType="primFontSz" fact="0.1"/>
+            </dgm:constrLst>
+            <dgm:ruleLst>
+              <dgm:rule type="primFontSz" val="5" fact="NaN" max="NaN"/>
+            </dgm:ruleLst>
+          </dgm:layoutNode>
+        </dgm:forEach>
+        <dgm:forEach name="Name17" axis="ch" ptType="node" st="3" cnt="1">
+          <dgm:layoutNode name="item2" styleLbl="node1">
+            <dgm:varLst>
+              <dgm:bulletEnabled val="1"/>
+            </dgm:varLst>
+            <dgm:alg type="tx">
+              <dgm:param type="txAnchorVertCh" val="mid"/>
+            </dgm:alg>
+            <dgm:shape xmlns:r="http://schemas.openxmlformats.org/officeDocument/2006/relationships" type="ellipse" r:blip="">
+              <dgm:adjLst/>
+            </dgm:shape>
+            <dgm:choose name="Name18">
+              <dgm:if name="Name19" axis="root ch" ptType="all node" func="cnt" op="equ" val="1">
+                <dgm:presOf/>
+              </dgm:if>
+              <dgm:if name="Name20" axis="root ch" ptType="all node" func="cnt" op="equ" val="2">
+                <dgm:presOf/>
+              </dgm:if>
+              <dgm:if name="Name21" axis="root ch" ptType="all node" func="cnt" op="equ" val="3">
+                <dgm:presOf axis="root ch desOrSelf" ptType="all node node" st="1 1 1" cnt="0 1 0"/>
+              </dgm:if>
+              <dgm:else name="Name22">
+                <dgm:presOf axis="root ch desOrSelf" ptType="all node node" st="1 2 1" cnt="0 1 0"/>
+              </dgm:else>
+            </dgm:choose>
+            <dgm:constrLst>
+              <dgm:constr type="tMarg" refType="primFontSz" fact="0.1"/>
+              <dgm:constr type="bMarg" refType="primFontSz" fact="0.1"/>
+              <dgm:constr type="lMarg" refType="primFontSz" fact="0.1"/>
+              <dgm:constr type="rMarg" refType="primFontSz" fact="0.1"/>
+            </dgm:constrLst>
+            <dgm:ruleLst>
+              <dgm:rule type="primFontSz" val="5" fact="NaN" max="NaN"/>
+            </dgm:ruleLst>
+          </dgm:layoutNode>
+        </dgm:forEach>
+        <dgm:forEach name="Name23" axis="ch" ptType="node" st="4" cnt="1">
+          <dgm:layoutNode name="item3" styleLbl="node1">
+            <dgm:varLst>
+              <dgm:bulletEnabled val="1"/>
+            </dgm:varLst>
+            <dgm:alg type="tx">
+              <dgm:param type="txAnchorVertCh" val="mid"/>
+            </dgm:alg>
+            <dgm:shape xmlns:r="http://schemas.openxmlformats.org/officeDocument/2006/relationships" type="ellipse" r:blip="">
+              <dgm:adjLst/>
+            </dgm:shape>
+            <dgm:choose name="Name24">
+              <dgm:if name="Name25" axis="root ch" ptType="all node" func="cnt" op="equ" val="1">
+                <dgm:presOf/>
+              </dgm:if>
+              <dgm:if name="Name26" axis="root ch" ptType="all node" func="cnt" op="equ" val="2">
+                <dgm:presOf/>
+              </dgm:if>
+              <dgm:if name="Name27" axis="root ch" ptType="all node" func="cnt" op="equ" val="3">
+                <dgm:presOf/>
+              </dgm:if>
+              <dgm:else name="Name28">
+                <dgm:presOf axis="root ch desOrSelf" ptType="all node node" st="1 1 1" cnt="0 1 0"/>
+              </dgm:else>
+            </dgm:choose>
+            <dgm:constrLst>
+              <dgm:constr type="tMarg" refType="primFontSz" fact="0.1"/>
+              <dgm:constr type="bMarg" refType="primFontSz" fact="0.1"/>
+              <dgm:constr type="lMarg" refType="primFontSz" fact="0.1"/>
+              <dgm:constr type="rMarg" refType="primFontSz" fact="0.1"/>
+            </dgm:constrLst>
+            <dgm:ruleLst>
+              <dgm:rule type="primFontSz" val="5" fact="NaN" max="NaN"/>
+            </dgm:ruleLst>
+          </dgm:layoutNode>
+        </dgm:forEach>
+        <dgm:layoutNode name="funnel" styleLbl="trAlignAcc1">
+          <dgm:alg type="sp"/>
+          <dgm:shape xmlns:r="http://schemas.openxmlformats.org/officeDocument/2006/relationships" type="funnel" r:blip="">
+            <dgm:adjLst/>
+          </dgm:shape>
+          <dgm:presOf/>
+          <dgm:constrLst/>
+          <dgm:ruleLst/>
+        </dgm:layoutNode>
+      </dgm:if>
+      <dgm:else name="Name29"/>
+    </dgm:choose>
+  </dgm:layoutNode>
+</dgm:layoutDef>
+</file>
+
 <file path=ppt/diagrams/quickStyle1.xml><?xml version="1.0" encoding="utf-8"?>
 <dgm:styleDef xmlns:dgm="http://schemas.openxmlformats.org/drawingml/2006/diagram" xmlns:a="http://schemas.openxmlformats.org/drawingml/2006/main" uniqueId="urn:microsoft.com/office/officeart/2005/8/quickstyle/simple1">
   <dgm:title val=""/>
@@ -4003,6 +5337,1066 @@
         <a:scrgbClr r="0" g="0" b="0"/>
       </a:fillRef>
       <a:effectRef idx="0">
+        <a:scrgbClr r="0" g="0" b="0"/>
+      </a:effectRef>
+      <a:fontRef idx="minor"/>
+    </dgm:style>
+  </dgm:styleLbl>
+  <dgm:styleLbl name="revTx">
+    <dgm:scene3d>
+      <a:camera prst="orthographicFront"/>
+      <a:lightRig rig="threePt" dir="t"/>
+    </dgm:scene3d>
+    <dgm:sp3d/>
+    <dgm:txPr/>
+    <dgm:style>
+      <a:lnRef idx="0">
+        <a:scrgbClr r="0" g="0" b="0"/>
+      </a:lnRef>
+      <a:fillRef idx="0">
+        <a:scrgbClr r="0" g="0" b="0"/>
+      </a:fillRef>
+      <a:effectRef idx="0">
+        <a:scrgbClr r="0" g="0" b="0"/>
+      </a:effectRef>
+      <a:fontRef idx="minor"/>
+    </dgm:style>
+  </dgm:styleLbl>
+</dgm:styleDef>
+</file>
+
+<file path=ppt/diagrams/quickStyle2.xml><?xml version="1.0" encoding="utf-8"?>
+<dgm:styleDef xmlns:dgm="http://schemas.openxmlformats.org/drawingml/2006/diagram" xmlns:a="http://schemas.openxmlformats.org/drawingml/2006/main" uniqueId="urn:microsoft.com/office/officeart/2005/8/quickstyle/simple3">
+  <dgm:title val=""/>
+  <dgm:desc val=""/>
+  <dgm:catLst>
+    <dgm:cat type="simple" pri="10300"/>
+  </dgm:catLst>
+  <dgm:scene3d>
+    <a:camera prst="orthographicFront"/>
+    <a:lightRig rig="threePt" dir="t"/>
+  </dgm:scene3d>
+  <dgm:styleLbl name="node0">
+    <dgm:scene3d>
+      <a:camera prst="orthographicFront"/>
+      <a:lightRig rig="flat" dir="t"/>
+    </dgm:scene3d>
+    <dgm:sp3d prstMaterial="dkEdge">
+      <a:bevelT w="8200" h="38100"/>
+    </dgm:sp3d>
+    <dgm:txPr/>
+    <dgm:style>
+      <a:lnRef idx="0">
+        <a:scrgbClr r="0" g="0" b="0"/>
+      </a:lnRef>
+      <a:fillRef idx="2">
+        <a:scrgbClr r="0" g="0" b="0"/>
+      </a:fillRef>
+      <a:effectRef idx="1">
+        <a:scrgbClr r="0" g="0" b="0"/>
+      </a:effectRef>
+      <a:fontRef idx="minor">
+        <a:schemeClr val="dk1"/>
+      </a:fontRef>
+    </dgm:style>
+  </dgm:styleLbl>
+  <dgm:styleLbl name="lnNode1">
+    <dgm:scene3d>
+      <a:camera prst="orthographicFront"/>
+      <a:lightRig rig="flat" dir="t"/>
+    </dgm:scene3d>
+    <dgm:sp3d prstMaterial="dkEdge">
+      <a:bevelT w="8200" h="38100"/>
+    </dgm:sp3d>
+    <dgm:txPr/>
+    <dgm:style>
+      <a:lnRef idx="1">
+        <a:scrgbClr r="0" g="0" b="0"/>
+      </a:lnRef>
+      <a:fillRef idx="2">
+        <a:scrgbClr r="0" g="0" b="0"/>
+      </a:fillRef>
+      <a:effectRef idx="0">
+        <a:scrgbClr r="0" g="0" b="0"/>
+      </a:effectRef>
+      <a:fontRef idx="minor">
+        <a:schemeClr val="dk1"/>
+      </a:fontRef>
+    </dgm:style>
+  </dgm:styleLbl>
+  <dgm:styleLbl name="vennNode1">
+    <dgm:scene3d>
+      <a:camera prst="orthographicFront"/>
+      <a:lightRig rig="flat" dir="t"/>
+    </dgm:scene3d>
+    <dgm:sp3d prstMaterial="dkEdge">
+      <a:bevelT w="8200" h="38100"/>
+    </dgm:sp3d>
+    <dgm:txPr/>
+    <dgm:style>
+      <a:lnRef idx="0">
+        <a:scrgbClr r="0" g="0" b="0"/>
+      </a:lnRef>
+      <a:fillRef idx="2">
+        <a:scrgbClr r="0" g="0" b="0"/>
+      </a:fillRef>
+      <a:effectRef idx="0">
+        <a:scrgbClr r="0" g="0" b="0"/>
+      </a:effectRef>
+      <a:fontRef idx="minor">
+        <a:schemeClr val="tx1"/>
+      </a:fontRef>
+    </dgm:style>
+  </dgm:styleLbl>
+  <dgm:styleLbl name="alignNode1">
+    <dgm:scene3d>
+      <a:camera prst="orthographicFront"/>
+      <a:lightRig rig="threePt" dir="t"/>
+    </dgm:scene3d>
+    <dgm:sp3d/>
+    <dgm:txPr/>
+    <dgm:style>
+      <a:lnRef idx="1">
+        <a:scrgbClr r="0" g="0" b="0"/>
+      </a:lnRef>
+      <a:fillRef idx="2">
+        <a:scrgbClr r="0" g="0" b="0"/>
+      </a:fillRef>
+      <a:effectRef idx="1">
+        <a:scrgbClr r="0" g="0" b="0"/>
+      </a:effectRef>
+      <a:fontRef idx="minor">
+        <a:schemeClr val="dk1"/>
+      </a:fontRef>
+    </dgm:style>
+  </dgm:styleLbl>
+  <dgm:styleLbl name="node1">
+    <dgm:scene3d>
+      <a:camera prst="orthographicFront"/>
+      <a:lightRig rig="flat" dir="t"/>
+    </dgm:scene3d>
+    <dgm:sp3d prstMaterial="dkEdge">
+      <a:bevelT w="8200" h="38100"/>
+    </dgm:sp3d>
+    <dgm:txPr/>
+    <dgm:style>
+      <a:lnRef idx="0">
+        <a:scrgbClr r="0" g="0" b="0"/>
+      </a:lnRef>
+      <a:fillRef idx="2">
+        <a:scrgbClr r="0" g="0" b="0"/>
+      </a:fillRef>
+      <a:effectRef idx="1">
+        <a:scrgbClr r="0" g="0" b="0"/>
+      </a:effectRef>
+      <a:fontRef idx="minor">
+        <a:schemeClr val="dk1"/>
+      </a:fontRef>
+    </dgm:style>
+  </dgm:styleLbl>
+  <dgm:styleLbl name="node2">
+    <dgm:scene3d>
+      <a:camera prst="orthographicFront"/>
+      <a:lightRig rig="flat" dir="t"/>
+    </dgm:scene3d>
+    <dgm:sp3d prstMaterial="dkEdge">
+      <a:bevelT w="8200" h="38100"/>
+    </dgm:sp3d>
+    <dgm:txPr/>
+    <dgm:style>
+      <a:lnRef idx="0">
+        <a:scrgbClr r="0" g="0" b="0"/>
+      </a:lnRef>
+      <a:fillRef idx="2">
+        <a:scrgbClr r="0" g="0" b="0"/>
+      </a:fillRef>
+      <a:effectRef idx="1">
+        <a:scrgbClr r="0" g="0" b="0"/>
+      </a:effectRef>
+      <a:fontRef idx="minor">
+        <a:schemeClr val="dk1"/>
+      </a:fontRef>
+    </dgm:style>
+  </dgm:styleLbl>
+  <dgm:styleLbl name="node3">
+    <dgm:scene3d>
+      <a:camera prst="orthographicFront"/>
+      <a:lightRig rig="flat" dir="t"/>
+    </dgm:scene3d>
+    <dgm:sp3d prstMaterial="dkEdge">
+      <a:bevelT w="8200" h="38100"/>
+    </dgm:sp3d>
+    <dgm:txPr/>
+    <dgm:style>
+      <a:lnRef idx="0">
+        <a:scrgbClr r="0" g="0" b="0"/>
+      </a:lnRef>
+      <a:fillRef idx="2">
+        <a:scrgbClr r="0" g="0" b="0"/>
+      </a:fillRef>
+      <a:effectRef idx="1">
+        <a:scrgbClr r="0" g="0" b="0"/>
+      </a:effectRef>
+      <a:fontRef idx="minor">
+        <a:schemeClr val="dk1"/>
+      </a:fontRef>
+    </dgm:style>
+  </dgm:styleLbl>
+  <dgm:styleLbl name="node4">
+    <dgm:scene3d>
+      <a:camera prst="orthographicFront"/>
+      <a:lightRig rig="flat" dir="t"/>
+    </dgm:scene3d>
+    <dgm:sp3d prstMaterial="dkEdge">
+      <a:bevelT w="8200" h="38100"/>
+    </dgm:sp3d>
+    <dgm:txPr/>
+    <dgm:style>
+      <a:lnRef idx="0">
+        <a:scrgbClr r="0" g="0" b="0"/>
+      </a:lnRef>
+      <a:fillRef idx="2">
+        <a:scrgbClr r="0" g="0" b="0"/>
+      </a:fillRef>
+      <a:effectRef idx="1">
+        <a:scrgbClr r="0" g="0" b="0"/>
+      </a:effectRef>
+      <a:fontRef idx="minor">
+        <a:schemeClr val="dk1"/>
+      </a:fontRef>
+    </dgm:style>
+  </dgm:styleLbl>
+  <dgm:styleLbl name="fgImgPlace1">
+    <dgm:scene3d>
+      <a:camera prst="orthographicFront"/>
+      <a:lightRig rig="threePt" dir="t"/>
+    </dgm:scene3d>
+    <dgm:sp3d/>
+    <dgm:txPr/>
+    <dgm:style>
+      <a:lnRef idx="1">
+        <a:scrgbClr r="0" g="0" b="0"/>
+      </a:lnRef>
+      <a:fillRef idx="1">
+        <a:scrgbClr r="0" g="0" b="0"/>
+      </a:fillRef>
+      <a:effectRef idx="1">
+        <a:scrgbClr r="0" g="0" b="0"/>
+      </a:effectRef>
+      <a:fontRef idx="minor"/>
+    </dgm:style>
+  </dgm:styleLbl>
+  <dgm:styleLbl name="alignImgPlace1">
+    <dgm:scene3d>
+      <a:camera prst="orthographicFront"/>
+      <a:lightRig rig="threePt" dir="t"/>
+    </dgm:scene3d>
+    <dgm:sp3d/>
+    <dgm:txPr/>
+    <dgm:style>
+      <a:lnRef idx="1">
+        <a:scrgbClr r="0" g="0" b="0"/>
+      </a:lnRef>
+      <a:fillRef idx="1">
+        <a:scrgbClr r="0" g="0" b="0"/>
+      </a:fillRef>
+      <a:effectRef idx="1">
+        <a:scrgbClr r="0" g="0" b="0"/>
+      </a:effectRef>
+      <a:fontRef idx="minor"/>
+    </dgm:style>
+  </dgm:styleLbl>
+  <dgm:styleLbl name="bgImgPlace1">
+    <dgm:scene3d>
+      <a:camera prst="orthographicFront"/>
+      <a:lightRig rig="threePt" dir="t"/>
+    </dgm:scene3d>
+    <dgm:sp3d/>
+    <dgm:txPr/>
+    <dgm:style>
+      <a:lnRef idx="1">
+        <a:scrgbClr r="0" g="0" b="0"/>
+      </a:lnRef>
+      <a:fillRef idx="1">
+        <a:scrgbClr r="0" g="0" b="0"/>
+      </a:fillRef>
+      <a:effectRef idx="1">
+        <a:scrgbClr r="0" g="0" b="0"/>
+      </a:effectRef>
+      <a:fontRef idx="minor"/>
+    </dgm:style>
+  </dgm:styleLbl>
+  <dgm:styleLbl name="sibTrans2D1">
+    <dgm:scene3d>
+      <a:camera prst="orthographicFront"/>
+      <a:lightRig rig="threePt" dir="t"/>
+    </dgm:scene3d>
+    <dgm:sp3d/>
+    <dgm:txPr/>
+    <dgm:style>
+      <a:lnRef idx="0">
+        <a:scrgbClr r="0" g="0" b="0"/>
+      </a:lnRef>
+      <a:fillRef idx="2">
+        <a:scrgbClr r="0" g="0" b="0"/>
+      </a:fillRef>
+      <a:effectRef idx="1">
+        <a:scrgbClr r="0" g="0" b="0"/>
+      </a:effectRef>
+      <a:fontRef idx="minor">
+        <a:schemeClr val="dk1"/>
+      </a:fontRef>
+    </dgm:style>
+  </dgm:styleLbl>
+  <dgm:styleLbl name="fgSibTrans2D1">
+    <dgm:scene3d>
+      <a:camera prst="orthographicFront"/>
+      <a:lightRig rig="threePt" dir="t"/>
+    </dgm:scene3d>
+    <dgm:sp3d/>
+    <dgm:txPr/>
+    <dgm:style>
+      <a:lnRef idx="0">
+        <a:scrgbClr r="0" g="0" b="0"/>
+      </a:lnRef>
+      <a:fillRef idx="2">
+        <a:scrgbClr r="0" g="0" b="0"/>
+      </a:fillRef>
+      <a:effectRef idx="1">
+        <a:scrgbClr r="0" g="0" b="0"/>
+      </a:effectRef>
+      <a:fontRef idx="minor">
+        <a:schemeClr val="dk1"/>
+      </a:fontRef>
+    </dgm:style>
+  </dgm:styleLbl>
+  <dgm:styleLbl name="bgSibTrans2D1">
+    <dgm:scene3d>
+      <a:camera prst="orthographicFront"/>
+      <a:lightRig rig="threePt" dir="t"/>
+    </dgm:scene3d>
+    <dgm:sp3d/>
+    <dgm:txPr/>
+    <dgm:style>
+      <a:lnRef idx="0">
+        <a:scrgbClr r="0" g="0" b="0"/>
+      </a:lnRef>
+      <a:fillRef idx="2">
+        <a:scrgbClr r="0" g="0" b="0"/>
+      </a:fillRef>
+      <a:effectRef idx="1">
+        <a:scrgbClr r="0" g="0" b="0"/>
+      </a:effectRef>
+      <a:fontRef idx="minor">
+        <a:schemeClr val="dk1"/>
+      </a:fontRef>
+    </dgm:style>
+  </dgm:styleLbl>
+  <dgm:styleLbl name="sibTrans1D1">
+    <dgm:scene3d>
+      <a:camera prst="orthographicFront"/>
+      <a:lightRig rig="threePt" dir="t"/>
+    </dgm:scene3d>
+    <dgm:sp3d/>
+    <dgm:txPr/>
+    <dgm:style>
+      <a:lnRef idx="1">
+        <a:scrgbClr r="0" g="0" b="0"/>
+      </a:lnRef>
+      <a:fillRef idx="0">
+        <a:scrgbClr r="0" g="0" b="0"/>
+      </a:fillRef>
+      <a:effectRef idx="0">
+        <a:scrgbClr r="0" g="0" b="0"/>
+      </a:effectRef>
+      <a:fontRef idx="minor"/>
+    </dgm:style>
+  </dgm:styleLbl>
+  <dgm:styleLbl name="callout">
+    <dgm:scene3d>
+      <a:camera prst="orthographicFront"/>
+      <a:lightRig rig="threePt" dir="t"/>
+    </dgm:scene3d>
+    <dgm:sp3d/>
+    <dgm:txPr/>
+    <dgm:style>
+      <a:lnRef idx="1">
+        <a:scrgbClr r="0" g="0" b="0"/>
+      </a:lnRef>
+      <a:fillRef idx="2">
+        <a:scrgbClr r="0" g="0" b="0"/>
+      </a:fillRef>
+      <a:effectRef idx="1">
+        <a:scrgbClr r="0" g="0" b="0"/>
+      </a:effectRef>
+      <a:fontRef idx="minor"/>
+    </dgm:style>
+  </dgm:styleLbl>
+  <dgm:styleLbl name="asst0">
+    <dgm:scene3d>
+      <a:camera prst="orthographicFront"/>
+      <a:lightRig rig="flat" dir="t"/>
+    </dgm:scene3d>
+    <dgm:sp3d prstMaterial="dkEdge">
+      <a:bevelT w="8200" h="38100"/>
+    </dgm:sp3d>
+    <dgm:txPr/>
+    <dgm:style>
+      <a:lnRef idx="0">
+        <a:scrgbClr r="0" g="0" b="0"/>
+      </a:lnRef>
+      <a:fillRef idx="2">
+        <a:scrgbClr r="0" g="0" b="0"/>
+      </a:fillRef>
+      <a:effectRef idx="1">
+        <a:scrgbClr r="0" g="0" b="0"/>
+      </a:effectRef>
+      <a:fontRef idx="minor">
+        <a:schemeClr val="dk1"/>
+      </a:fontRef>
+    </dgm:style>
+  </dgm:styleLbl>
+  <dgm:styleLbl name="asst1">
+    <dgm:scene3d>
+      <a:camera prst="orthographicFront"/>
+      <a:lightRig rig="flat" dir="t"/>
+    </dgm:scene3d>
+    <dgm:sp3d prstMaterial="dkEdge">
+      <a:bevelT w="8200" h="38100"/>
+    </dgm:sp3d>
+    <dgm:txPr/>
+    <dgm:style>
+      <a:lnRef idx="0">
+        <a:scrgbClr r="0" g="0" b="0"/>
+      </a:lnRef>
+      <a:fillRef idx="2">
+        <a:scrgbClr r="0" g="0" b="0"/>
+      </a:fillRef>
+      <a:effectRef idx="1">
+        <a:scrgbClr r="0" g="0" b="0"/>
+      </a:effectRef>
+      <a:fontRef idx="minor">
+        <a:schemeClr val="dk1"/>
+      </a:fontRef>
+    </dgm:style>
+  </dgm:styleLbl>
+  <dgm:styleLbl name="asst2">
+    <dgm:scene3d>
+      <a:camera prst="orthographicFront"/>
+      <a:lightRig rig="flat" dir="t"/>
+    </dgm:scene3d>
+    <dgm:sp3d prstMaterial="dkEdge">
+      <a:bevelT w="8200" h="38100"/>
+    </dgm:sp3d>
+    <dgm:txPr/>
+    <dgm:style>
+      <a:lnRef idx="0">
+        <a:scrgbClr r="0" g="0" b="0"/>
+      </a:lnRef>
+      <a:fillRef idx="2">
+        <a:scrgbClr r="0" g="0" b="0"/>
+      </a:fillRef>
+      <a:effectRef idx="1">
+        <a:scrgbClr r="0" g="0" b="0"/>
+      </a:effectRef>
+      <a:fontRef idx="minor">
+        <a:schemeClr val="dk1"/>
+      </a:fontRef>
+    </dgm:style>
+  </dgm:styleLbl>
+  <dgm:styleLbl name="asst3">
+    <dgm:scene3d>
+      <a:camera prst="orthographicFront"/>
+      <a:lightRig rig="flat" dir="t"/>
+    </dgm:scene3d>
+    <dgm:sp3d prstMaterial="dkEdge">
+      <a:bevelT w="8200" h="38100"/>
+    </dgm:sp3d>
+    <dgm:txPr/>
+    <dgm:style>
+      <a:lnRef idx="0">
+        <a:scrgbClr r="0" g="0" b="0"/>
+      </a:lnRef>
+      <a:fillRef idx="2">
+        <a:scrgbClr r="0" g="0" b="0"/>
+      </a:fillRef>
+      <a:effectRef idx="1">
+        <a:scrgbClr r="0" g="0" b="0"/>
+      </a:effectRef>
+      <a:fontRef idx="minor">
+        <a:schemeClr val="dk1"/>
+      </a:fontRef>
+    </dgm:style>
+  </dgm:styleLbl>
+  <dgm:styleLbl name="asst4">
+    <dgm:scene3d>
+      <a:camera prst="orthographicFront"/>
+      <a:lightRig rig="flat" dir="t"/>
+    </dgm:scene3d>
+    <dgm:sp3d prstMaterial="dkEdge">
+      <a:bevelT w="8200" h="38100"/>
+    </dgm:sp3d>
+    <dgm:txPr/>
+    <dgm:style>
+      <a:lnRef idx="0">
+        <a:scrgbClr r="0" g="0" b="0"/>
+      </a:lnRef>
+      <a:fillRef idx="2">
+        <a:scrgbClr r="0" g="0" b="0"/>
+      </a:fillRef>
+      <a:effectRef idx="1">
+        <a:scrgbClr r="0" g="0" b="0"/>
+      </a:effectRef>
+      <a:fontRef idx="minor">
+        <a:schemeClr val="dk1"/>
+      </a:fontRef>
+    </dgm:style>
+  </dgm:styleLbl>
+  <dgm:styleLbl name="parChTrans2D1">
+    <dgm:scene3d>
+      <a:camera prst="orthographicFront"/>
+      <a:lightRig rig="threePt" dir="t"/>
+    </dgm:scene3d>
+    <dgm:sp3d/>
+    <dgm:txPr/>
+    <dgm:style>
+      <a:lnRef idx="1">
+        <a:scrgbClr r="0" g="0" b="0"/>
+      </a:lnRef>
+      <a:fillRef idx="2">
+        <a:scrgbClr r="0" g="0" b="0"/>
+      </a:fillRef>
+      <a:effectRef idx="1">
+        <a:scrgbClr r="0" g="0" b="0"/>
+      </a:effectRef>
+      <a:fontRef idx="minor">
+        <a:schemeClr val="dk1"/>
+      </a:fontRef>
+    </dgm:style>
+  </dgm:styleLbl>
+  <dgm:styleLbl name="parChTrans2D2">
+    <dgm:scene3d>
+      <a:camera prst="orthographicFront"/>
+      <a:lightRig rig="threePt" dir="t"/>
+    </dgm:scene3d>
+    <dgm:sp3d/>
+    <dgm:txPr/>
+    <dgm:style>
+      <a:lnRef idx="1">
+        <a:scrgbClr r="0" g="0" b="0"/>
+      </a:lnRef>
+      <a:fillRef idx="2">
+        <a:scrgbClr r="0" g="0" b="0"/>
+      </a:fillRef>
+      <a:effectRef idx="1">
+        <a:scrgbClr r="0" g="0" b="0"/>
+      </a:effectRef>
+      <a:fontRef idx="minor">
+        <a:schemeClr val="dk1"/>
+      </a:fontRef>
+    </dgm:style>
+  </dgm:styleLbl>
+  <dgm:styleLbl name="parChTrans2D3">
+    <dgm:scene3d>
+      <a:camera prst="orthographicFront"/>
+      <a:lightRig rig="threePt" dir="t"/>
+    </dgm:scene3d>
+    <dgm:sp3d/>
+    <dgm:txPr/>
+    <dgm:style>
+      <a:lnRef idx="1">
+        <a:scrgbClr r="0" g="0" b="0"/>
+      </a:lnRef>
+      <a:fillRef idx="2">
+        <a:scrgbClr r="0" g="0" b="0"/>
+      </a:fillRef>
+      <a:effectRef idx="1">
+        <a:scrgbClr r="0" g="0" b="0"/>
+      </a:effectRef>
+      <a:fontRef idx="minor">
+        <a:schemeClr val="dk1"/>
+      </a:fontRef>
+    </dgm:style>
+  </dgm:styleLbl>
+  <dgm:styleLbl name="parChTrans2D4">
+    <dgm:scene3d>
+      <a:camera prst="orthographicFront"/>
+      <a:lightRig rig="threePt" dir="t"/>
+    </dgm:scene3d>
+    <dgm:sp3d/>
+    <dgm:txPr/>
+    <dgm:style>
+      <a:lnRef idx="1">
+        <a:scrgbClr r="0" g="0" b="0"/>
+      </a:lnRef>
+      <a:fillRef idx="2">
+        <a:scrgbClr r="0" g="0" b="0"/>
+      </a:fillRef>
+      <a:effectRef idx="1">
+        <a:scrgbClr r="0" g="0" b="0"/>
+      </a:effectRef>
+      <a:fontRef idx="minor">
+        <a:schemeClr val="dk1"/>
+      </a:fontRef>
+    </dgm:style>
+  </dgm:styleLbl>
+  <dgm:styleLbl name="parChTrans1D1">
+    <dgm:scene3d>
+      <a:camera prst="orthographicFront"/>
+      <a:lightRig rig="threePt" dir="t"/>
+    </dgm:scene3d>
+    <dgm:sp3d/>
+    <dgm:txPr/>
+    <dgm:style>
+      <a:lnRef idx="2">
+        <a:scrgbClr r="0" g="0" b="0"/>
+      </a:lnRef>
+      <a:fillRef idx="0">
+        <a:scrgbClr r="0" g="0" b="0"/>
+      </a:fillRef>
+      <a:effectRef idx="0">
+        <a:scrgbClr r="0" g="0" b="0"/>
+      </a:effectRef>
+      <a:fontRef idx="minor"/>
+    </dgm:style>
+  </dgm:styleLbl>
+  <dgm:styleLbl name="parChTrans1D2">
+    <dgm:scene3d>
+      <a:camera prst="orthographicFront"/>
+      <a:lightRig rig="threePt" dir="t"/>
+    </dgm:scene3d>
+    <dgm:sp3d/>
+    <dgm:txPr/>
+    <dgm:style>
+      <a:lnRef idx="2">
+        <a:scrgbClr r="0" g="0" b="0"/>
+      </a:lnRef>
+      <a:fillRef idx="0">
+        <a:scrgbClr r="0" g="0" b="0"/>
+      </a:fillRef>
+      <a:effectRef idx="0">
+        <a:scrgbClr r="0" g="0" b="0"/>
+      </a:effectRef>
+      <a:fontRef idx="minor"/>
+    </dgm:style>
+  </dgm:styleLbl>
+  <dgm:styleLbl name="parChTrans1D3">
+    <dgm:scene3d>
+      <a:camera prst="orthographicFront"/>
+      <a:lightRig rig="threePt" dir="t"/>
+    </dgm:scene3d>
+    <dgm:sp3d/>
+    <dgm:txPr/>
+    <dgm:style>
+      <a:lnRef idx="2">
+        <a:scrgbClr r="0" g="0" b="0"/>
+      </a:lnRef>
+      <a:fillRef idx="0">
+        <a:scrgbClr r="0" g="0" b="0"/>
+      </a:fillRef>
+      <a:effectRef idx="0">
+        <a:scrgbClr r="0" g="0" b="0"/>
+      </a:effectRef>
+      <a:fontRef idx="minor"/>
+    </dgm:style>
+  </dgm:styleLbl>
+  <dgm:styleLbl name="parChTrans1D4">
+    <dgm:scene3d>
+      <a:camera prst="orthographicFront"/>
+      <a:lightRig rig="threePt" dir="t"/>
+    </dgm:scene3d>
+    <dgm:sp3d/>
+    <dgm:txPr/>
+    <dgm:style>
+      <a:lnRef idx="2">
+        <a:scrgbClr r="0" g="0" b="0"/>
+      </a:lnRef>
+      <a:fillRef idx="0">
+        <a:scrgbClr r="0" g="0" b="0"/>
+      </a:fillRef>
+      <a:effectRef idx="0">
+        <a:scrgbClr r="0" g="0" b="0"/>
+      </a:effectRef>
+      <a:fontRef idx="minor"/>
+    </dgm:style>
+  </dgm:styleLbl>
+  <dgm:styleLbl name="fgAcc1">
+    <dgm:scene3d>
+      <a:camera prst="orthographicFront"/>
+      <a:lightRig rig="threePt" dir="t"/>
+    </dgm:scene3d>
+    <dgm:sp3d/>
+    <dgm:txPr/>
+    <dgm:style>
+      <a:lnRef idx="1">
+        <a:scrgbClr r="0" g="0" b="0"/>
+      </a:lnRef>
+      <a:fillRef idx="1">
+        <a:scrgbClr r="0" g="0" b="0"/>
+      </a:fillRef>
+      <a:effectRef idx="0">
+        <a:scrgbClr r="0" g="0" b="0"/>
+      </a:effectRef>
+      <a:fontRef idx="minor"/>
+    </dgm:style>
+  </dgm:styleLbl>
+  <dgm:styleLbl name="conFgAcc1">
+    <dgm:scene3d>
+      <a:camera prst="orthographicFront"/>
+      <a:lightRig rig="threePt" dir="t"/>
+    </dgm:scene3d>
+    <dgm:sp3d/>
+    <dgm:txPr/>
+    <dgm:style>
+      <a:lnRef idx="1">
+        <a:scrgbClr r="0" g="0" b="0"/>
+      </a:lnRef>
+      <a:fillRef idx="1">
+        <a:scrgbClr r="0" g="0" b="0"/>
+      </a:fillRef>
+      <a:effectRef idx="0">
+        <a:scrgbClr r="0" g="0" b="0"/>
+      </a:effectRef>
+      <a:fontRef idx="minor"/>
+    </dgm:style>
+  </dgm:styleLbl>
+  <dgm:styleLbl name="alignAcc1">
+    <dgm:scene3d>
+      <a:camera prst="orthographicFront"/>
+      <a:lightRig rig="threePt" dir="t"/>
+    </dgm:scene3d>
+    <dgm:sp3d/>
+    <dgm:txPr/>
+    <dgm:style>
+      <a:lnRef idx="1">
+        <a:scrgbClr r="0" g="0" b="0"/>
+      </a:lnRef>
+      <a:fillRef idx="1">
+        <a:scrgbClr r="0" g="0" b="0"/>
+      </a:fillRef>
+      <a:effectRef idx="0">
+        <a:scrgbClr r="0" g="0" b="0"/>
+      </a:effectRef>
+      <a:fontRef idx="minor"/>
+    </dgm:style>
+  </dgm:styleLbl>
+  <dgm:styleLbl name="trAlignAcc1">
+    <dgm:scene3d>
+      <a:camera prst="orthographicFront"/>
+      <a:lightRig rig="threePt" dir="t"/>
+    </dgm:scene3d>
+    <dgm:sp3d/>
+    <dgm:txPr/>
+    <dgm:style>
+      <a:lnRef idx="1">
+        <a:scrgbClr r="0" g="0" b="0"/>
+      </a:lnRef>
+      <a:fillRef idx="1">
+        <a:scrgbClr r="0" g="0" b="0"/>
+      </a:fillRef>
+      <a:effectRef idx="0">
+        <a:scrgbClr r="0" g="0" b="0"/>
+      </a:effectRef>
+      <a:fontRef idx="minor"/>
+    </dgm:style>
+  </dgm:styleLbl>
+  <dgm:styleLbl name="bgAcc1">
+    <dgm:scene3d>
+      <a:camera prst="orthographicFront"/>
+      <a:lightRig rig="threePt" dir="t"/>
+    </dgm:scene3d>
+    <dgm:sp3d/>
+    <dgm:txPr/>
+    <dgm:style>
+      <a:lnRef idx="1">
+        <a:scrgbClr r="0" g="0" b="0"/>
+      </a:lnRef>
+      <a:fillRef idx="1">
+        <a:scrgbClr r="0" g="0" b="0"/>
+      </a:fillRef>
+      <a:effectRef idx="0">
+        <a:scrgbClr r="0" g="0" b="0"/>
+      </a:effectRef>
+      <a:fontRef idx="minor"/>
+    </dgm:style>
+  </dgm:styleLbl>
+  <dgm:styleLbl name="solidFgAcc1">
+    <dgm:scene3d>
+      <a:camera prst="orthographicFront"/>
+      <a:lightRig rig="threePt" dir="t"/>
+    </dgm:scene3d>
+    <dgm:sp3d/>
+    <dgm:txPr/>
+    <dgm:style>
+      <a:lnRef idx="1">
+        <a:scrgbClr r="0" g="0" b="0"/>
+      </a:lnRef>
+      <a:fillRef idx="2">
+        <a:scrgbClr r="0" g="0" b="0"/>
+      </a:fillRef>
+      <a:effectRef idx="0">
+        <a:scrgbClr r="0" g="0" b="0"/>
+      </a:effectRef>
+      <a:fontRef idx="minor"/>
+    </dgm:style>
+  </dgm:styleLbl>
+  <dgm:styleLbl name="solidAlignAcc1">
+    <dgm:scene3d>
+      <a:camera prst="orthographicFront"/>
+      <a:lightRig rig="threePt" dir="t"/>
+    </dgm:scene3d>
+    <dgm:sp3d/>
+    <dgm:txPr/>
+    <dgm:style>
+      <a:lnRef idx="1">
+        <a:scrgbClr r="0" g="0" b="0"/>
+      </a:lnRef>
+      <a:fillRef idx="1">
+        <a:scrgbClr r="0" g="0" b="0"/>
+      </a:fillRef>
+      <a:effectRef idx="0">
+        <a:scrgbClr r="0" g="0" b="0"/>
+      </a:effectRef>
+      <a:fontRef idx="minor"/>
+    </dgm:style>
+  </dgm:styleLbl>
+  <dgm:styleLbl name="solidBgAcc1">
+    <dgm:scene3d>
+      <a:camera prst="orthographicFront"/>
+      <a:lightRig rig="threePt" dir="t"/>
+    </dgm:scene3d>
+    <dgm:sp3d/>
+    <dgm:txPr/>
+    <dgm:style>
+      <a:lnRef idx="1">
+        <a:scrgbClr r="0" g="0" b="0"/>
+      </a:lnRef>
+      <a:fillRef idx="1">
+        <a:scrgbClr r="0" g="0" b="0"/>
+      </a:fillRef>
+      <a:effectRef idx="0">
+        <a:scrgbClr r="0" g="0" b="0"/>
+      </a:effectRef>
+      <a:fontRef idx="minor"/>
+    </dgm:style>
+  </dgm:styleLbl>
+  <dgm:styleLbl name="fgAccFollowNode1">
+    <dgm:scene3d>
+      <a:camera prst="orthographicFront"/>
+      <a:lightRig rig="threePt" dir="t"/>
+    </dgm:scene3d>
+    <dgm:sp3d/>
+    <dgm:txPr/>
+    <dgm:style>
+      <a:lnRef idx="1">
+        <a:scrgbClr r="0" g="0" b="0"/>
+      </a:lnRef>
+      <a:fillRef idx="1">
+        <a:scrgbClr r="0" g="0" b="0"/>
+      </a:fillRef>
+      <a:effectRef idx="0">
+        <a:scrgbClr r="0" g="0" b="0"/>
+      </a:effectRef>
+      <a:fontRef idx="minor"/>
+    </dgm:style>
+  </dgm:styleLbl>
+  <dgm:styleLbl name="alignAccFollowNode1">
+    <dgm:scene3d>
+      <a:camera prst="orthographicFront"/>
+      <a:lightRig rig="threePt" dir="t"/>
+    </dgm:scene3d>
+    <dgm:sp3d/>
+    <dgm:txPr/>
+    <dgm:style>
+      <a:lnRef idx="1">
+        <a:scrgbClr r="0" g="0" b="0"/>
+      </a:lnRef>
+      <a:fillRef idx="1">
+        <a:scrgbClr r="0" g="0" b="0"/>
+      </a:fillRef>
+      <a:effectRef idx="0">
+        <a:scrgbClr r="0" g="0" b="0"/>
+      </a:effectRef>
+      <a:fontRef idx="minor"/>
+    </dgm:style>
+  </dgm:styleLbl>
+  <dgm:styleLbl name="bgAccFollowNode1">
+    <dgm:scene3d>
+      <a:camera prst="orthographicFront"/>
+      <a:lightRig rig="threePt" dir="t"/>
+    </dgm:scene3d>
+    <dgm:sp3d/>
+    <dgm:txPr/>
+    <dgm:style>
+      <a:lnRef idx="1">
+        <a:scrgbClr r="0" g="0" b="0"/>
+      </a:lnRef>
+      <a:fillRef idx="1">
+        <a:scrgbClr r="0" g="0" b="0"/>
+      </a:fillRef>
+      <a:effectRef idx="0">
+        <a:scrgbClr r="0" g="0" b="0"/>
+      </a:effectRef>
+      <a:fontRef idx="minor"/>
+    </dgm:style>
+  </dgm:styleLbl>
+  <dgm:styleLbl name="fgAcc0">
+    <dgm:scene3d>
+      <a:camera prst="orthographicFront"/>
+      <a:lightRig rig="threePt" dir="t"/>
+    </dgm:scene3d>
+    <dgm:sp3d/>
+    <dgm:txPr/>
+    <dgm:style>
+      <a:lnRef idx="1">
+        <a:scrgbClr r="0" g="0" b="0"/>
+      </a:lnRef>
+      <a:fillRef idx="1">
+        <a:scrgbClr r="0" g="0" b="0"/>
+      </a:fillRef>
+      <a:effectRef idx="0">
+        <a:scrgbClr r="0" g="0" b="0"/>
+      </a:effectRef>
+      <a:fontRef idx="minor"/>
+    </dgm:style>
+  </dgm:styleLbl>
+  <dgm:styleLbl name="fgAcc2">
+    <dgm:scene3d>
+      <a:camera prst="orthographicFront"/>
+      <a:lightRig rig="threePt" dir="t"/>
+    </dgm:scene3d>
+    <dgm:sp3d/>
+    <dgm:txPr/>
+    <dgm:style>
+      <a:lnRef idx="1">
+        <a:scrgbClr r="0" g="0" b="0"/>
+      </a:lnRef>
+      <a:fillRef idx="1">
+        <a:scrgbClr r="0" g="0" b="0"/>
+      </a:fillRef>
+      <a:effectRef idx="0">
+        <a:scrgbClr r="0" g="0" b="0"/>
+      </a:effectRef>
+      <a:fontRef idx="minor"/>
+    </dgm:style>
+  </dgm:styleLbl>
+  <dgm:styleLbl name="fgAcc3">
+    <dgm:scene3d>
+      <a:camera prst="orthographicFront"/>
+      <a:lightRig rig="threePt" dir="t"/>
+    </dgm:scene3d>
+    <dgm:sp3d/>
+    <dgm:txPr/>
+    <dgm:style>
+      <a:lnRef idx="1">
+        <a:scrgbClr r="0" g="0" b="0"/>
+      </a:lnRef>
+      <a:fillRef idx="1">
+        <a:scrgbClr r="0" g="0" b="0"/>
+      </a:fillRef>
+      <a:effectRef idx="0">
+        <a:scrgbClr r="0" g="0" b="0"/>
+      </a:effectRef>
+      <a:fontRef idx="minor"/>
+    </dgm:style>
+  </dgm:styleLbl>
+  <dgm:styleLbl name="fgAcc4">
+    <dgm:scene3d>
+      <a:camera prst="orthographicFront"/>
+      <a:lightRig rig="threePt" dir="t"/>
+    </dgm:scene3d>
+    <dgm:sp3d/>
+    <dgm:txPr/>
+    <dgm:style>
+      <a:lnRef idx="1">
+        <a:scrgbClr r="0" g="0" b="0"/>
+      </a:lnRef>
+      <a:fillRef idx="1">
+        <a:scrgbClr r="0" g="0" b="0"/>
+      </a:fillRef>
+      <a:effectRef idx="0">
+        <a:scrgbClr r="0" g="0" b="0"/>
+      </a:effectRef>
+      <a:fontRef idx="minor"/>
+    </dgm:style>
+  </dgm:styleLbl>
+  <dgm:styleLbl name="bgShp">
+    <dgm:scene3d>
+      <a:camera prst="orthographicFront"/>
+      <a:lightRig rig="threePt" dir="t"/>
+    </dgm:scene3d>
+    <dgm:sp3d/>
+    <dgm:txPr/>
+    <dgm:style>
+      <a:lnRef idx="0">
+        <a:scrgbClr r="0" g="0" b="0"/>
+      </a:lnRef>
+      <a:fillRef idx="1">
+        <a:scrgbClr r="0" g="0" b="0"/>
+      </a:fillRef>
+      <a:effectRef idx="1">
+        <a:scrgbClr r="0" g="0" b="0"/>
+      </a:effectRef>
+      <a:fontRef idx="minor"/>
+    </dgm:style>
+  </dgm:styleLbl>
+  <dgm:styleLbl name="dkBgShp">
+    <dgm:scene3d>
+      <a:camera prst="orthographicFront"/>
+      <a:lightRig rig="threePt" dir="t"/>
+    </dgm:scene3d>
+    <dgm:sp3d/>
+    <dgm:txPr/>
+    <dgm:style>
+      <a:lnRef idx="0">
+        <a:scrgbClr r="0" g="0" b="0"/>
+      </a:lnRef>
+      <a:fillRef idx="1">
+        <a:scrgbClr r="0" g="0" b="0"/>
+      </a:fillRef>
+      <a:effectRef idx="1">
+        <a:scrgbClr r="0" g="0" b="0"/>
+      </a:effectRef>
+      <a:fontRef idx="minor"/>
+    </dgm:style>
+  </dgm:styleLbl>
+  <dgm:styleLbl name="trBgShp">
+    <dgm:scene3d>
+      <a:camera prst="orthographicFront"/>
+      <a:lightRig rig="threePt" dir="t"/>
+    </dgm:scene3d>
+    <dgm:sp3d/>
+    <dgm:txPr/>
+    <dgm:style>
+      <a:lnRef idx="0">
+        <a:scrgbClr r="0" g="0" b="0"/>
+      </a:lnRef>
+      <a:fillRef idx="1">
+        <a:scrgbClr r="0" g="0" b="0"/>
+      </a:fillRef>
+      <a:effectRef idx="0">
+        <a:scrgbClr r="0" g="0" b="0"/>
+      </a:effectRef>
+      <a:fontRef idx="minor"/>
+    </dgm:style>
+  </dgm:styleLbl>
+  <dgm:styleLbl name="fgShp">
+    <dgm:scene3d>
+      <a:camera prst="orthographicFront"/>
+      <a:lightRig rig="flat" dir="t"/>
+    </dgm:scene3d>
+    <dgm:sp3d prstMaterial="dkEdge">
+      <a:bevelT w="8200" h="38100"/>
+    </dgm:sp3d>
+    <dgm:txPr/>
+    <dgm:style>
+      <a:lnRef idx="1">
+        <a:scrgbClr r="0" g="0" b="0"/>
+      </a:lnRef>
+      <a:fillRef idx="2">
+        <a:scrgbClr r="0" g="0" b="0"/>
+      </a:fillRef>
+      <a:effectRef idx="1">
         <a:scrgbClr r="0" g="0" b="0"/>
       </a:effectRef>
       <a:fontRef idx="minor"/>
@@ -4446,7 +6840,7 @@
             <a:fld id="{4EB77159-C5E8-4EA6-9D45-48C290F3BD19}" type="slidenum">
               <a:rPr lang="ar-EG" smtClean="0"/>
               <a:pPr/>
-              <a:t>7</a:t>
+              <a:t>9</a:t>
             </a:fld>
             <a:endParaRPr lang="ar-EG"/>
           </a:p>
@@ -4455,7 +6849,7 @@
     </p:spTree>
     <p:extLst>
       <p:ext uri="{BB962C8B-B14F-4D97-AF65-F5344CB8AC3E}">
-        <p14:creationId xmlns="" xmlns:p14="http://schemas.microsoft.com/office/powerpoint/2010/main" val="1049354396"/>
+        <p14:creationId xmlns:p14="http://schemas.microsoft.com/office/powerpoint/2010/main" xmlns="" val="1049354396"/>
       </p:ext>
     </p:extLst>
   </p:cSld>
@@ -4531,7 +6925,7 @@
             <a:fld id="{4EB77159-C5E8-4EA6-9D45-48C290F3BD19}" type="slidenum">
               <a:rPr lang="ar-EG" smtClean="0"/>
               <a:pPr/>
-              <a:t>8</a:t>
+              <a:t>10</a:t>
             </a:fld>
             <a:endParaRPr lang="ar-EG"/>
           </a:p>
@@ -4540,7 +6934,7 @@
     </p:spTree>
     <p:extLst>
       <p:ext uri="{BB962C8B-B14F-4D97-AF65-F5344CB8AC3E}">
-        <p14:creationId xmlns="" xmlns:p14="http://schemas.microsoft.com/office/powerpoint/2010/main" val="1049354396"/>
+        <p14:creationId xmlns:p14="http://schemas.microsoft.com/office/powerpoint/2010/main" xmlns="" val="1049354396"/>
       </p:ext>
     </p:extLst>
   </p:cSld>
@@ -4582,14 +6976,14 @@
           <a:ln/>
           <a:extLst>
             <a:ext uri="{909E8E84-426E-40DD-AFC4-6F175D3DCCD1}">
-              <a14:hiddenFill xmlns="" xmlns:a14="http://schemas.microsoft.com/office/drawing/2010/main">
+              <a14:hiddenFill xmlns:a14="http://schemas.microsoft.com/office/drawing/2010/main" xmlns="">
                 <a:solidFill>
                   <a:srgbClr val="FFFFFF"/>
                 </a:solidFill>
               </a14:hiddenFill>
             </a:ext>
             <a:ext uri="{91240B29-F687-4F45-9708-019B960494DF}">
-              <a14:hiddenLine xmlns="" xmlns:a14="http://schemas.microsoft.com/office/drawing/2010/main" w="9525">
+              <a14:hiddenLine xmlns:a14="http://schemas.microsoft.com/office/drawing/2010/main" xmlns="" w="9525">
                 <a:solidFill>
                   <a:srgbClr val="000000"/>
                 </a:solidFill>
@@ -4714,7 +7108,7 @@
             <a:fld id="{DFA0E993-B2BE-4A9E-9AED-1F72080EE64A}" type="slidenum">
               <a:rPr lang="en-US"/>
               <a:pPr eaLnBrk="1" hangingPunct="1"/>
-              <a:t>11</a:t>
+              <a:t>13</a:t>
             </a:fld>
             <a:endParaRPr lang="en-US"/>
           </a:p>
@@ -4749,14 +7143,14 @@
           <a:ln/>
           <a:extLst>
             <a:ext uri="{909E8E84-426E-40DD-AFC4-6F175D3DCCD1}">
-              <a14:hiddenFill xmlns="" xmlns:a14="http://schemas.microsoft.com/office/drawing/2010/main">
+              <a14:hiddenFill xmlns:a14="http://schemas.microsoft.com/office/drawing/2010/main" xmlns="">
                 <a:solidFill>
                   <a:srgbClr val="FFFFFF"/>
                 </a:solidFill>
               </a14:hiddenFill>
             </a:ext>
             <a:ext uri="{91240B29-F687-4F45-9708-019B960494DF}">
-              <a14:hiddenLine xmlns="" xmlns:a14="http://schemas.microsoft.com/office/drawing/2010/main" w="9525">
+              <a14:hiddenLine xmlns:a14="http://schemas.microsoft.com/office/drawing/2010/main" xmlns="" w="9525">
                 <a:solidFill>
                   <a:srgbClr val="000000"/>
                 </a:solidFill>
@@ -4781,7 +7175,7 @@
     </p:spTree>
     <p:extLst>
       <p:ext uri="{BB962C8B-B14F-4D97-AF65-F5344CB8AC3E}">
-        <p14:creationId xmlns="" xmlns:p14="http://schemas.microsoft.com/office/powerpoint/2010/main" val="2650278043"/>
+        <p14:creationId xmlns:p14="http://schemas.microsoft.com/office/powerpoint/2010/main" xmlns="" val="2650278043"/>
       </p:ext>
     </p:extLst>
   </p:cSld>
@@ -7745,7 +10139,7 @@
       </p:grpSpPr>
       <p:sp>
         <p:nvSpPr>
-          <p:cNvPr id="2" name="Title 1"/>
+          <p:cNvPr id="7" name="Title 6"/>
           <p:cNvSpPr>
             <a:spLocks noGrp="1"/>
           </p:cNvSpPr>
@@ -7755,35 +10149,20 @@
         </p:nvSpPr>
         <p:spPr/>
         <p:txBody>
-          <a:bodyPr>
-            <a:normAutofit fontScale="90000"/>
-          </a:bodyPr>
+          <a:bodyPr/>
           <a:lstStyle/>
           <a:p>
-            <a:r>
-              <a:rPr lang="en-US" b="1" dirty="0" err="1" smtClean="0"/>
-              <a:t>Vue</a:t>
-            </a:r>
-            <a:r>
-              <a:rPr lang="en-US" b="1" dirty="0" smtClean="0"/>
-              <a:t/>
-            </a:r>
-            <a:br>
-              <a:rPr lang="en-US" b="1" dirty="0" smtClean="0"/>
-            </a:br>
-            <a:endParaRPr lang="en-US" dirty="0"/>
+            <a:endParaRPr lang="en-US"/>
           </a:p>
         </p:txBody>
       </p:sp>
       <p:pic>
         <p:nvPicPr>
-          <p:cNvPr id="20482" name="Picture 2" descr="https://octref.gallerycdn.vsassets.io/extensions/octref/vetur/0.22.4/1569997051470/Microsoft.VisualStudio.Services.Icons.Default"/>
+          <p:cNvPr id="4" name="Picture 3" descr="ÙØªÙØ¬Ø© Ø¨Ø­Ø« Ø§ÙØµÙØ± Ø¹Ù âªvueâ¬â"/>
           <p:cNvPicPr>
-            <a:picLocks noGrp="1" noChangeAspect="1" noChangeArrowheads="1"/>
+            <a:picLocks noChangeAspect="1" noChangeArrowheads="1"/>
           </p:cNvPicPr>
-          <p:nvPr>
-            <p:ph idx="1"/>
-          </p:nvPr>
+          <p:nvPr/>
         </p:nvPicPr>
         <p:blipFill>
           <a:blip r:embed="rId2"/>
@@ -7794,8 +10173,8 @@
         </p:blipFill>
         <p:spPr bwMode="auto">
           <a:xfrm>
-            <a:off x="3500438" y="2792413"/>
-            <a:ext cx="2143125" cy="2143125"/>
+            <a:off x="285750" y="809625"/>
+            <a:ext cx="8572500" cy="5238750"/>
           </a:xfrm>
           <a:prstGeom prst="rect">
             <a:avLst/>
@@ -7828,242 +10207,32 @@
           <a:chExt cx="0" cy="0"/>
         </a:xfrm>
       </p:grpSpPr>
-      <p:sp>
-        <p:nvSpPr>
-          <p:cNvPr id="2" name="Title 1"/>
-          <p:cNvSpPr>
-            <a:spLocks noGrp="1"/>
-          </p:cNvSpPr>
-          <p:nvPr>
-            <p:ph type="title"/>
-          </p:nvPr>
-        </p:nvSpPr>
-        <p:spPr/>
-        <p:txBody>
-          <a:bodyPr>
-            <a:normAutofit fontScale="90000"/>
-          </a:bodyPr>
-          <a:lstStyle/>
-          <a:p>
-            <a:r>
-              <a:rPr lang="en-US" dirty="0"/>
-              <a:t>HTML  </a:t>
-            </a:r>
-            <a:r>
-              <a:rPr lang="en-US" b="1" dirty="0">
-                <a:solidFill>
-                  <a:srgbClr val="FF0000"/>
-                </a:solidFill>
-              </a:rPr>
-              <a:t>H</a:t>
-            </a:r>
-            <a:r>
-              <a:rPr lang="en-US" dirty="0"/>
-              <a:t>yper </a:t>
-            </a:r>
-            <a:r>
-              <a:rPr lang="en-US" b="1" dirty="0">
-                <a:solidFill>
-                  <a:srgbClr val="FF0000"/>
-                </a:solidFill>
-              </a:rPr>
-              <a:t>T</a:t>
-            </a:r>
-            <a:r>
-              <a:rPr lang="en-US" dirty="0"/>
-              <a:t>ext </a:t>
-            </a:r>
-            <a:r>
-              <a:rPr lang="en-US" b="1" dirty="0">
-                <a:solidFill>
-                  <a:srgbClr val="FF0000"/>
-                </a:solidFill>
-              </a:rPr>
-              <a:t>M</a:t>
-            </a:r>
-            <a:r>
-              <a:rPr lang="en-US" dirty="0"/>
-              <a:t>arkup </a:t>
-            </a:r>
-            <a:r>
-              <a:rPr lang="en-US" b="1" dirty="0">
-                <a:solidFill>
-                  <a:srgbClr val="FF0000"/>
-                </a:solidFill>
-              </a:rPr>
-              <a:t>L</a:t>
-            </a:r>
-            <a:r>
-              <a:rPr lang="en-US" dirty="0"/>
-              <a:t>anguage</a:t>
-            </a:r>
-            <a:br>
-              <a:rPr lang="en-US" dirty="0"/>
-            </a:br>
-            <a:endParaRPr lang="ar-EG" dirty="0"/>
-          </a:p>
-        </p:txBody>
-      </p:sp>
-      <p:sp>
-        <p:nvSpPr>
-          <p:cNvPr id="3" name="Content Placeholder 2"/>
-          <p:cNvSpPr>
-            <a:spLocks noGrp="1"/>
-          </p:cNvSpPr>
+      <p:pic>
+        <p:nvPicPr>
+          <p:cNvPr id="4" name="Content Placeholder 3"/>
+          <p:cNvPicPr>
+            <a:picLocks noGrp="1" noChangeAspect="1"/>
+          </p:cNvPicPr>
           <p:nvPr>
             <p:ph idx="1"/>
           </p:nvPr>
-        </p:nvSpPr>
-        <p:spPr/>
-        <p:txBody>
-          <a:bodyPr>
-            <a:normAutofit fontScale="92500" lnSpcReduction="10000"/>
-          </a:bodyPr>
-          <a:lstStyle/>
-          <a:p>
-            <a:r>
-              <a:rPr lang="en-US" b="1" dirty="0">
-                <a:solidFill>
-                  <a:srgbClr val="FF0000"/>
-                </a:solidFill>
-              </a:rPr>
-              <a:t>What is HTML?</a:t>
-            </a:r>
-          </a:p>
-          <a:p>
-            <a:r>
-              <a:rPr lang="en-US" dirty="0"/>
-              <a:t>HTML is a language for describing web pages.</a:t>
-            </a:r>
-          </a:p>
-          <a:p>
-            <a:r>
-              <a:rPr lang="en-US" dirty="0"/>
-              <a:t>HTML stands for </a:t>
-            </a:r>
-            <a:r>
-              <a:rPr lang="en-US" b="1" dirty="0"/>
-              <a:t>H</a:t>
-            </a:r>
-            <a:r>
-              <a:rPr lang="en-US" dirty="0"/>
-              <a:t>yper </a:t>
-            </a:r>
-            <a:r>
-              <a:rPr lang="en-US" b="1" dirty="0"/>
-              <a:t>T</a:t>
-            </a:r>
-            <a:r>
-              <a:rPr lang="en-US" dirty="0"/>
-              <a:t>ext </a:t>
-            </a:r>
-            <a:r>
-              <a:rPr lang="en-US" b="1" dirty="0"/>
-              <a:t>M</a:t>
-            </a:r>
-            <a:r>
-              <a:rPr lang="en-US" dirty="0"/>
-              <a:t>arkup </a:t>
-            </a:r>
-            <a:r>
-              <a:rPr lang="en-US" b="1" dirty="0"/>
-              <a:t>L</a:t>
-            </a:r>
-            <a:r>
-              <a:rPr lang="en-US" dirty="0"/>
-              <a:t>anguage</a:t>
-            </a:r>
-          </a:p>
-          <a:p>
-            <a:r>
-              <a:rPr lang="en-US" dirty="0"/>
-              <a:t>HTML is a </a:t>
-            </a:r>
-            <a:r>
-              <a:rPr lang="en-US" b="1" dirty="0"/>
-              <a:t>markup </a:t>
-            </a:r>
-            <a:r>
-              <a:rPr lang="en-US" dirty="0"/>
-              <a:t>language</a:t>
-            </a:r>
-          </a:p>
-          <a:p>
-            <a:r>
-              <a:rPr lang="en-US" dirty="0"/>
-              <a:t>A markup language is a set of markup</a:t>
-            </a:r>
-            <a:r>
-              <a:rPr lang="en-US" b="1" dirty="0"/>
-              <a:t> tags</a:t>
-            </a:r>
-            <a:endParaRPr lang="en-US" dirty="0"/>
-          </a:p>
-          <a:p>
-            <a:r>
-              <a:rPr lang="en-US" dirty="0"/>
-              <a:t>The tags </a:t>
-            </a:r>
-            <a:r>
-              <a:rPr lang="en-US" b="1" dirty="0"/>
-              <a:t>describe</a:t>
-            </a:r>
-            <a:r>
-              <a:rPr lang="en-US" dirty="0"/>
-              <a:t> document content</a:t>
-            </a:r>
-          </a:p>
-          <a:p>
-            <a:r>
-              <a:rPr lang="en-US" dirty="0"/>
-              <a:t>HTML documents contain</a:t>
-            </a:r>
-            <a:r>
-              <a:rPr lang="en-US" b="1" dirty="0"/>
-              <a:t> </a:t>
-            </a:r>
-            <a:r>
-              <a:rPr lang="en-US" dirty="0"/>
-              <a:t>HTML</a:t>
-            </a:r>
-            <a:r>
-              <a:rPr lang="en-US" b="1" dirty="0"/>
-              <a:t> tags</a:t>
-            </a:r>
-            <a:r>
-              <a:rPr lang="en-US" dirty="0"/>
-              <a:t> and </a:t>
-            </a:r>
-            <a:r>
-              <a:rPr lang="en-US" b="1" dirty="0"/>
-              <a:t>plain</a:t>
-            </a:r>
-            <a:r>
-              <a:rPr lang="en-US" dirty="0"/>
-              <a:t> </a:t>
-            </a:r>
-            <a:r>
-              <a:rPr lang="en-US" b="1" dirty="0"/>
-              <a:t>text</a:t>
-            </a:r>
-            <a:endParaRPr lang="en-US" dirty="0"/>
-          </a:p>
-          <a:p>
-            <a:r>
-              <a:rPr lang="en-US" dirty="0"/>
-              <a:t>HTML documents are also called</a:t>
-            </a:r>
-            <a:r>
-              <a:rPr lang="en-US" b="1" dirty="0"/>
-              <a:t> web pages</a:t>
-            </a:r>
-            <a:endParaRPr lang="en-US" dirty="0"/>
-          </a:p>
-        </p:txBody>
-      </p:sp>
+        </p:nvPicPr>
+        <p:blipFill>
+          <a:blip r:embed="rId3"/>
+          <a:stretch>
+            <a:fillRect/>
+          </a:stretch>
+        </p:blipFill>
+        <p:spPr>
+          <a:xfrm>
+            <a:off x="762000" y="1841300"/>
+            <a:ext cx="7696200" cy="4150759"/>
+          </a:xfrm>
+        </p:spPr>
+      </p:pic>
       <p:sp>
         <p:nvSpPr>
-          <p:cNvPr id="4" name="Slide Number Placeholder 3"/>
+          <p:cNvPr id="2" name="Slide Number Placeholder 1"/>
           <p:cNvSpPr>
             <a:spLocks noGrp="1"/>
           </p:cNvSpPr>
@@ -8085,10 +10254,111 @@
           </a:p>
         </p:txBody>
       </p:sp>
+      <p:sp>
+        <p:nvSpPr>
+          <p:cNvPr id="5" name="TextBox 4"/>
+          <p:cNvSpPr txBox="1"/>
+          <p:nvPr/>
+        </p:nvSpPr>
+        <p:spPr>
+          <a:xfrm>
+            <a:off x="1295400" y="381000"/>
+            <a:ext cx="6477000" cy="1446550"/>
+          </a:xfrm>
+          <a:prstGeom prst="rect">
+            <a:avLst/>
+          </a:prstGeom>
+          <a:noFill/>
+        </p:spPr>
+        <p:txBody>
+          <a:bodyPr wrap="square" rtlCol="1">
+            <a:spAutoFit/>
+          </a:bodyPr>
+          <a:lstStyle/>
+          <a:p>
+            <a:r>
+              <a:rPr lang="en-US" sz="4400" dirty="0" smtClean="0">
+                <a:effectLst>
+                  <a:glow rad="101600">
+                    <a:schemeClr val="accent2">
+                      <a:satMod val="175000"/>
+                      <a:alpha val="40000"/>
+                    </a:schemeClr>
+                  </a:glow>
+                </a:effectLst>
+              </a:rPr>
+              <a:t>client side  Cross-platform</a:t>
+            </a:r>
+          </a:p>
+          <a:p>
+            <a:endParaRPr lang="ar-EG" sz="4400" dirty="0">
+              <a:effectLst>
+                <a:glow rad="101600">
+                  <a:schemeClr val="accent2">
+                    <a:satMod val="175000"/>
+                    <a:alpha val="40000"/>
+                  </a:schemeClr>
+                </a:glow>
+              </a:effectLst>
+            </a:endParaRPr>
+          </a:p>
+        </p:txBody>
+      </p:sp>
+      <p:sp>
+        <p:nvSpPr>
+          <p:cNvPr id="6" name="Rectangle 5"/>
+          <p:cNvSpPr/>
+          <p:nvPr/>
+        </p:nvSpPr>
+        <p:spPr>
+          <a:xfrm>
+            <a:off x="2819400" y="3276600"/>
+            <a:ext cx="3352800" cy="1077218"/>
+          </a:xfrm>
+          <a:prstGeom prst="rect">
+            <a:avLst/>
+          </a:prstGeom>
+        </p:spPr>
+        <p:style>
+          <a:lnRef idx="2">
+            <a:schemeClr val="accent6">
+              <a:shade val="50000"/>
+            </a:schemeClr>
+          </a:lnRef>
+          <a:fillRef idx="1">
+            <a:schemeClr val="accent6"/>
+          </a:fillRef>
+          <a:effectRef idx="0">
+            <a:schemeClr val="accent6"/>
+          </a:effectRef>
+          <a:fontRef idx="minor">
+            <a:schemeClr val="lt1"/>
+          </a:fontRef>
+        </p:style>
+        <p:txBody>
+          <a:bodyPr wrap="square" lIns="91440" tIns="45720" rIns="91440" bIns="45720">
+            <a:spAutoFit/>
+          </a:bodyPr>
+          <a:lstStyle/>
+          <a:p>
+            <a:r>
+              <a:rPr lang="en-US" sz="3200" dirty="0" smtClean="0"/>
+              <a:t>  client side </a:t>
+            </a:r>
+            <a:br>
+              <a:rPr lang="en-US" sz="3200" dirty="0" smtClean="0"/>
+            </a:br>
+            <a:r>
+              <a:rPr lang="en-US" sz="3200" dirty="0" smtClean="0"/>
+              <a:t> Cross-platform</a:t>
+            </a:r>
+          </a:p>
+        </p:txBody>
+      </p:sp>
     </p:spTree>
     <p:extLst>
       <p:ext uri="{BB962C8B-B14F-4D97-AF65-F5344CB8AC3E}">
-        <p14:creationId xmlns="" xmlns:p14="http://schemas.microsoft.com/office/powerpoint/2010/main" val="2323770195"/>
+        <p14:creationId xmlns:p14="http://schemas.microsoft.com/office/powerpoint/2010/main" xmlns="" val="2736865171"/>
       </p:ext>
     </p:extLst>
   </p:cSld>
@@ -8124,6 +10394,424 @@
       </p:grpSpPr>
       <p:sp>
         <p:nvSpPr>
+          <p:cNvPr id="2" name="Title 1"/>
+          <p:cNvSpPr>
+            <a:spLocks noGrp="1"/>
+          </p:cNvSpPr>
+          <p:nvPr>
+            <p:ph type="title"/>
+          </p:nvPr>
+        </p:nvSpPr>
+        <p:spPr/>
+        <p:txBody>
+          <a:bodyPr>
+            <a:normAutofit fontScale="90000"/>
+          </a:bodyPr>
+          <a:lstStyle/>
+          <a:p>
+            <a:r>
+              <a:rPr lang="en-US" dirty="0" smtClean="0"/>
+              <a:t>HTML  </a:t>
+            </a:r>
+            <a:r>
+              <a:rPr lang="en-US" b="1" dirty="0" smtClean="0">
+                <a:solidFill>
+                  <a:srgbClr val="FF0000"/>
+                </a:solidFill>
+              </a:rPr>
+              <a:t>H</a:t>
+            </a:r>
+            <a:r>
+              <a:rPr lang="en-US" dirty="0" smtClean="0"/>
+              <a:t>yper </a:t>
+            </a:r>
+            <a:r>
+              <a:rPr lang="en-US" b="1" dirty="0" smtClean="0">
+                <a:solidFill>
+                  <a:srgbClr val="FF0000"/>
+                </a:solidFill>
+              </a:rPr>
+              <a:t>T</a:t>
+            </a:r>
+            <a:r>
+              <a:rPr lang="en-US" dirty="0" smtClean="0"/>
+              <a:t>ext </a:t>
+            </a:r>
+            <a:r>
+              <a:rPr lang="en-US" b="1" dirty="0" smtClean="0">
+                <a:solidFill>
+                  <a:srgbClr val="FF0000"/>
+                </a:solidFill>
+              </a:rPr>
+              <a:t>M</a:t>
+            </a:r>
+            <a:r>
+              <a:rPr lang="en-US" dirty="0" smtClean="0"/>
+              <a:t>arkup </a:t>
+            </a:r>
+            <a:r>
+              <a:rPr lang="en-US" b="1" dirty="0" smtClean="0">
+                <a:solidFill>
+                  <a:srgbClr val="FF0000"/>
+                </a:solidFill>
+              </a:rPr>
+              <a:t>L</a:t>
+            </a:r>
+            <a:r>
+              <a:rPr lang="en-US" dirty="0" smtClean="0"/>
+              <a:t>anguage</a:t>
+            </a:r>
+            <a:br>
+              <a:rPr lang="en-US" dirty="0" smtClean="0"/>
+            </a:br>
+            <a:endParaRPr lang="ar-EG" dirty="0"/>
+          </a:p>
+        </p:txBody>
+      </p:sp>
+      <p:pic>
+        <p:nvPicPr>
+          <p:cNvPr id="4" name="Content Placeholder 3" descr="HTML.jpg"/>
+          <p:cNvPicPr>
+            <a:picLocks noGrp="1" noChangeAspect="1"/>
+          </p:cNvPicPr>
+          <p:nvPr>
+            <p:ph idx="1"/>
+          </p:nvPr>
+        </p:nvPicPr>
+        <p:blipFill>
+          <a:blip r:embed="rId2"/>
+          <a:stretch>
+            <a:fillRect/>
+          </a:stretch>
+        </p:blipFill>
+        <p:spPr>
+          <a:xfrm>
+            <a:off x="1828800" y="1828800"/>
+            <a:ext cx="5943600" cy="4480917"/>
+          </a:xfrm>
+        </p:spPr>
+      </p:pic>
+    </p:spTree>
+  </p:cSld>
+  <p:clrMapOvr>
+    <a:masterClrMapping/>
+  </p:clrMapOvr>
+</p:sld>
+</file>
+
+<file path=ppt/slides/slide12.xml><?xml version="1.0" encoding="utf-8"?>
+<p:sld xmlns:a="http://schemas.openxmlformats.org/drawingml/2006/main" xmlns:r="http://schemas.openxmlformats.org/officeDocument/2006/relationships" xmlns:p="http://schemas.openxmlformats.org/presentationml/2006/main">
+  <p:cSld>
+    <p:spTree>
+      <p:nvGrpSpPr>
+        <p:cNvPr id="1" name=""/>
+        <p:cNvGrpSpPr/>
+        <p:nvPr/>
+      </p:nvGrpSpPr>
+      <p:grpSpPr>
+        <a:xfrm>
+          <a:off x="0" y="0"/>
+          <a:ext cx="0" cy="0"/>
+          <a:chOff x="0" y="0"/>
+          <a:chExt cx="0" cy="0"/>
+        </a:xfrm>
+      </p:grpSpPr>
+      <p:sp>
+        <p:nvSpPr>
+          <p:cNvPr id="2" name="Title 1"/>
+          <p:cNvSpPr>
+            <a:spLocks noGrp="1"/>
+          </p:cNvSpPr>
+          <p:nvPr>
+            <p:ph type="title"/>
+          </p:nvPr>
+        </p:nvSpPr>
+        <p:spPr/>
+        <p:txBody>
+          <a:bodyPr>
+            <a:normAutofit fontScale="90000"/>
+          </a:bodyPr>
+          <a:lstStyle/>
+          <a:p>
+            <a:r>
+              <a:rPr lang="en-US" dirty="0"/>
+              <a:t>HTML  </a:t>
+            </a:r>
+            <a:r>
+              <a:rPr lang="en-US" b="1" dirty="0">
+                <a:solidFill>
+                  <a:srgbClr val="FF0000"/>
+                </a:solidFill>
+              </a:rPr>
+              <a:t>H</a:t>
+            </a:r>
+            <a:r>
+              <a:rPr lang="en-US" dirty="0"/>
+              <a:t>yper </a:t>
+            </a:r>
+            <a:r>
+              <a:rPr lang="en-US" b="1" dirty="0">
+                <a:solidFill>
+                  <a:srgbClr val="FF0000"/>
+                </a:solidFill>
+              </a:rPr>
+              <a:t>T</a:t>
+            </a:r>
+            <a:r>
+              <a:rPr lang="en-US" dirty="0"/>
+              <a:t>ext </a:t>
+            </a:r>
+            <a:r>
+              <a:rPr lang="en-US" b="1" dirty="0">
+                <a:solidFill>
+                  <a:srgbClr val="FF0000"/>
+                </a:solidFill>
+              </a:rPr>
+              <a:t>M</a:t>
+            </a:r>
+            <a:r>
+              <a:rPr lang="en-US" dirty="0"/>
+              <a:t>arkup </a:t>
+            </a:r>
+            <a:r>
+              <a:rPr lang="en-US" b="1" dirty="0">
+                <a:solidFill>
+                  <a:srgbClr val="FF0000"/>
+                </a:solidFill>
+              </a:rPr>
+              <a:t>L</a:t>
+            </a:r>
+            <a:r>
+              <a:rPr lang="en-US" dirty="0"/>
+              <a:t>anguage</a:t>
+            </a:r>
+            <a:br>
+              <a:rPr lang="en-US" dirty="0"/>
+            </a:br>
+            <a:endParaRPr lang="ar-EG" dirty="0"/>
+          </a:p>
+        </p:txBody>
+      </p:sp>
+      <p:sp>
+        <p:nvSpPr>
+          <p:cNvPr id="3" name="Content Placeholder 2"/>
+          <p:cNvSpPr>
+            <a:spLocks noGrp="1"/>
+          </p:cNvSpPr>
+          <p:nvPr>
+            <p:ph idx="1"/>
+          </p:nvPr>
+        </p:nvSpPr>
+        <p:spPr/>
+        <p:txBody>
+          <a:bodyPr>
+            <a:normAutofit fontScale="92500" lnSpcReduction="10000"/>
+          </a:bodyPr>
+          <a:lstStyle/>
+          <a:p>
+            <a:r>
+              <a:rPr lang="en-US" b="1" dirty="0">
+                <a:solidFill>
+                  <a:srgbClr val="FF0000"/>
+                </a:solidFill>
+              </a:rPr>
+              <a:t>What is HTML?</a:t>
+            </a:r>
+          </a:p>
+          <a:p>
+            <a:r>
+              <a:rPr lang="en-US" dirty="0"/>
+              <a:t>HTML is a language for describing web pages.</a:t>
+            </a:r>
+          </a:p>
+          <a:p>
+            <a:r>
+              <a:rPr lang="en-US" dirty="0"/>
+              <a:t>HTML stands for </a:t>
+            </a:r>
+            <a:r>
+              <a:rPr lang="en-US" b="1" dirty="0"/>
+              <a:t>H</a:t>
+            </a:r>
+            <a:r>
+              <a:rPr lang="en-US" dirty="0"/>
+              <a:t>yper </a:t>
+            </a:r>
+            <a:r>
+              <a:rPr lang="en-US" b="1" dirty="0"/>
+              <a:t>T</a:t>
+            </a:r>
+            <a:r>
+              <a:rPr lang="en-US" dirty="0"/>
+              <a:t>ext </a:t>
+            </a:r>
+            <a:r>
+              <a:rPr lang="en-US" b="1" dirty="0"/>
+              <a:t>M</a:t>
+            </a:r>
+            <a:r>
+              <a:rPr lang="en-US" dirty="0"/>
+              <a:t>arkup </a:t>
+            </a:r>
+            <a:r>
+              <a:rPr lang="en-US" b="1" dirty="0"/>
+              <a:t>L</a:t>
+            </a:r>
+            <a:r>
+              <a:rPr lang="en-US" dirty="0"/>
+              <a:t>anguage</a:t>
+            </a:r>
+          </a:p>
+          <a:p>
+            <a:r>
+              <a:rPr lang="en-US" dirty="0"/>
+              <a:t>HTML is a </a:t>
+            </a:r>
+            <a:r>
+              <a:rPr lang="en-US" b="1" dirty="0"/>
+              <a:t>markup </a:t>
+            </a:r>
+            <a:r>
+              <a:rPr lang="en-US" dirty="0"/>
+              <a:t>language</a:t>
+            </a:r>
+          </a:p>
+          <a:p>
+            <a:r>
+              <a:rPr lang="en-US" dirty="0"/>
+              <a:t>A markup language is a set of markup</a:t>
+            </a:r>
+            <a:r>
+              <a:rPr lang="en-US" b="1" dirty="0"/>
+              <a:t> tags</a:t>
+            </a:r>
+            <a:endParaRPr lang="en-US" dirty="0"/>
+          </a:p>
+          <a:p>
+            <a:r>
+              <a:rPr lang="en-US" dirty="0"/>
+              <a:t>The tags </a:t>
+            </a:r>
+            <a:r>
+              <a:rPr lang="en-US" b="1" dirty="0"/>
+              <a:t>describe</a:t>
+            </a:r>
+            <a:r>
+              <a:rPr lang="en-US" dirty="0"/>
+              <a:t> document content</a:t>
+            </a:r>
+          </a:p>
+          <a:p>
+            <a:r>
+              <a:rPr lang="en-US" dirty="0"/>
+              <a:t>HTML documents contain</a:t>
+            </a:r>
+            <a:r>
+              <a:rPr lang="en-US" b="1" dirty="0"/>
+              <a:t> </a:t>
+            </a:r>
+            <a:r>
+              <a:rPr lang="en-US" dirty="0"/>
+              <a:t>HTML</a:t>
+            </a:r>
+            <a:r>
+              <a:rPr lang="en-US" b="1" dirty="0"/>
+              <a:t> tags</a:t>
+            </a:r>
+            <a:r>
+              <a:rPr lang="en-US" dirty="0"/>
+              <a:t> and </a:t>
+            </a:r>
+            <a:r>
+              <a:rPr lang="en-US" b="1" dirty="0"/>
+              <a:t>plain</a:t>
+            </a:r>
+            <a:r>
+              <a:rPr lang="en-US" dirty="0"/>
+              <a:t> </a:t>
+            </a:r>
+            <a:r>
+              <a:rPr lang="en-US" b="1" dirty="0"/>
+              <a:t>text</a:t>
+            </a:r>
+            <a:endParaRPr lang="en-US" dirty="0"/>
+          </a:p>
+          <a:p>
+            <a:r>
+              <a:rPr lang="en-US" dirty="0"/>
+              <a:t>HTML documents are also called</a:t>
+            </a:r>
+            <a:r>
+              <a:rPr lang="en-US" b="1" dirty="0"/>
+              <a:t> web pages</a:t>
+            </a:r>
+            <a:endParaRPr lang="en-US" dirty="0"/>
+          </a:p>
+        </p:txBody>
+      </p:sp>
+      <p:sp>
+        <p:nvSpPr>
+          <p:cNvPr id="4" name="Slide Number Placeholder 3"/>
+          <p:cNvSpPr>
+            <a:spLocks noGrp="1"/>
+          </p:cNvSpPr>
+          <p:nvPr>
+            <p:ph type="sldNum" sz="quarter" idx="12"/>
+          </p:nvPr>
+        </p:nvSpPr>
+        <p:spPr/>
+        <p:txBody>
+          <a:bodyPr/>
+          <a:lstStyle/>
+          <a:p>
+            <a:fld id="{B6F15528-21DE-4FAA-801E-634DDDAF4B2B}" type="slidenum">
+              <a:rPr lang="en-US" smtClean="0"/>
+              <a:pPr/>
+              <a:t>12</a:t>
+            </a:fld>
+            <a:endParaRPr lang="en-US"/>
+          </a:p>
+        </p:txBody>
+      </p:sp>
+    </p:spTree>
+    <p:extLst>
+      <p:ext uri="{BB962C8B-B14F-4D97-AF65-F5344CB8AC3E}">
+        <p14:creationId xmlns:p14="http://schemas.microsoft.com/office/powerpoint/2010/main" xmlns="" val="2323770195"/>
+      </p:ext>
+    </p:extLst>
+  </p:cSld>
+  <p:clrMapOvr>
+    <a:masterClrMapping/>
+  </p:clrMapOvr>
+  <p:timing>
+    <p:tnLst>
+      <p:par>
+        <p:cTn id="1" dur="indefinite" restart="never" nodeType="tmRoot"/>
+      </p:par>
+    </p:tnLst>
+  </p:timing>
+</p:sld>
+</file>
+
+<file path=ppt/slides/slide13.xml><?xml version="1.0" encoding="utf-8"?>
+<p:sld xmlns:a="http://schemas.openxmlformats.org/drawingml/2006/main" xmlns:r="http://schemas.openxmlformats.org/officeDocument/2006/relationships" xmlns:p="http://schemas.openxmlformats.org/presentationml/2006/main">
+  <p:cSld>
+    <p:spTree>
+      <p:nvGrpSpPr>
+        <p:cNvPr id="1" name=""/>
+        <p:cNvGrpSpPr/>
+        <p:nvPr/>
+      </p:nvGrpSpPr>
+      <p:grpSpPr>
+        <a:xfrm>
+          <a:off x="0" y="0"/>
+          <a:ext cx="0" cy="0"/>
+          <a:chOff x="0" y="0"/>
+          <a:chExt cx="0" cy="0"/>
+        </a:xfrm>
+      </p:grpSpPr>
+      <p:sp>
+        <p:nvSpPr>
           <p:cNvPr id="9219" name="Slide Number Placeholder 5"/>
           <p:cNvSpPr>
             <a:spLocks noGrp="1"/>
@@ -8137,14 +10825,14 @@
           <a:ln/>
           <a:extLst>
             <a:ext uri="{909E8E84-426E-40DD-AFC4-6F175D3DCCD1}">
-              <a14:hiddenFill xmlns="" xmlns:a14="http://schemas.microsoft.com/office/drawing/2010/main">
+              <a14:hiddenFill xmlns:a14="http://schemas.microsoft.com/office/drawing/2010/main" xmlns="">
                 <a:solidFill>
                   <a:srgbClr val="FFFFFF"/>
                 </a:solidFill>
               </a14:hiddenFill>
             </a:ext>
             <a:ext uri="{91240B29-F687-4F45-9708-019B960494DF}">
-              <a14:hiddenLine xmlns="" xmlns:a14="http://schemas.microsoft.com/office/drawing/2010/main" w="9525">
+              <a14:hiddenLine xmlns:a14="http://schemas.microsoft.com/office/drawing/2010/main" xmlns="" w="9525">
                 <a:solidFill>
                   <a:srgbClr val="000000"/>
                 </a:solidFill>
@@ -8269,7 +10957,7 @@
             <a:fld id="{381BE771-2CA5-43BE-8D7C-D88B50ECF611}" type="slidenum">
               <a:rPr lang="en-US" altLang="zh-CN"/>
               <a:pPr eaLnBrk="1" hangingPunct="1"/>
-              <a:t>11</a:t>
+              <a:t>13</a:t>
             </a:fld>
             <a:endParaRPr lang="en-US" altLang="zh-CN"/>
           </a:p>
@@ -8319,7 +11007,7 @@
             <p:ph idx="1"/>
             <p:extLst>
               <p:ext uri="{D42A27DB-BD31-4B8C-83A1-F6EECF244321}">
-                <p14:modId xmlns="" xmlns:p14="http://schemas.microsoft.com/office/powerpoint/2010/main" val="3645765562"/>
+                <p14:modId xmlns:p14="http://schemas.microsoft.com/office/powerpoint/2010/main" xmlns="" val="3645765562"/>
               </p:ext>
             </p:extLst>
           </p:nvPr>
@@ -9393,7 +12081,7 @@
     </p:spTree>
     <p:extLst>
       <p:ext uri="{BB962C8B-B14F-4D97-AF65-F5344CB8AC3E}">
-        <p14:creationId xmlns="" xmlns:p14="http://schemas.microsoft.com/office/powerpoint/2010/main" val="2270442966"/>
+        <p14:creationId xmlns:p14="http://schemas.microsoft.com/office/powerpoint/2010/main" xmlns="" val="2270442966"/>
       </p:ext>
     </p:extLst>
   </p:cSld>
@@ -9410,7 +12098,7 @@
 </p:sld>
 </file>
 
-<file path=ppt/slides/slide12.xml><?xml version="1.0" encoding="utf-8"?>
+<file path=ppt/slides/slide14.xml><?xml version="1.0" encoding="utf-8"?>
 <p:sld xmlns:a="http://schemas.openxmlformats.org/drawingml/2006/main" xmlns:r="http://schemas.openxmlformats.org/officeDocument/2006/relationships" xmlns:p="http://schemas.openxmlformats.org/presentationml/2006/main">
   <p:cSld>
     <p:spTree>
@@ -9445,7 +12133,7 @@
             <a:fld id="{4F88D95F-3A11-4A91-9442-80922F515B4F}" type="slidenum">
               <a:rPr lang="en-US" altLang="zh-CN"/>
               <a:pPr/>
-              <a:t>12</a:t>
+              <a:t>14</a:t>
             </a:fld>
             <a:endParaRPr lang="en-US" altLang="zh-CN"/>
           </a:p>
@@ -9665,7 +12353,7 @@
     </p:spTree>
     <p:extLst>
       <p:ext uri="{BB962C8B-B14F-4D97-AF65-F5344CB8AC3E}">
-        <p14:creationId xmlns="" xmlns:p14="http://schemas.microsoft.com/office/powerpoint/2010/main" val="2740047258"/>
+        <p14:creationId xmlns:p14="http://schemas.microsoft.com/office/powerpoint/2010/main" xmlns="" val="2740047258"/>
       </p:ext>
     </p:extLst>
   </p:cSld>
@@ -9679,272 +12367,6 @@
       </p:par>
     </p:tnLst>
   </p:timing>
-</p:sld>
-</file>
-
-<file path=ppt/slides/slide13.xml><?xml version="1.0" encoding="utf-8"?>
-<p:sld xmlns:a="http://schemas.openxmlformats.org/drawingml/2006/main" xmlns:r="http://schemas.openxmlformats.org/officeDocument/2006/relationships" xmlns:p="http://schemas.openxmlformats.org/presentationml/2006/main">
-  <p:cSld>
-    <p:spTree>
-      <p:nvGrpSpPr>
-        <p:cNvPr id="1" name=""/>
-        <p:cNvGrpSpPr/>
-        <p:nvPr/>
-      </p:nvGrpSpPr>
-      <p:grpSpPr>
-        <a:xfrm>
-          <a:off x="0" y="0"/>
-          <a:ext cx="0" cy="0"/>
-          <a:chOff x="0" y="0"/>
-          <a:chExt cx="0" cy="0"/>
-        </a:xfrm>
-      </p:grpSpPr>
-      <p:sp>
-        <p:nvSpPr>
-          <p:cNvPr id="2" name="Title 1"/>
-          <p:cNvSpPr>
-            <a:spLocks noGrp="1"/>
-          </p:cNvSpPr>
-          <p:nvPr>
-            <p:ph type="title"/>
-          </p:nvPr>
-        </p:nvSpPr>
-        <p:spPr/>
-        <p:txBody>
-          <a:bodyPr>
-            <a:normAutofit fontScale="90000"/>
-          </a:bodyPr>
-          <a:lstStyle/>
-          <a:p>
-            <a:r>
-              <a:rPr lang="en-US" dirty="0" smtClean="0"/>
-              <a:t>Environment Setup </a:t>
-            </a:r>
-            <a:br>
-              <a:rPr lang="en-US" dirty="0" smtClean="0"/>
-            </a:br>
-            <a:endParaRPr lang="en-US" dirty="0"/>
-          </a:p>
-        </p:txBody>
-      </p:sp>
-      <p:sp>
-        <p:nvSpPr>
-          <p:cNvPr id="3" name="Content Placeholder 2"/>
-          <p:cNvSpPr>
-            <a:spLocks noGrp="1"/>
-          </p:cNvSpPr>
-          <p:nvPr>
-            <p:ph idx="1"/>
-          </p:nvPr>
-        </p:nvSpPr>
-        <p:spPr/>
-        <p:txBody>
-          <a:bodyPr>
-            <a:normAutofit/>
-          </a:bodyPr>
-          <a:lstStyle/>
-          <a:p>
-            <a:r>
-              <a:rPr lang="en-US" dirty="0" smtClean="0">
-                <a:hlinkClick r:id="rId2"/>
-              </a:rPr>
-              <a:t>Node.js</a:t>
-            </a:r>
-            <a:r>
-              <a:rPr lang="en-US" dirty="0" smtClean="0"/>
-              <a:t> Setup </a:t>
-            </a:r>
-          </a:p>
-        </p:txBody>
-      </p:sp>
-      <p:pic>
-        <p:nvPicPr>
-          <p:cNvPr id="4" name="Picture 3" descr="1200px-Node.js_logo.svg.png"/>
-          <p:cNvPicPr>
-            <a:picLocks noChangeAspect="1"/>
-          </p:cNvPicPr>
-          <p:nvPr/>
-        </p:nvPicPr>
-        <p:blipFill>
-          <a:blip r:embed="rId3"/>
-          <a:stretch>
-            <a:fillRect/>
-          </a:stretch>
-        </p:blipFill>
-        <p:spPr>
-          <a:xfrm>
-            <a:off x="3048000" y="2514600"/>
-            <a:ext cx="3964890" cy="2425191"/>
-          </a:xfrm>
-          <a:prstGeom prst="rect">
-            <a:avLst/>
-          </a:prstGeom>
-        </p:spPr>
-      </p:pic>
-      <p:sp>
-        <p:nvSpPr>
-          <p:cNvPr id="5" name="Rectangle 4"/>
-          <p:cNvSpPr/>
-          <p:nvPr/>
-        </p:nvSpPr>
-        <p:spPr>
-          <a:xfrm>
-            <a:off x="3886200" y="5638800"/>
-            <a:ext cx="2319033" cy="369332"/>
-          </a:xfrm>
-          <a:prstGeom prst="rect">
-            <a:avLst/>
-          </a:prstGeom>
-        </p:spPr>
-        <p:txBody>
-          <a:bodyPr wrap="none">
-            <a:spAutoFit/>
-          </a:bodyPr>
-          <a:lstStyle/>
-          <a:p>
-            <a:r>
-              <a:rPr lang="en-US" dirty="0" smtClean="0"/>
-              <a:t>https://nodejs.org/en/</a:t>
-            </a:r>
-            <a:endParaRPr lang="en-US" dirty="0"/>
-          </a:p>
-        </p:txBody>
-      </p:sp>
-    </p:spTree>
-  </p:cSld>
-  <p:clrMapOvr>
-    <a:masterClrMapping/>
-  </p:clrMapOvr>
-</p:sld>
-</file>
-
-<file path=ppt/slides/slide14.xml><?xml version="1.0" encoding="utf-8"?>
-<p:sld xmlns:a="http://schemas.openxmlformats.org/drawingml/2006/main" xmlns:r="http://schemas.openxmlformats.org/officeDocument/2006/relationships" xmlns:p="http://schemas.openxmlformats.org/presentationml/2006/main">
-  <p:cSld>
-    <p:spTree>
-      <p:nvGrpSpPr>
-        <p:cNvPr id="1" name=""/>
-        <p:cNvGrpSpPr/>
-        <p:nvPr/>
-      </p:nvGrpSpPr>
-      <p:grpSpPr>
-        <a:xfrm>
-          <a:off x="0" y="0"/>
-          <a:ext cx="0" cy="0"/>
-          <a:chOff x="0" y="0"/>
-          <a:chExt cx="0" cy="0"/>
-        </a:xfrm>
-      </p:grpSpPr>
-      <p:sp>
-        <p:nvSpPr>
-          <p:cNvPr id="2" name="Title 1"/>
-          <p:cNvSpPr>
-            <a:spLocks noGrp="1"/>
-          </p:cNvSpPr>
-          <p:nvPr>
-            <p:ph type="title"/>
-          </p:nvPr>
-        </p:nvSpPr>
-        <p:spPr/>
-        <p:txBody>
-          <a:bodyPr>
-            <a:normAutofit fontScale="90000"/>
-          </a:bodyPr>
-          <a:lstStyle/>
-          <a:p>
-            <a:r>
-              <a:rPr lang="en-US" dirty="0" smtClean="0"/>
-              <a:t>Environment Setup </a:t>
-            </a:r>
-            <a:br>
-              <a:rPr lang="en-US" dirty="0" smtClean="0"/>
-            </a:br>
-            <a:endParaRPr lang="en-US" dirty="0"/>
-          </a:p>
-        </p:txBody>
-      </p:sp>
-      <p:sp>
-        <p:nvSpPr>
-          <p:cNvPr id="3" name="Content Placeholder 2"/>
-          <p:cNvSpPr>
-            <a:spLocks noGrp="1"/>
-          </p:cNvSpPr>
-          <p:nvPr>
-            <p:ph idx="1"/>
-          </p:nvPr>
-        </p:nvSpPr>
-        <p:spPr/>
-        <p:txBody>
-          <a:bodyPr>
-            <a:normAutofit/>
-          </a:bodyPr>
-          <a:lstStyle/>
-          <a:p>
-            <a:r>
-              <a:rPr lang="en-US" dirty="0" smtClean="0"/>
-              <a:t>visual studio code IDE Setup </a:t>
-            </a:r>
-          </a:p>
-        </p:txBody>
-      </p:sp>
-      <p:pic>
-        <p:nvPicPr>
-          <p:cNvPr id="5" name="Picture 4" descr="Capture.PNG"/>
-          <p:cNvPicPr>
-            <a:picLocks noChangeAspect="1"/>
-          </p:cNvPicPr>
-          <p:nvPr/>
-        </p:nvPicPr>
-        <p:blipFill>
-          <a:blip r:embed="rId2"/>
-          <a:stretch>
-            <a:fillRect/>
-          </a:stretch>
-        </p:blipFill>
-        <p:spPr>
-          <a:xfrm>
-            <a:off x="3771788" y="2619262"/>
-            <a:ext cx="1600423" cy="1619476"/>
-          </a:xfrm>
-          <a:prstGeom prst="rect">
-            <a:avLst/>
-          </a:prstGeom>
-        </p:spPr>
-      </p:pic>
-      <p:sp>
-        <p:nvSpPr>
-          <p:cNvPr id="6" name="Rectangle 5"/>
-          <p:cNvSpPr/>
-          <p:nvPr/>
-        </p:nvSpPr>
-        <p:spPr>
-          <a:xfrm>
-            <a:off x="3048000" y="4800600"/>
-            <a:ext cx="3071546" cy="369332"/>
-          </a:xfrm>
-          <a:prstGeom prst="rect">
-            <a:avLst/>
-          </a:prstGeom>
-        </p:spPr>
-        <p:txBody>
-          <a:bodyPr wrap="none">
-            <a:spAutoFit/>
-          </a:bodyPr>
-          <a:lstStyle/>
-          <a:p>
-            <a:r>
-              <a:rPr lang="en-US" dirty="0" smtClean="0"/>
-              <a:t>https://code.visualstudio.com/</a:t>
-            </a:r>
-            <a:endParaRPr lang="en-US" dirty="0"/>
-          </a:p>
-        </p:txBody>
-      </p:sp>
-    </p:spTree>
-  </p:cSld>
-  <p:clrMapOvr>
-    <a:masterClrMapping/>
-  </p:clrMapOvr>
 </p:sld>
 </file>
 
@@ -9967,7 +12389,7 @@
       </p:grpSpPr>
       <p:sp>
         <p:nvSpPr>
-          <p:cNvPr id="2" name="Title 1"/>
+          <p:cNvPr id="9" name="Title 1"/>
           <p:cNvSpPr>
             <a:spLocks noGrp="1"/>
           </p:cNvSpPr>
@@ -9975,7 +12397,12 @@
             <p:ph type="title"/>
           </p:nvPr>
         </p:nvSpPr>
-        <p:spPr/>
+        <p:spPr>
+          <a:xfrm>
+            <a:off x="457200" y="56481"/>
+            <a:ext cx="8229600" cy="370548"/>
+          </a:xfrm>
+        </p:spPr>
         <p:txBody>
           <a:bodyPr>
             <a:normAutofit fontScale="90000"/>
@@ -9983,19 +12410,15 @@
           <a:lstStyle/>
           <a:p>
             <a:r>
-              <a:rPr lang="en-US" dirty="0" smtClean="0"/>
-              <a:t>Environment Setup </a:t>
-            </a:r>
-            <a:br>
-              <a:rPr lang="en-US" dirty="0" smtClean="0"/>
-            </a:br>
-            <a:endParaRPr lang="en-US" dirty="0"/>
+              <a:rPr lang="en-US" dirty="0"/>
+              <a:t>DOM (Document Object Model)</a:t>
+            </a:r>
           </a:p>
         </p:txBody>
       </p:sp>
       <p:sp>
         <p:nvSpPr>
-          <p:cNvPr id="3" name="Content Placeholder 2"/>
+          <p:cNvPr id="10" name="Content Placeholder 2"/>
           <p:cNvSpPr>
             <a:spLocks noGrp="1"/>
           </p:cNvSpPr>
@@ -10003,87 +12426,96 @@
             <p:ph idx="1"/>
           </p:nvPr>
         </p:nvSpPr>
-        <p:spPr/>
+        <p:spPr>
+          <a:xfrm>
+            <a:off x="457200" y="634742"/>
+            <a:ext cx="8229600" cy="4525963"/>
+          </a:xfrm>
+        </p:spPr>
         <p:txBody>
           <a:bodyPr>
             <a:normAutofit/>
           </a:bodyPr>
           <a:lstStyle/>
           <a:p>
-            <a:pPr>
-              <a:buNone/>
-            </a:pPr>
-            <a:r>
-              <a:rPr lang="en-US" b="1" dirty="0" smtClean="0"/>
-              <a:t>visual studio code IDE extensions</a:t>
-            </a:r>
-          </a:p>
-          <a:p>
-            <a:pPr marL="514350" indent="-514350">
-              <a:buFont typeface="+mj-lt"/>
-              <a:buAutoNum type="arabicPeriod"/>
-            </a:pPr>
-            <a:r>
-              <a:rPr lang="fr-FR" b="1" smtClean="0"/>
-              <a:t>Vue VS Code Extension Pack</a:t>
-            </a:r>
-            <a:endParaRPr lang="en-US" dirty="0" smtClean="0"/>
+            <a:r>
+              <a:rPr lang="en-US" sz="2400" dirty="0"/>
+              <a:t>Document Object Model makes every addressable item in a web application an Object that can be manipulated for color, transparency, position, sound and behaviors.</a:t>
+            </a:r>
+          </a:p>
+          <a:p>
+            <a:r>
+              <a:rPr lang="en-US" sz="2400" dirty="0"/>
+              <a:t>Every HTML Tag is a DOM object</a:t>
+            </a:r>
           </a:p>
         </p:txBody>
       </p:sp>
       <p:pic>
         <p:nvPicPr>
-          <p:cNvPr id="5" name="Picture 4" descr="Capture.PNG"/>
+          <p:cNvPr id="11" name="Picture 2" descr="Image result for document object model"/>
           <p:cNvPicPr>
-            <a:picLocks noChangeAspect="1"/>
+            <a:picLocks noChangeAspect="1" noChangeArrowheads="1"/>
           </p:cNvPicPr>
           <p:nvPr/>
         </p:nvPicPr>
         <p:blipFill>
-          <a:blip r:embed="rId2"/>
+          <a:blip r:embed="rId2">
+            <a:extLst>
+              <a:ext uri="{28A0092B-C50C-407E-A947-70E740481C1C}">
+                <a14:useLocalDpi xmlns="" xmlns:a14="http://schemas.microsoft.com/office/drawing/2010/main" val="0"/>
+              </a:ext>
+            </a:extLst>
+          </a:blip>
+          <a:srcRect/>
           <a:stretch>
             <a:fillRect/>
           </a:stretch>
         </p:blipFill>
-        <p:spPr>
+        <p:spPr bwMode="auto">
           <a:xfrm>
-            <a:off x="6324600" y="3352800"/>
-            <a:ext cx="1600423" cy="1619476"/>
+            <a:off x="381000" y="2438400"/>
+            <a:ext cx="5638800" cy="3497646"/>
           </a:xfrm>
           <a:prstGeom prst="rect">
             <a:avLst/>
           </a:prstGeom>
+          <a:noFill/>
+          <a:extLst>
+            <a:ext uri="{909E8E84-426E-40DD-AFC4-6F175D3DCCD1}">
+              <a14:hiddenFill xmlns="" xmlns:a14="http://schemas.microsoft.com/office/drawing/2010/main">
+                <a:solidFill>
+                  <a:srgbClr val="FFFFFF"/>
+                </a:solidFill>
+              </a14:hiddenFill>
+            </a:ext>
+          </a:extLst>
         </p:spPr>
       </p:pic>
-      <p:sp>
-        <p:nvSpPr>
-          <p:cNvPr id="6" name="Rectangle 5"/>
-          <p:cNvSpPr/>
-          <p:nvPr/>
-        </p:nvSpPr>
-        <p:spPr>
-          <a:xfrm>
-            <a:off x="685800" y="4800600"/>
-            <a:ext cx="3071546" cy="369332"/>
-          </a:xfrm>
-          <a:prstGeom prst="rect">
-            <a:avLst/>
-          </a:prstGeom>
-        </p:spPr>
-        <p:txBody>
-          <a:bodyPr wrap="none">
-            <a:spAutoFit/>
-          </a:bodyPr>
-          <a:lstStyle/>
-          <a:p>
-            <a:r>
-              <a:rPr lang="en-US" dirty="0" smtClean="0"/>
-              <a:t>https://code.visualstudio.com/</a:t>
-            </a:r>
-            <a:endParaRPr lang="en-US" dirty="0"/>
-          </a:p>
-        </p:txBody>
-      </p:sp>
+      <p:graphicFrame>
+        <p:nvGraphicFramePr>
+          <p:cNvPr id="12" name="Content Placeholder 3"/>
+          <p:cNvGraphicFramePr>
+            <a:graphicFrameLocks/>
+          </p:cNvGraphicFramePr>
+          <p:nvPr>
+            <p:extLst>
+              <p:ext uri="{D42A27DB-BD31-4B8C-83A1-F6EECF244321}">
+                <p14:modId xmlns="" xmlns:p14="http://schemas.microsoft.com/office/powerpoint/2010/main" val="700503794"/>
+              </p:ext>
+            </p:extLst>
+          </p:nvPr>
+        </p:nvGraphicFramePr>
+        <p:xfrm>
+          <a:off x="5867400" y="1412765"/>
+          <a:ext cx="2819400" cy="4378435"/>
+        </p:xfrm>
+        <a:graphic>
+          <a:graphicData uri="http://schemas.openxmlformats.org/drawingml/2006/diagram">
+            <dgm:relIds xmlns:dgm="http://schemas.openxmlformats.org/drawingml/2006/diagram" xmlns:r="http://schemas.openxmlformats.org/officeDocument/2006/relationships" r:dm="rId3" r:lo="rId4" r:qs="rId5" r:cs="rId6"/>
+          </a:graphicData>
+        </a:graphic>
+      </p:graphicFrame>
     </p:spTree>
   </p:cSld>
   <p:clrMapOvr>
@@ -10111,7 +12543,7 @@
       </p:grpSpPr>
       <p:sp>
         <p:nvSpPr>
-          <p:cNvPr id="2" name="Title 1"/>
+          <p:cNvPr id="4" name="Title 3"/>
           <p:cNvSpPr>
             <a:spLocks noGrp="1"/>
           </p:cNvSpPr>
@@ -10121,97 +12553,75 @@
         </p:nvSpPr>
         <p:spPr/>
         <p:txBody>
-          <a:bodyPr>
-            <a:normAutofit/>
-          </a:bodyPr>
+          <a:bodyPr/>
           <a:lstStyle/>
-          <a:p>
-            <a:r>
-              <a:rPr lang="en-US" dirty="0" smtClean="0"/>
-              <a:t>Project Setup</a:t>
-            </a:r>
-          </a:p>
-        </p:txBody>
-      </p:sp>
-      <p:sp>
-        <p:nvSpPr>
-          <p:cNvPr id="3" name="Content Placeholder 2"/>
-          <p:cNvSpPr>
-            <a:spLocks noGrp="1"/>
-          </p:cNvSpPr>
-          <p:nvPr>
-            <p:ph idx="1"/>
-          </p:nvPr>
-        </p:nvSpPr>
-        <p:spPr/>
-        <p:txBody>
-          <a:bodyPr>
-            <a:normAutofit/>
-          </a:bodyPr>
-          <a:lstStyle/>
-          <a:p>
-            <a:r>
-              <a:rPr lang="en-US" dirty="0" err="1" smtClean="0"/>
-              <a:t>npm</a:t>
-            </a:r>
-            <a:r>
-              <a:rPr lang="en-US" dirty="0" smtClean="0"/>
-              <a:t> install -g @</a:t>
-            </a:r>
-            <a:r>
-              <a:rPr lang="en-US" dirty="0" err="1" smtClean="0"/>
-              <a:t>vue</a:t>
-            </a:r>
-            <a:r>
-              <a:rPr lang="en-US" dirty="0" smtClean="0"/>
-              <a:t>/</a:t>
-            </a:r>
-            <a:r>
-              <a:rPr lang="en-US" dirty="0" err="1" smtClean="0"/>
-              <a:t>cli</a:t>
-            </a:r>
-            <a:endParaRPr lang="en-US" dirty="0" smtClean="0"/>
-          </a:p>
-          <a:p>
-            <a:r>
-              <a:rPr lang="en-US" dirty="0" err="1" smtClean="0"/>
-              <a:t>vue</a:t>
-            </a:r>
-            <a:r>
-              <a:rPr lang="en-US" dirty="0" smtClean="0"/>
-              <a:t> create application-name</a:t>
-            </a:r>
-          </a:p>
-          <a:p>
-            <a:r>
-              <a:rPr lang="en-US" dirty="0" err="1" smtClean="0"/>
-              <a:t>npm</a:t>
-            </a:r>
-            <a:r>
-              <a:rPr lang="en-US" dirty="0" smtClean="0"/>
-              <a:t> run serve</a:t>
-            </a:r>
-          </a:p>
-          <a:p>
-            <a:endParaRPr lang="en-US" dirty="0" smtClean="0"/>
-          </a:p>
-          <a:p>
-            <a:endParaRPr lang="en-US" dirty="0" smtClean="0"/>
-          </a:p>
           <a:p>
             <a:r>
               <a:rPr lang="en-US" dirty="0" smtClean="0">
                 <a:hlinkClick r:id="rId2"/>
               </a:rPr>
-              <a:t>https://cli.vuejs.org/</a:t>
-            </a:r>
-            <a:endParaRPr lang="en-US" dirty="0" smtClean="0"/>
-          </a:p>
-          <a:p>
+              <a:t>JSON</a:t>
+            </a:r>
+            <a:r>
+              <a:rPr lang="en-US" dirty="0" smtClean="0"/>
+              <a:t>  (JavaScript Object Notation)</a:t>
+            </a:r>
             <a:endParaRPr lang="en-US" dirty="0"/>
           </a:p>
         </p:txBody>
       </p:sp>
+      <p:pic>
+        <p:nvPicPr>
+          <p:cNvPr id="17410" name="Picture 2" descr="ÙØªÙØ¬Ø© Ø¨Ø­Ø« Ø§ÙØµÙØ± Ø¹Ù âªjsonâ¬â"/>
+          <p:cNvPicPr>
+            <a:picLocks noChangeAspect="1" noChangeArrowheads="1"/>
+          </p:cNvPicPr>
+          <p:nvPr/>
+        </p:nvPicPr>
+        <p:blipFill>
+          <a:blip r:embed="rId3"/>
+          <a:srcRect/>
+          <a:stretch>
+            <a:fillRect/>
+          </a:stretch>
+        </p:blipFill>
+        <p:spPr bwMode="auto">
+          <a:xfrm>
+            <a:off x="228600" y="1981200"/>
+            <a:ext cx="4419600" cy="2752725"/>
+          </a:xfrm>
+          <a:prstGeom prst="rect">
+            <a:avLst/>
+          </a:prstGeom>
+          <a:noFill/>
+        </p:spPr>
+      </p:pic>
+      <p:pic>
+        <p:nvPicPr>
+          <p:cNvPr id="13314" name="Picture 2" descr="https://www.json.org/value.gif"/>
+          <p:cNvPicPr>
+            <a:picLocks noChangeAspect="1" noChangeArrowheads="1"/>
+          </p:cNvPicPr>
+          <p:nvPr/>
+        </p:nvPicPr>
+        <p:blipFill>
+          <a:blip r:embed="rId4"/>
+          <a:srcRect/>
+          <a:stretch>
+            <a:fillRect/>
+          </a:stretch>
+        </p:blipFill>
+        <p:spPr bwMode="auto">
+          <a:xfrm>
+            <a:off x="4876800" y="1981200"/>
+            <a:ext cx="4267200" cy="2647951"/>
+          </a:xfrm>
+          <a:prstGeom prst="rect">
+            <a:avLst/>
+          </a:prstGeom>
+          <a:noFill/>
+        </p:spPr>
+      </p:pic>
     </p:spTree>
   </p:cSld>
   <p:clrMapOvr>
@@ -10250,20 +12660,183 @@
         <p:spPr/>
         <p:txBody>
           <a:bodyPr>
-            <a:normAutofit/>
+            <a:normAutofit fontScale="90000"/>
           </a:bodyPr>
           <a:lstStyle/>
           <a:p>
             <a:r>
+              <a:rPr lang="en-US" dirty="0" err="1" smtClean="0"/>
+              <a:t>Git</a:t>
+            </a:r>
+            <a:r>
               <a:rPr lang="en-US" dirty="0" smtClean="0"/>
-              <a:t>Overview</a:t>
-            </a:r>
+              <a:t> distributed version control system </a:t>
+            </a:r>
+            <a:endParaRPr lang="ar-EG" dirty="0"/>
           </a:p>
         </p:txBody>
       </p:sp>
       <p:pic>
         <p:nvPicPr>
-          <p:cNvPr id="1026" name="Picture 2" descr="F:\RTC\AngularCourse\AnglerCourseGit\0-Appendix\Angular\1-overview2.png"/>
+          <p:cNvPr id="4" name="Content Placeholder 3" descr="Git.png"/>
+          <p:cNvPicPr>
+            <a:picLocks noGrp="1" noChangeAspect="1"/>
+          </p:cNvPicPr>
+          <p:nvPr>
+            <p:ph idx="1"/>
+          </p:nvPr>
+        </p:nvPicPr>
+        <p:blipFill>
+          <a:blip r:embed="rId2"/>
+          <a:stretch>
+            <a:fillRect/>
+          </a:stretch>
+        </p:blipFill>
+        <p:spPr>
+          <a:xfrm>
+            <a:off x="762001" y="1005682"/>
+            <a:ext cx="6827308" cy="5120481"/>
+          </a:xfrm>
+        </p:spPr>
+      </p:pic>
+    </p:spTree>
+  </p:cSld>
+  <p:clrMapOvr>
+    <a:masterClrMapping/>
+  </p:clrMapOvr>
+</p:sld>
+</file>
+
+<file path=ppt/slides/slide18.xml><?xml version="1.0" encoding="utf-8"?>
+<p:sld xmlns:a="http://schemas.openxmlformats.org/drawingml/2006/main" xmlns:r="http://schemas.openxmlformats.org/officeDocument/2006/relationships" xmlns:p="http://schemas.openxmlformats.org/presentationml/2006/main">
+  <p:cSld>
+    <p:spTree>
+      <p:nvGrpSpPr>
+        <p:cNvPr id="1" name=""/>
+        <p:cNvGrpSpPr/>
+        <p:nvPr/>
+      </p:nvGrpSpPr>
+      <p:grpSpPr>
+        <a:xfrm>
+          <a:off x="0" y="0"/>
+          <a:ext cx="0" cy="0"/>
+          <a:chOff x="0" y="0"/>
+          <a:chExt cx="0" cy="0"/>
+        </a:xfrm>
+      </p:grpSpPr>
+      <p:sp>
+        <p:nvSpPr>
+          <p:cNvPr id="2" name="Title 1"/>
+          <p:cNvSpPr>
+            <a:spLocks noGrp="1"/>
+          </p:cNvSpPr>
+          <p:nvPr>
+            <p:ph type="title"/>
+          </p:nvPr>
+        </p:nvSpPr>
+        <p:spPr/>
+        <p:txBody>
+          <a:bodyPr>
+            <a:noAutofit/>
+          </a:bodyPr>
+          <a:lstStyle/>
+          <a:p>
+            <a:r>
+              <a:rPr lang="en-US" sz="3200" b="1" dirty="0" smtClean="0"/>
+              <a:t> best JS frameworks available in the markets for web application development.</a:t>
+            </a:r>
+            <a:endParaRPr lang="en-US" sz="3200" dirty="0" smtClean="0"/>
+          </a:p>
+        </p:txBody>
+      </p:sp>
+      <p:sp>
+        <p:nvSpPr>
+          <p:cNvPr id="5" name="Content Placeholder 4"/>
+          <p:cNvSpPr>
+            <a:spLocks noGrp="1"/>
+          </p:cNvSpPr>
+          <p:nvPr>
+            <p:ph idx="1"/>
+          </p:nvPr>
+        </p:nvSpPr>
+        <p:spPr/>
+        <p:txBody>
+          <a:bodyPr>
+            <a:noAutofit/>
+          </a:bodyPr>
+          <a:lstStyle/>
+          <a:p>
+            <a:r>
+              <a:rPr lang="en-US" sz="2400" dirty="0" err="1" smtClean="0"/>
+              <a:t>AngularJS</a:t>
+            </a:r>
+            <a:r>
+              <a:rPr lang="en-US" sz="2400" dirty="0" smtClean="0"/>
+              <a:t>.</a:t>
+            </a:r>
+          </a:p>
+          <a:p>
+            <a:r>
+              <a:rPr lang="en-US" sz="2400" dirty="0" smtClean="0"/>
+              <a:t>React.</a:t>
+            </a:r>
+          </a:p>
+          <a:p>
+            <a:r>
+              <a:rPr lang="en-US" sz="2400" dirty="0" smtClean="0"/>
+              <a:t>Ember.js.</a:t>
+            </a:r>
+          </a:p>
+          <a:p>
+            <a:r>
+              <a:rPr lang="en-US" sz="2400" dirty="0" smtClean="0"/>
+              <a:t>Vue.js.</a:t>
+            </a:r>
+          </a:p>
+          <a:p>
+            <a:r>
+              <a:rPr lang="en-US" sz="2400" dirty="0" smtClean="0"/>
+              <a:t>Backbone.js.</a:t>
+            </a:r>
+          </a:p>
+          <a:p>
+            <a:r>
+              <a:rPr lang="en-US" sz="2400" dirty="0" smtClean="0"/>
+              <a:t>Mithril.js.</a:t>
+            </a:r>
+          </a:p>
+          <a:p>
+            <a:r>
+              <a:rPr lang="en-US" sz="2400" dirty="0" smtClean="0"/>
+              <a:t>Polymer.js.</a:t>
+            </a:r>
+          </a:p>
+          <a:p>
+            <a:r>
+              <a:rPr lang="en-US" sz="2400" dirty="0" smtClean="0"/>
+              <a:t>Node.js.</a:t>
+            </a:r>
+          </a:p>
+          <a:p>
+            <a:endParaRPr lang="en-US" sz="2400" dirty="0" smtClean="0"/>
+          </a:p>
+          <a:p>
+            <a:endParaRPr lang="en-US" sz="2400" dirty="0" smtClean="0"/>
+          </a:p>
+          <a:p>
+            <a:endParaRPr lang="en-US" sz="2400" dirty="0" smtClean="0"/>
+          </a:p>
+          <a:p>
+            <a:endParaRPr lang="en-US" sz="2400" dirty="0" smtClean="0"/>
+          </a:p>
+          <a:p>
+            <a:endParaRPr lang="en-US" sz="2400" dirty="0"/>
+          </a:p>
+        </p:txBody>
+      </p:sp>
+      <p:pic>
+        <p:nvPicPr>
+          <p:cNvPr id="18434" name="Picture 2" descr="https://rubygarage.s3.amazonaws.com/uploads/article_image/file/812/js-frameworks.jpg"/>
           <p:cNvPicPr>
             <a:picLocks noChangeAspect="1" noChangeArrowheads="1"/>
           </p:cNvPicPr>
@@ -10278,13 +12851,100 @@
         </p:blipFill>
         <p:spPr bwMode="auto">
           <a:xfrm>
-            <a:off x="255587" y="1447800"/>
-            <a:ext cx="8888413" cy="4521200"/>
+            <a:off x="2683244" y="2971800"/>
+            <a:ext cx="6460756" cy="2381251"/>
           </a:xfrm>
           <a:prstGeom prst="rect">
             <a:avLst/>
           </a:prstGeom>
           <a:noFill/>
+        </p:spPr>
+      </p:pic>
+    </p:spTree>
+  </p:cSld>
+  <p:clrMapOvr>
+    <a:masterClrMapping/>
+  </p:clrMapOvr>
+</p:sld>
+</file>
+
+<file path=ppt/slides/slide19.xml><?xml version="1.0" encoding="utf-8"?>
+<p:sld xmlns:a="http://schemas.openxmlformats.org/drawingml/2006/main" xmlns:r="http://schemas.openxmlformats.org/officeDocument/2006/relationships" xmlns:p="http://schemas.openxmlformats.org/presentationml/2006/main">
+  <p:cSld>
+    <p:spTree>
+      <p:nvGrpSpPr>
+        <p:cNvPr id="1" name=""/>
+        <p:cNvGrpSpPr/>
+        <p:nvPr/>
+      </p:nvGrpSpPr>
+      <p:grpSpPr>
+        <a:xfrm>
+          <a:off x="0" y="0"/>
+          <a:ext cx="0" cy="0"/>
+          <a:chOff x="0" y="0"/>
+          <a:chExt cx="0" cy="0"/>
+        </a:xfrm>
+      </p:grpSpPr>
+      <p:sp>
+        <p:nvSpPr>
+          <p:cNvPr id="2" name="Title 1"/>
+          <p:cNvSpPr>
+            <a:spLocks noGrp="1"/>
+          </p:cNvSpPr>
+          <p:nvPr>
+            <p:ph type="title"/>
+          </p:nvPr>
+        </p:nvSpPr>
+        <p:spPr/>
+        <p:txBody>
+          <a:bodyPr>
+            <a:normAutofit/>
+          </a:bodyPr>
+          <a:lstStyle/>
+          <a:p>
+            <a:r>
+              <a:rPr lang="en-US" dirty="0" smtClean="0"/>
+              <a:t>Why </a:t>
+            </a:r>
+            <a:r>
+              <a:rPr lang="en-US" dirty="0" err="1" smtClean="0"/>
+              <a:t>Vue</a:t>
+            </a:r>
+            <a:endParaRPr lang="en-US" dirty="0"/>
+          </a:p>
+        </p:txBody>
+      </p:sp>
+      <p:pic>
+        <p:nvPicPr>
+          <p:cNvPr id="1026" name="Picture 2"/>
+          <p:cNvPicPr>
+            <a:picLocks noChangeAspect="1" noChangeArrowheads="1"/>
+          </p:cNvPicPr>
+          <p:nvPr/>
+        </p:nvPicPr>
+        <p:blipFill>
+          <a:blip r:embed="rId2"/>
+          <a:srcRect/>
+          <a:stretch>
+            <a:fillRect/>
+          </a:stretch>
+        </p:blipFill>
+        <p:spPr bwMode="auto">
+          <a:xfrm>
+            <a:off x="504825" y="1295400"/>
+            <a:ext cx="8639175" cy="4591050"/>
+          </a:xfrm>
+          <a:prstGeom prst="rect">
+            <a:avLst/>
+          </a:prstGeom>
+          <a:noFill/>
+          <a:ln w="9525">
+            <a:noFill/>
+            <a:miter lim="800000"/>
+            <a:headEnd/>
+            <a:tailEnd/>
+          </a:ln>
+          <a:effectLst/>
         </p:spPr>
       </p:pic>
     </p:spTree>
@@ -10564,7 +13224,325 @@
 </p:sld>
 </file>
 
-<file path=ppt/slides/slide3.xml><?xml version="1.0" encoding="utf-8"?>
+<file path=ppt/slides/slide20.xml><?xml version="1.0" encoding="utf-8"?>
+<p:sld xmlns:a="http://schemas.openxmlformats.org/drawingml/2006/main" xmlns:r="http://schemas.openxmlformats.org/officeDocument/2006/relationships" xmlns:p="http://schemas.openxmlformats.org/presentationml/2006/main">
+  <p:cSld>
+    <p:spTree>
+      <p:nvGrpSpPr>
+        <p:cNvPr id="1" name=""/>
+        <p:cNvGrpSpPr/>
+        <p:nvPr/>
+      </p:nvGrpSpPr>
+      <p:grpSpPr>
+        <a:xfrm>
+          <a:off x="0" y="0"/>
+          <a:ext cx="0" cy="0"/>
+          <a:chOff x="0" y="0"/>
+          <a:chExt cx="0" cy="0"/>
+        </a:xfrm>
+      </p:grpSpPr>
+      <p:sp>
+        <p:nvSpPr>
+          <p:cNvPr id="10" name="Title 1"/>
+          <p:cNvSpPr>
+            <a:spLocks noGrp="1"/>
+          </p:cNvSpPr>
+          <p:nvPr>
+            <p:ph type="title"/>
+          </p:nvPr>
+        </p:nvSpPr>
+        <p:spPr>
+          <a:xfrm>
+            <a:off x="60358" y="0"/>
+            <a:ext cx="9083642" cy="1034472"/>
+          </a:xfrm>
+        </p:spPr>
+        <p:txBody>
+          <a:bodyPr/>
+          <a:lstStyle/>
+          <a:p>
+            <a:r>
+              <a:rPr lang="en-US" dirty="0" smtClean="0"/>
+              <a:t>Features	</a:t>
+            </a:r>
+            <a:endParaRPr lang="en-US" dirty="0"/>
+          </a:p>
+        </p:txBody>
+      </p:sp>
+      <p:sp>
+        <p:nvSpPr>
+          <p:cNvPr id="11" name="Content Placeholder 2"/>
+          <p:cNvSpPr>
+            <a:spLocks noGrp="1"/>
+          </p:cNvSpPr>
+          <p:nvPr>
+            <p:ph idx="1"/>
+          </p:nvPr>
+        </p:nvSpPr>
+        <p:spPr>
+          <a:xfrm>
+            <a:off x="609600" y="914400"/>
+            <a:ext cx="7698509" cy="5541818"/>
+          </a:xfrm>
+        </p:spPr>
+        <p:txBody>
+          <a:bodyPr>
+            <a:noAutofit/>
+          </a:bodyPr>
+          <a:lstStyle/>
+          <a:p>
+            <a:r>
+              <a:rPr lang="en-US" sz="2000" b="1" dirty="0" smtClean="0"/>
+              <a:t>Lightweight</a:t>
+            </a:r>
+          </a:p>
+          <a:p>
+            <a:r>
+              <a:rPr lang="en-US" sz="2000" b="1" dirty="0" smtClean="0"/>
+              <a:t>Reusable Components</a:t>
+            </a:r>
+          </a:p>
+          <a:p>
+            <a:r>
+              <a:rPr lang="en-US" sz="2000" b="1" dirty="0" smtClean="0"/>
+              <a:t>Directives</a:t>
+            </a:r>
+          </a:p>
+          <a:p>
+            <a:r>
+              <a:rPr lang="en-US" sz="2000" b="1" dirty="0" smtClean="0"/>
+              <a:t>Event Handling</a:t>
+            </a:r>
+          </a:p>
+          <a:p>
+            <a:r>
+              <a:rPr lang="en-US" sz="2000" b="1" smtClean="0"/>
+              <a:t>Routing</a:t>
+            </a:r>
+            <a:endParaRPr lang="bg-BG" sz="2000" dirty="0" smtClean="0"/>
+          </a:p>
+        </p:txBody>
+      </p:sp>
+    </p:spTree>
+  </p:cSld>
+  <p:clrMapOvr>
+    <a:masterClrMapping/>
+  </p:clrMapOvr>
+</p:sld>
+</file>
+
+<file path=ppt/slides/slide21.xml><?xml version="1.0" encoding="utf-8"?>
+<p:sld xmlns:a="http://schemas.openxmlformats.org/drawingml/2006/main" xmlns:r="http://schemas.openxmlformats.org/officeDocument/2006/relationships" xmlns:p="http://schemas.openxmlformats.org/presentationml/2006/main">
+  <p:cSld>
+    <p:spTree>
+      <p:nvGrpSpPr>
+        <p:cNvPr id="1" name=""/>
+        <p:cNvGrpSpPr/>
+        <p:nvPr/>
+      </p:nvGrpSpPr>
+      <p:grpSpPr>
+        <a:xfrm>
+          <a:off x="0" y="0"/>
+          <a:ext cx="0" cy="0"/>
+          <a:chOff x="0" y="0"/>
+          <a:chExt cx="0" cy="0"/>
+        </a:xfrm>
+      </p:grpSpPr>
+      <p:sp>
+        <p:nvSpPr>
+          <p:cNvPr id="2" name="Title 1"/>
+          <p:cNvSpPr>
+            <a:spLocks noGrp="1"/>
+          </p:cNvSpPr>
+          <p:nvPr>
+            <p:ph type="title"/>
+          </p:nvPr>
+        </p:nvSpPr>
+        <p:spPr/>
+        <p:txBody>
+          <a:bodyPr>
+            <a:normAutofit fontScale="90000"/>
+          </a:bodyPr>
+          <a:lstStyle/>
+          <a:p>
+            <a:r>
+              <a:rPr lang="en-US" dirty="0" smtClean="0"/>
+              <a:t>Vue Course  layout</a:t>
+            </a:r>
+            <a:br>
+              <a:rPr lang="en-US" dirty="0" smtClean="0"/>
+            </a:br>
+            <a:endParaRPr lang="en-US" dirty="0"/>
+          </a:p>
+        </p:txBody>
+      </p:sp>
+      <p:sp>
+        <p:nvSpPr>
+          <p:cNvPr id="5" name="Content Placeholder 4"/>
+          <p:cNvSpPr>
+            <a:spLocks noGrp="1"/>
+          </p:cNvSpPr>
+          <p:nvPr>
+            <p:ph idx="1"/>
+          </p:nvPr>
+        </p:nvSpPr>
+        <p:spPr/>
+        <p:txBody>
+          <a:bodyPr>
+            <a:noAutofit/>
+          </a:bodyPr>
+          <a:lstStyle/>
+          <a:p>
+            <a:r>
+              <a:rPr lang="en-US" sz="2400" dirty="0" smtClean="0"/>
+              <a:t>Vue is  </a:t>
+            </a:r>
+            <a:r>
+              <a:rPr lang="en-US" sz="2400" b="1" dirty="0" smtClean="0">
+                <a:hlinkClick r:id="rId2"/>
+              </a:rPr>
+              <a:t>MVVM pattern</a:t>
+            </a:r>
+            <a:endParaRPr lang="en-US" sz="2400" dirty="0" smtClean="0"/>
+          </a:p>
+          <a:p>
+            <a:endParaRPr lang="en-US" sz="2400" dirty="0" smtClean="0"/>
+          </a:p>
+          <a:p>
+            <a:endParaRPr lang="en-US" sz="2400" dirty="0" smtClean="0"/>
+          </a:p>
+          <a:p>
+            <a:endParaRPr lang="en-US" sz="2400" dirty="0" smtClean="0"/>
+          </a:p>
+          <a:p>
+            <a:endParaRPr lang="en-US" sz="2400" dirty="0" smtClean="0"/>
+          </a:p>
+          <a:p>
+            <a:endParaRPr lang="en-US" sz="2400" dirty="0"/>
+          </a:p>
+        </p:txBody>
+      </p:sp>
+      <p:pic>
+        <p:nvPicPr>
+          <p:cNvPr id="4" name="Picture 2" descr="ØµÙØ±Ø© Ø°Ø§Øª ØµÙØ©"/>
+          <p:cNvPicPr>
+            <a:picLocks noChangeAspect="1" noChangeArrowheads="1"/>
+          </p:cNvPicPr>
+          <p:nvPr/>
+        </p:nvPicPr>
+        <p:blipFill>
+          <a:blip r:embed="rId3"/>
+          <a:srcRect/>
+          <a:stretch>
+            <a:fillRect/>
+          </a:stretch>
+        </p:blipFill>
+        <p:spPr bwMode="auto">
+          <a:xfrm>
+            <a:off x="1600200" y="2286000"/>
+            <a:ext cx="5867400" cy="3067051"/>
+          </a:xfrm>
+          <a:prstGeom prst="rect">
+            <a:avLst/>
+          </a:prstGeom>
+          <a:noFill/>
+        </p:spPr>
+      </p:pic>
+    </p:spTree>
+  </p:cSld>
+  <p:clrMapOvr>
+    <a:masterClrMapping/>
+  </p:clrMapOvr>
+</p:sld>
+</file>
+
+<file path=ppt/slides/slide22.xml><?xml version="1.0" encoding="utf-8"?>
+<p:sld xmlns:a="http://schemas.openxmlformats.org/drawingml/2006/main" xmlns:r="http://schemas.openxmlformats.org/officeDocument/2006/relationships" xmlns:p="http://schemas.openxmlformats.org/presentationml/2006/main">
+  <p:cSld>
+    <p:spTree>
+      <p:nvGrpSpPr>
+        <p:cNvPr id="1" name=""/>
+        <p:cNvGrpSpPr/>
+        <p:nvPr/>
+      </p:nvGrpSpPr>
+      <p:grpSpPr>
+        <a:xfrm>
+          <a:off x="0" y="0"/>
+          <a:ext cx="0" cy="0"/>
+          <a:chOff x="0" y="0"/>
+          <a:chExt cx="0" cy="0"/>
+        </a:xfrm>
+      </p:grpSpPr>
+      <p:sp>
+        <p:nvSpPr>
+          <p:cNvPr id="2" name="Title 1"/>
+          <p:cNvSpPr>
+            <a:spLocks noGrp="1"/>
+          </p:cNvSpPr>
+          <p:nvPr>
+            <p:ph type="title"/>
+          </p:nvPr>
+        </p:nvSpPr>
+        <p:spPr/>
+        <p:txBody>
+          <a:bodyPr>
+            <a:normAutofit fontScale="90000"/>
+          </a:bodyPr>
+          <a:lstStyle/>
+          <a:p>
+            <a:r>
+              <a:rPr lang="en-US" dirty="0" smtClean="0"/>
+              <a:t>Vue Course  layout</a:t>
+            </a:r>
+            <a:br>
+              <a:rPr lang="en-US" dirty="0" smtClean="0"/>
+            </a:br>
+            <a:endParaRPr lang="en-US" dirty="0"/>
+          </a:p>
+        </p:txBody>
+      </p:sp>
+      <p:pic>
+        <p:nvPicPr>
+          <p:cNvPr id="2050" name="Picture 2"/>
+          <p:cNvPicPr>
+            <a:picLocks noChangeAspect="1" noChangeArrowheads="1"/>
+          </p:cNvPicPr>
+          <p:nvPr/>
+        </p:nvPicPr>
+        <p:blipFill>
+          <a:blip r:embed="rId2"/>
+          <a:srcRect/>
+          <a:stretch>
+            <a:fillRect/>
+          </a:stretch>
+        </p:blipFill>
+        <p:spPr bwMode="auto">
+          <a:xfrm>
+            <a:off x="76200" y="1066800"/>
+            <a:ext cx="9067800" cy="5162550"/>
+          </a:xfrm>
+          <a:prstGeom prst="rect">
+            <a:avLst/>
+          </a:prstGeom>
+          <a:noFill/>
+          <a:ln w="9525">
+            <a:noFill/>
+            <a:miter lim="800000"/>
+            <a:headEnd/>
+            <a:tailEnd/>
+          </a:ln>
+          <a:effectLst/>
+        </p:spPr>
+      </p:pic>
+    </p:spTree>
+  </p:cSld>
+  <p:clrMapOvr>
+    <a:masterClrMapping/>
+  </p:clrMapOvr>
+</p:sld>
+</file>
+
+<file path=ppt/slides/slide23.xml><?xml version="1.0" encoding="utf-8"?>
 <p:sld xmlns:a="http://schemas.openxmlformats.org/drawingml/2006/main" xmlns:r="http://schemas.openxmlformats.org/officeDocument/2006/relationships" xmlns:p="http://schemas.openxmlformats.org/presentationml/2006/main">
   <p:cSld>
     <p:spTree>
@@ -10598,24 +13576,328 @@
           <a:p>
             <a:r>
               <a:rPr lang="en-US" dirty="0" smtClean="0"/>
-              <a:t>Client/Server Architecture</a:t>
-            </a:r>
-            <a:endParaRPr lang="ar-EG" dirty="0"/>
+              <a:t>Architecture</a:t>
+            </a:r>
+            <a:endParaRPr lang="en-US" dirty="0"/>
+          </a:p>
+        </p:txBody>
+      </p:sp>
+      <p:sp>
+        <p:nvSpPr>
+          <p:cNvPr id="4" name="Content Placeholder 3"/>
+          <p:cNvSpPr>
+            <a:spLocks noGrp="1"/>
+          </p:cNvSpPr>
+          <p:nvPr>
+            <p:ph idx="1"/>
+          </p:nvPr>
+        </p:nvSpPr>
+        <p:spPr/>
+        <p:txBody>
+          <a:bodyPr/>
+          <a:lstStyle/>
+          <a:p>
+            <a:endParaRPr lang="en-US"/>
           </a:p>
         </p:txBody>
       </p:sp>
       <p:pic>
         <p:nvPicPr>
-          <p:cNvPr id="4" name="Content Placeholder 3"/>
+          <p:cNvPr id="3074" name="Picture 2" descr="https://www.oreilly.com/library/view/full-stack-vuejs-2/9781788299589/assets/9f308e86-bbbe-489c-9f93-06abe2675081.png"/>
           <p:cNvPicPr>
-            <a:picLocks noGrp="1" noChangeAspect="1"/>
+            <a:picLocks noChangeAspect="1" noChangeArrowheads="1"/>
           </p:cNvPicPr>
+          <p:nvPr/>
+        </p:nvPicPr>
+        <p:blipFill>
+          <a:blip r:embed="rId2"/>
+          <a:srcRect/>
+          <a:stretch>
+            <a:fillRect/>
+          </a:stretch>
+        </p:blipFill>
+        <p:spPr bwMode="auto">
+          <a:xfrm>
+            <a:off x="838200" y="1371600"/>
+            <a:ext cx="7685759" cy="5067300"/>
+          </a:xfrm>
+          <a:prstGeom prst="rect">
+            <a:avLst/>
+          </a:prstGeom>
+          <a:noFill/>
+        </p:spPr>
+      </p:pic>
+    </p:spTree>
+  </p:cSld>
+  <p:clrMapOvr>
+    <a:masterClrMapping/>
+  </p:clrMapOvr>
+</p:sld>
+</file>
+
+<file path=ppt/slides/slide24.xml><?xml version="1.0" encoding="utf-8"?>
+<p:sld xmlns:a="http://schemas.openxmlformats.org/drawingml/2006/main" xmlns:r="http://schemas.openxmlformats.org/officeDocument/2006/relationships" xmlns:p="http://schemas.openxmlformats.org/presentationml/2006/main">
+  <p:cSld>
+    <p:spTree>
+      <p:nvGrpSpPr>
+        <p:cNvPr id="1" name=""/>
+        <p:cNvGrpSpPr/>
+        <p:nvPr/>
+      </p:nvGrpSpPr>
+      <p:grpSpPr>
+        <a:xfrm>
+          <a:off x="0" y="0"/>
+          <a:ext cx="0" cy="0"/>
+          <a:chOff x="0" y="0"/>
+          <a:chExt cx="0" cy="0"/>
+        </a:xfrm>
+      </p:grpSpPr>
+      <p:sp>
+        <p:nvSpPr>
+          <p:cNvPr id="2" name="Title 1"/>
+          <p:cNvSpPr>
+            <a:spLocks noGrp="1"/>
+          </p:cNvSpPr>
+          <p:nvPr>
+            <p:ph type="title"/>
+          </p:nvPr>
+        </p:nvSpPr>
+        <p:spPr/>
+        <p:txBody>
+          <a:bodyPr>
+            <a:normAutofit fontScale="90000"/>
+          </a:bodyPr>
+          <a:lstStyle/>
+          <a:p>
+            <a:r>
+              <a:rPr lang="en-US" dirty="0" smtClean="0"/>
+              <a:t>Environment Setup </a:t>
+            </a:r>
+            <a:br>
+              <a:rPr lang="en-US" dirty="0" smtClean="0"/>
+            </a:br>
+            <a:endParaRPr lang="en-US" dirty="0"/>
+          </a:p>
+        </p:txBody>
+      </p:sp>
+      <p:sp>
+        <p:nvSpPr>
+          <p:cNvPr id="6" name="Content Placeholder 5"/>
+          <p:cNvSpPr>
+            <a:spLocks noGrp="1"/>
+          </p:cNvSpPr>
           <p:nvPr>
             <p:ph idx="1"/>
           </p:nvPr>
+        </p:nvSpPr>
+        <p:spPr>
+          <a:xfrm>
+            <a:off x="457200" y="1600200"/>
+            <a:ext cx="8229600" cy="4571999"/>
+          </a:xfrm>
+        </p:spPr>
+        <p:txBody>
+          <a:bodyPr>
+            <a:normAutofit/>
+          </a:bodyPr>
+          <a:lstStyle/>
+          <a:p>
+            <a:r>
+              <a:rPr lang="en-US" sz="3300" b="1" u="sng" dirty="0" smtClean="0">
+                <a:solidFill>
+                  <a:srgbClr val="FF0000"/>
+                </a:solidFill>
+              </a:rPr>
+              <a:t>Required Programs</a:t>
+            </a:r>
+          </a:p>
+          <a:p>
+            <a:pPr marL="514350" indent="-514350">
+              <a:buFont typeface="+mj-lt"/>
+              <a:buAutoNum type="arabicPeriod"/>
+            </a:pPr>
+            <a:r>
+              <a:rPr lang="en-US" dirty="0" smtClean="0">
+                <a:hlinkClick r:id="rId2"/>
+              </a:rPr>
+              <a:t>Browser</a:t>
+            </a:r>
+            <a:r>
+              <a:rPr lang="en-US" dirty="0" smtClean="0"/>
+              <a:t> </a:t>
+            </a:r>
+          </a:p>
+          <a:p>
+            <a:pPr marL="514350" indent="-514350">
+              <a:buNone/>
+            </a:pPr>
+            <a:endParaRPr lang="en-US" b="1" dirty="0" smtClean="0"/>
+          </a:p>
+          <a:p>
+            <a:r>
+              <a:rPr lang="en-US" b="1" u="sng" dirty="0" smtClean="0">
+                <a:solidFill>
+                  <a:schemeClr val="accent6">
+                    <a:lumMod val="50000"/>
+                  </a:schemeClr>
+                </a:solidFill>
+              </a:rPr>
+              <a:t>Optional Programs</a:t>
+            </a:r>
+          </a:p>
+          <a:p>
+            <a:pPr marL="514350" indent="-514350">
+              <a:buFont typeface="+mj-lt"/>
+              <a:buAutoNum type="arabicPeriod"/>
+            </a:pPr>
+            <a:r>
+              <a:rPr lang="en-US" dirty="0" smtClean="0">
+                <a:hlinkClick r:id="rId3"/>
+              </a:rPr>
+              <a:t>VScode </a:t>
+            </a:r>
+            <a:r>
+              <a:rPr lang="en-US" dirty="0" smtClean="0"/>
+              <a:t>IDE Setup </a:t>
+            </a:r>
+          </a:p>
+          <a:p>
+            <a:pPr marL="514350" indent="-514350">
+              <a:buFont typeface="+mj-lt"/>
+              <a:buAutoNum type="arabicPeriod"/>
+            </a:pPr>
+            <a:r>
+              <a:rPr lang="en-US" b="1" dirty="0" err="1" smtClean="0">
+                <a:hlinkClick r:id="rId4"/>
+              </a:rPr>
+              <a:t>GitHub</a:t>
+            </a:r>
+            <a:r>
+              <a:rPr lang="en-US" b="1" dirty="0" smtClean="0"/>
+              <a:t> </a:t>
+            </a:r>
+            <a:r>
+              <a:rPr lang="en-US" b="1" dirty="0" smtClean="0">
+                <a:hlinkClick r:id="rId5"/>
+              </a:rPr>
+              <a:t>Version Control </a:t>
+            </a:r>
+            <a:endParaRPr lang="en-US" b="1" dirty="0" smtClean="0"/>
+          </a:p>
+          <a:p>
+            <a:pPr marL="514350" indent="-514350">
+              <a:buFont typeface="+mj-lt"/>
+              <a:buAutoNum type="arabicPeriod"/>
+            </a:pPr>
+            <a:r>
+              <a:rPr lang="en-US" b="1" dirty="0" smtClean="0">
+                <a:hlinkClick r:id="rId6"/>
+              </a:rPr>
+              <a:t>vue </a:t>
+            </a:r>
+            <a:r>
+              <a:rPr lang="en-US" b="1" dirty="0" err="1" smtClean="0">
+                <a:hlinkClick r:id="rId6"/>
+              </a:rPr>
+              <a:t>devtools</a:t>
+            </a:r>
+            <a:endParaRPr lang="en-US" b="1" dirty="0" smtClean="0"/>
+          </a:p>
+          <a:p>
+            <a:pPr marL="514350" indent="-514350">
+              <a:buFont typeface="+mj-lt"/>
+              <a:buAutoNum type="arabicPeriod"/>
+            </a:pPr>
+            <a:endParaRPr lang="en-US" b="1" dirty="0" smtClean="0"/>
+          </a:p>
+        </p:txBody>
+      </p:sp>
+      <p:pic>
+        <p:nvPicPr>
+          <p:cNvPr id="7" name="Picture 6" descr="Capture.PNG"/>
+          <p:cNvPicPr>
+            <a:picLocks noChangeAspect="1"/>
+          </p:cNvPicPr>
+          <p:nvPr/>
         </p:nvPicPr>
         <p:blipFill>
-          <a:blip r:embed="rId2">
+          <a:blip r:embed="rId7"/>
+          <a:stretch>
+            <a:fillRect/>
+          </a:stretch>
+        </p:blipFill>
+        <p:spPr>
+          <a:xfrm>
+            <a:off x="4572000" y="3810000"/>
+            <a:ext cx="800212" cy="809739"/>
+          </a:xfrm>
+          <a:prstGeom prst="rect">
+            <a:avLst/>
+          </a:prstGeom>
+        </p:spPr>
+      </p:pic>
+      <p:pic>
+        <p:nvPicPr>
+          <p:cNvPr id="8" name="Picture 2" descr="نتيجة بحث الصور عن ‪github‬‏"/>
+          <p:cNvPicPr>
+            <a:picLocks noChangeAspect="1" noChangeArrowheads="1"/>
+          </p:cNvPicPr>
+          <p:nvPr/>
+        </p:nvPicPr>
+        <p:blipFill>
+          <a:blip r:embed="rId8"/>
+          <a:srcRect/>
+          <a:stretch>
+            <a:fillRect/>
+          </a:stretch>
+        </p:blipFill>
+        <p:spPr bwMode="auto">
+          <a:xfrm>
+            <a:off x="5410200" y="4648200"/>
+            <a:ext cx="1428751" cy="751975"/>
+          </a:xfrm>
+          <a:prstGeom prst="rect">
+            <a:avLst/>
+          </a:prstGeom>
+          <a:noFill/>
+        </p:spPr>
+      </p:pic>
+      <p:pic>
+        <p:nvPicPr>
+          <p:cNvPr id="10" name="Picture 9" descr="ÙØªÙØ¬Ø© Ø¨Ø­Ø« Ø§ÙØµÙØ± Ø¹Ù âªvueâ¬â"/>
+          <p:cNvPicPr>
+            <a:picLocks noChangeAspect="1" noChangeArrowheads="1"/>
+          </p:cNvPicPr>
+          <p:nvPr/>
+        </p:nvPicPr>
+        <p:blipFill>
+          <a:blip r:embed="rId9" cstate="print"/>
+          <a:srcRect/>
+          <a:stretch>
+            <a:fillRect/>
+          </a:stretch>
+        </p:blipFill>
+        <p:spPr bwMode="auto">
+          <a:xfrm>
+            <a:off x="3429001" y="5153025"/>
+            <a:ext cx="1447800" cy="884767"/>
+          </a:xfrm>
+          <a:prstGeom prst="rect">
+            <a:avLst/>
+          </a:prstGeom>
+          <a:noFill/>
+        </p:spPr>
+      </p:pic>
+      <p:pic>
+        <p:nvPicPr>
+          <p:cNvPr id="9" name="Picture 8"/>
+          <p:cNvPicPr>
+            <a:picLocks noChangeAspect="1"/>
+          </p:cNvPicPr>
+          <p:nvPr/>
+        </p:nvPicPr>
+        <p:blipFill>
+          <a:blip r:embed="rId10" cstate="print">
             <a:extLst>
               <a:ext uri="{28A0092B-C50C-407E-A947-70E740481C1C}">
                 <a14:useLocalDpi xmlns="" xmlns:a14="http://schemas.microsoft.com/office/drawing/2010/main" val="0"/>
@@ -10628,41 +13910,15 @@
         </p:blipFill>
         <p:spPr>
           <a:xfrm>
-            <a:off x="457199" y="1661170"/>
-            <a:ext cx="8147615" cy="4511030"/>
+            <a:off x="4419600" y="2209800"/>
+            <a:ext cx="982099" cy="783430"/>
           </a:xfrm>
+          <a:prstGeom prst="rect">
+            <a:avLst/>
+          </a:prstGeom>
         </p:spPr>
       </p:pic>
-      <p:sp>
-        <p:nvSpPr>
-          <p:cNvPr id="3" name="Slide Number Placeholder 2"/>
-          <p:cNvSpPr>
-            <a:spLocks noGrp="1"/>
-          </p:cNvSpPr>
-          <p:nvPr>
-            <p:ph type="sldNum" sz="quarter" idx="12"/>
-          </p:nvPr>
-        </p:nvSpPr>
-        <p:spPr/>
-        <p:txBody>
-          <a:bodyPr/>
-          <a:lstStyle/>
-          <a:p>
-            <a:fld id="{B6F15528-21DE-4FAA-801E-634DDDAF4B2B}" type="slidenum">
-              <a:rPr lang="en-US" smtClean="0"/>
-              <a:pPr/>
-              <a:t>3</a:t>
-            </a:fld>
-            <a:endParaRPr lang="en-US"/>
-          </a:p>
-        </p:txBody>
-      </p:sp>
     </p:spTree>
-    <p:extLst>
-      <p:ext uri="{BB962C8B-B14F-4D97-AF65-F5344CB8AC3E}">
-        <p14:creationId xmlns="" xmlns:p14="http://schemas.microsoft.com/office/powerpoint/2010/main" val="278794199"/>
-      </p:ext>
-    </p:extLst>
   </p:cSld>
   <p:clrMapOvr>
     <a:masterClrMapping/>
@@ -10674,6 +13930,888 @@
       </p:par>
     </p:tnLst>
   </p:timing>
+</p:sld>
+</file>
+
+<file path=ppt/slides/slide25.xml><?xml version="1.0" encoding="utf-8"?>
+<p:sld xmlns:a="http://schemas.openxmlformats.org/drawingml/2006/main" xmlns:r="http://schemas.openxmlformats.org/officeDocument/2006/relationships" xmlns:p="http://schemas.openxmlformats.org/presentationml/2006/main">
+  <p:cSld>
+    <p:spTree>
+      <p:nvGrpSpPr>
+        <p:cNvPr id="1" name=""/>
+        <p:cNvGrpSpPr/>
+        <p:nvPr/>
+      </p:nvGrpSpPr>
+      <p:grpSpPr>
+        <a:xfrm>
+          <a:off x="0" y="0"/>
+          <a:ext cx="0" cy="0"/>
+          <a:chOff x="0" y="0"/>
+          <a:chExt cx="0" cy="0"/>
+        </a:xfrm>
+      </p:grpSpPr>
+      <p:sp>
+        <p:nvSpPr>
+          <p:cNvPr id="2" name="Title 1"/>
+          <p:cNvSpPr>
+            <a:spLocks noGrp="1"/>
+          </p:cNvSpPr>
+          <p:nvPr>
+            <p:ph type="title"/>
+          </p:nvPr>
+        </p:nvSpPr>
+        <p:spPr/>
+        <p:txBody>
+          <a:bodyPr>
+            <a:normAutofit fontScale="90000"/>
+          </a:bodyPr>
+          <a:lstStyle/>
+          <a:p>
+            <a:r>
+              <a:rPr lang="en-US" dirty="0" smtClean="0"/>
+              <a:t>Environment Setup </a:t>
+            </a:r>
+            <a:br>
+              <a:rPr lang="en-US" dirty="0" smtClean="0"/>
+            </a:br>
+            <a:endParaRPr lang="en-US" dirty="0"/>
+          </a:p>
+        </p:txBody>
+      </p:sp>
+      <p:sp>
+        <p:nvSpPr>
+          <p:cNvPr id="3" name="Content Placeholder 2"/>
+          <p:cNvSpPr>
+            <a:spLocks noGrp="1"/>
+          </p:cNvSpPr>
+          <p:nvPr>
+            <p:ph idx="1"/>
+          </p:nvPr>
+        </p:nvSpPr>
+        <p:spPr/>
+        <p:txBody>
+          <a:bodyPr>
+            <a:normAutofit/>
+          </a:bodyPr>
+          <a:lstStyle/>
+          <a:p>
+            <a:r>
+              <a:rPr lang="en-US" dirty="0" smtClean="0">
+                <a:hlinkClick r:id="rId2"/>
+              </a:rPr>
+              <a:t>Node.js</a:t>
+            </a:r>
+            <a:r>
+              <a:rPr lang="en-US" dirty="0" smtClean="0"/>
+              <a:t> Setup </a:t>
+            </a:r>
+          </a:p>
+        </p:txBody>
+      </p:sp>
+      <p:pic>
+        <p:nvPicPr>
+          <p:cNvPr id="4" name="Picture 3" descr="1200px-Node.js_logo.svg.png"/>
+          <p:cNvPicPr>
+            <a:picLocks noChangeAspect="1"/>
+          </p:cNvPicPr>
+          <p:nvPr/>
+        </p:nvPicPr>
+        <p:blipFill>
+          <a:blip r:embed="rId3"/>
+          <a:stretch>
+            <a:fillRect/>
+          </a:stretch>
+        </p:blipFill>
+        <p:spPr>
+          <a:xfrm>
+            <a:off x="3048000" y="2514600"/>
+            <a:ext cx="3964890" cy="2425191"/>
+          </a:xfrm>
+          <a:prstGeom prst="rect">
+            <a:avLst/>
+          </a:prstGeom>
+        </p:spPr>
+      </p:pic>
+      <p:sp>
+        <p:nvSpPr>
+          <p:cNvPr id="5" name="Rectangle 4"/>
+          <p:cNvSpPr/>
+          <p:nvPr/>
+        </p:nvSpPr>
+        <p:spPr>
+          <a:xfrm>
+            <a:off x="3886200" y="5638800"/>
+            <a:ext cx="2319033" cy="369332"/>
+          </a:xfrm>
+          <a:prstGeom prst="rect">
+            <a:avLst/>
+          </a:prstGeom>
+        </p:spPr>
+        <p:txBody>
+          <a:bodyPr wrap="none">
+            <a:spAutoFit/>
+          </a:bodyPr>
+          <a:lstStyle/>
+          <a:p>
+            <a:r>
+              <a:rPr lang="en-US" dirty="0" smtClean="0"/>
+              <a:t>https://nodejs.org/en/</a:t>
+            </a:r>
+            <a:endParaRPr lang="en-US" dirty="0"/>
+          </a:p>
+        </p:txBody>
+      </p:sp>
+    </p:spTree>
+  </p:cSld>
+  <p:clrMapOvr>
+    <a:masterClrMapping/>
+  </p:clrMapOvr>
+</p:sld>
+</file>
+
+<file path=ppt/slides/slide26.xml><?xml version="1.0" encoding="utf-8"?>
+<p:sld xmlns:a="http://schemas.openxmlformats.org/drawingml/2006/main" xmlns:r="http://schemas.openxmlformats.org/officeDocument/2006/relationships" xmlns:p="http://schemas.openxmlformats.org/presentationml/2006/main">
+  <p:cSld>
+    <p:spTree>
+      <p:nvGrpSpPr>
+        <p:cNvPr id="1" name=""/>
+        <p:cNvGrpSpPr/>
+        <p:nvPr/>
+      </p:nvGrpSpPr>
+      <p:grpSpPr>
+        <a:xfrm>
+          <a:off x="0" y="0"/>
+          <a:ext cx="0" cy="0"/>
+          <a:chOff x="0" y="0"/>
+          <a:chExt cx="0" cy="0"/>
+        </a:xfrm>
+      </p:grpSpPr>
+      <p:sp>
+        <p:nvSpPr>
+          <p:cNvPr id="2" name="Title 1"/>
+          <p:cNvSpPr>
+            <a:spLocks noGrp="1"/>
+          </p:cNvSpPr>
+          <p:nvPr>
+            <p:ph type="title"/>
+          </p:nvPr>
+        </p:nvSpPr>
+        <p:spPr/>
+        <p:txBody>
+          <a:bodyPr>
+            <a:normAutofit fontScale="90000"/>
+          </a:bodyPr>
+          <a:lstStyle/>
+          <a:p>
+            <a:r>
+              <a:rPr lang="en-US" dirty="0" smtClean="0"/>
+              <a:t>Environment Setup </a:t>
+            </a:r>
+            <a:br>
+              <a:rPr lang="en-US" dirty="0" smtClean="0"/>
+            </a:br>
+            <a:endParaRPr lang="en-US" dirty="0"/>
+          </a:p>
+        </p:txBody>
+      </p:sp>
+      <p:sp>
+        <p:nvSpPr>
+          <p:cNvPr id="3" name="Content Placeholder 2"/>
+          <p:cNvSpPr>
+            <a:spLocks noGrp="1"/>
+          </p:cNvSpPr>
+          <p:nvPr>
+            <p:ph idx="1"/>
+          </p:nvPr>
+        </p:nvSpPr>
+        <p:spPr/>
+        <p:txBody>
+          <a:bodyPr>
+            <a:normAutofit/>
+          </a:bodyPr>
+          <a:lstStyle/>
+          <a:p>
+            <a:r>
+              <a:rPr lang="en-US" dirty="0" smtClean="0"/>
+              <a:t>visual studio code IDE Setup </a:t>
+            </a:r>
+          </a:p>
+        </p:txBody>
+      </p:sp>
+      <p:pic>
+        <p:nvPicPr>
+          <p:cNvPr id="5" name="Picture 4" descr="Capture.PNG"/>
+          <p:cNvPicPr>
+            <a:picLocks noChangeAspect="1"/>
+          </p:cNvPicPr>
+          <p:nvPr/>
+        </p:nvPicPr>
+        <p:blipFill>
+          <a:blip r:embed="rId2"/>
+          <a:stretch>
+            <a:fillRect/>
+          </a:stretch>
+        </p:blipFill>
+        <p:spPr>
+          <a:xfrm>
+            <a:off x="3771788" y="2619262"/>
+            <a:ext cx="1600423" cy="1619476"/>
+          </a:xfrm>
+          <a:prstGeom prst="rect">
+            <a:avLst/>
+          </a:prstGeom>
+        </p:spPr>
+      </p:pic>
+      <p:sp>
+        <p:nvSpPr>
+          <p:cNvPr id="6" name="Rectangle 5"/>
+          <p:cNvSpPr/>
+          <p:nvPr/>
+        </p:nvSpPr>
+        <p:spPr>
+          <a:xfrm>
+            <a:off x="3048000" y="4800600"/>
+            <a:ext cx="3071546" cy="369332"/>
+          </a:xfrm>
+          <a:prstGeom prst="rect">
+            <a:avLst/>
+          </a:prstGeom>
+        </p:spPr>
+        <p:txBody>
+          <a:bodyPr wrap="none">
+            <a:spAutoFit/>
+          </a:bodyPr>
+          <a:lstStyle/>
+          <a:p>
+            <a:r>
+              <a:rPr lang="en-US" dirty="0" smtClean="0"/>
+              <a:t>https://code.visualstudio.com/</a:t>
+            </a:r>
+            <a:endParaRPr lang="en-US" dirty="0"/>
+          </a:p>
+        </p:txBody>
+      </p:sp>
+    </p:spTree>
+  </p:cSld>
+  <p:clrMapOvr>
+    <a:masterClrMapping/>
+  </p:clrMapOvr>
+</p:sld>
+</file>
+
+<file path=ppt/slides/slide27.xml><?xml version="1.0" encoding="utf-8"?>
+<p:sld xmlns:a="http://schemas.openxmlformats.org/drawingml/2006/main" xmlns:r="http://schemas.openxmlformats.org/officeDocument/2006/relationships" xmlns:p="http://schemas.openxmlformats.org/presentationml/2006/main">
+  <p:cSld>
+    <p:spTree>
+      <p:nvGrpSpPr>
+        <p:cNvPr id="1" name=""/>
+        <p:cNvGrpSpPr/>
+        <p:nvPr/>
+      </p:nvGrpSpPr>
+      <p:grpSpPr>
+        <a:xfrm>
+          <a:off x="0" y="0"/>
+          <a:ext cx="0" cy="0"/>
+          <a:chOff x="0" y="0"/>
+          <a:chExt cx="0" cy="0"/>
+        </a:xfrm>
+      </p:grpSpPr>
+      <p:sp>
+        <p:nvSpPr>
+          <p:cNvPr id="2" name="Title 1"/>
+          <p:cNvSpPr>
+            <a:spLocks noGrp="1"/>
+          </p:cNvSpPr>
+          <p:nvPr>
+            <p:ph type="title"/>
+          </p:nvPr>
+        </p:nvSpPr>
+        <p:spPr/>
+        <p:txBody>
+          <a:bodyPr>
+            <a:normAutofit fontScale="90000"/>
+          </a:bodyPr>
+          <a:lstStyle/>
+          <a:p>
+            <a:r>
+              <a:rPr lang="en-US" dirty="0" smtClean="0"/>
+              <a:t>Environment Setup </a:t>
+            </a:r>
+            <a:br>
+              <a:rPr lang="en-US" dirty="0" smtClean="0"/>
+            </a:br>
+            <a:endParaRPr lang="en-US" dirty="0"/>
+          </a:p>
+        </p:txBody>
+      </p:sp>
+      <p:sp>
+        <p:nvSpPr>
+          <p:cNvPr id="3" name="Content Placeholder 2"/>
+          <p:cNvSpPr>
+            <a:spLocks noGrp="1"/>
+          </p:cNvSpPr>
+          <p:nvPr>
+            <p:ph idx="1"/>
+          </p:nvPr>
+        </p:nvSpPr>
+        <p:spPr/>
+        <p:txBody>
+          <a:bodyPr>
+            <a:normAutofit/>
+          </a:bodyPr>
+          <a:lstStyle/>
+          <a:p>
+            <a:pPr>
+              <a:buNone/>
+            </a:pPr>
+            <a:r>
+              <a:rPr lang="en-US" b="1" dirty="0" smtClean="0"/>
+              <a:t>visual studio code IDE extensions</a:t>
+            </a:r>
+          </a:p>
+          <a:p>
+            <a:pPr marL="514350" indent="-514350">
+              <a:buFont typeface="+mj-lt"/>
+              <a:buAutoNum type="arabicPeriod"/>
+            </a:pPr>
+            <a:r>
+              <a:rPr lang="fr-FR" b="1" smtClean="0"/>
+              <a:t>Vue VS Code Extension Pack</a:t>
+            </a:r>
+            <a:endParaRPr lang="en-US" dirty="0" smtClean="0"/>
+          </a:p>
+        </p:txBody>
+      </p:sp>
+      <p:pic>
+        <p:nvPicPr>
+          <p:cNvPr id="5" name="Picture 4" descr="Capture.PNG"/>
+          <p:cNvPicPr>
+            <a:picLocks noChangeAspect="1"/>
+          </p:cNvPicPr>
+          <p:nvPr/>
+        </p:nvPicPr>
+        <p:blipFill>
+          <a:blip r:embed="rId2"/>
+          <a:stretch>
+            <a:fillRect/>
+          </a:stretch>
+        </p:blipFill>
+        <p:spPr>
+          <a:xfrm>
+            <a:off x="6324600" y="3352800"/>
+            <a:ext cx="1600423" cy="1619476"/>
+          </a:xfrm>
+          <a:prstGeom prst="rect">
+            <a:avLst/>
+          </a:prstGeom>
+        </p:spPr>
+      </p:pic>
+      <p:sp>
+        <p:nvSpPr>
+          <p:cNvPr id="6" name="Rectangle 5"/>
+          <p:cNvSpPr/>
+          <p:nvPr/>
+        </p:nvSpPr>
+        <p:spPr>
+          <a:xfrm>
+            <a:off x="685800" y="4800600"/>
+            <a:ext cx="3071546" cy="369332"/>
+          </a:xfrm>
+          <a:prstGeom prst="rect">
+            <a:avLst/>
+          </a:prstGeom>
+        </p:spPr>
+        <p:txBody>
+          <a:bodyPr wrap="none">
+            <a:spAutoFit/>
+          </a:bodyPr>
+          <a:lstStyle/>
+          <a:p>
+            <a:r>
+              <a:rPr lang="en-US" dirty="0" smtClean="0"/>
+              <a:t>https://code.visualstudio.com/</a:t>
+            </a:r>
+            <a:endParaRPr lang="en-US" dirty="0"/>
+          </a:p>
+        </p:txBody>
+      </p:sp>
+    </p:spTree>
+  </p:cSld>
+  <p:clrMapOvr>
+    <a:masterClrMapping/>
+  </p:clrMapOvr>
+</p:sld>
+</file>
+
+<file path=ppt/slides/slide28.xml><?xml version="1.0" encoding="utf-8"?>
+<p:sld xmlns:a="http://schemas.openxmlformats.org/drawingml/2006/main" xmlns:r="http://schemas.openxmlformats.org/officeDocument/2006/relationships" xmlns:p="http://schemas.openxmlformats.org/presentationml/2006/main">
+  <p:cSld>
+    <p:spTree>
+      <p:nvGrpSpPr>
+        <p:cNvPr id="1" name=""/>
+        <p:cNvGrpSpPr/>
+        <p:nvPr/>
+      </p:nvGrpSpPr>
+      <p:grpSpPr>
+        <a:xfrm>
+          <a:off x="0" y="0"/>
+          <a:ext cx="0" cy="0"/>
+          <a:chOff x="0" y="0"/>
+          <a:chExt cx="0" cy="0"/>
+        </a:xfrm>
+      </p:grpSpPr>
+      <p:sp>
+        <p:nvSpPr>
+          <p:cNvPr id="2" name="Title 1"/>
+          <p:cNvSpPr>
+            <a:spLocks noGrp="1"/>
+          </p:cNvSpPr>
+          <p:nvPr>
+            <p:ph type="title"/>
+          </p:nvPr>
+        </p:nvSpPr>
+        <p:spPr/>
+        <p:txBody>
+          <a:bodyPr>
+            <a:normAutofit/>
+          </a:bodyPr>
+          <a:lstStyle/>
+          <a:p>
+            <a:r>
+              <a:rPr lang="en-US" dirty="0" smtClean="0"/>
+              <a:t>Project Setup</a:t>
+            </a:r>
+          </a:p>
+        </p:txBody>
+      </p:sp>
+      <p:sp>
+        <p:nvSpPr>
+          <p:cNvPr id="3" name="Content Placeholder 2"/>
+          <p:cNvSpPr>
+            <a:spLocks noGrp="1"/>
+          </p:cNvSpPr>
+          <p:nvPr>
+            <p:ph idx="1"/>
+          </p:nvPr>
+        </p:nvSpPr>
+        <p:spPr/>
+        <p:txBody>
+          <a:bodyPr>
+            <a:normAutofit/>
+          </a:bodyPr>
+          <a:lstStyle/>
+          <a:p>
+            <a:r>
+              <a:rPr lang="en-US" dirty="0" err="1" smtClean="0"/>
+              <a:t>npm</a:t>
+            </a:r>
+            <a:r>
+              <a:rPr lang="en-US" dirty="0" smtClean="0"/>
+              <a:t> install -g @</a:t>
+            </a:r>
+            <a:r>
+              <a:rPr lang="en-US" dirty="0" err="1" smtClean="0"/>
+              <a:t>vue</a:t>
+            </a:r>
+            <a:r>
+              <a:rPr lang="en-US" dirty="0" smtClean="0"/>
+              <a:t>/</a:t>
+            </a:r>
+            <a:r>
+              <a:rPr lang="en-US" dirty="0" err="1" smtClean="0"/>
+              <a:t>cli</a:t>
+            </a:r>
+            <a:endParaRPr lang="en-US" dirty="0" smtClean="0"/>
+          </a:p>
+          <a:p>
+            <a:r>
+              <a:rPr lang="en-US" dirty="0" err="1" smtClean="0"/>
+              <a:t>vue</a:t>
+            </a:r>
+            <a:r>
+              <a:rPr lang="en-US" dirty="0" smtClean="0"/>
+              <a:t> create application-name</a:t>
+            </a:r>
+          </a:p>
+          <a:p>
+            <a:r>
+              <a:rPr lang="en-US" dirty="0" err="1" smtClean="0"/>
+              <a:t>npm</a:t>
+            </a:r>
+            <a:r>
+              <a:rPr lang="en-US" dirty="0" smtClean="0"/>
+              <a:t> run serve</a:t>
+            </a:r>
+          </a:p>
+          <a:p>
+            <a:endParaRPr lang="en-US" dirty="0" smtClean="0"/>
+          </a:p>
+          <a:p>
+            <a:endParaRPr lang="en-US" dirty="0" smtClean="0"/>
+          </a:p>
+          <a:p>
+            <a:r>
+              <a:rPr lang="en-US" dirty="0" smtClean="0">
+                <a:hlinkClick r:id="rId2"/>
+              </a:rPr>
+              <a:t>https://cli.vuejs.org/</a:t>
+            </a:r>
+            <a:endParaRPr lang="en-US" dirty="0" smtClean="0"/>
+          </a:p>
+          <a:p>
+            <a:endParaRPr lang="en-US" dirty="0"/>
+          </a:p>
+        </p:txBody>
+      </p:sp>
+    </p:spTree>
+  </p:cSld>
+  <p:clrMapOvr>
+    <a:masterClrMapping/>
+  </p:clrMapOvr>
+</p:sld>
+</file>
+
+<file path=ppt/slides/slide29.xml><?xml version="1.0" encoding="utf-8"?>
+<p:sld xmlns:a="http://schemas.openxmlformats.org/drawingml/2006/main" xmlns:r="http://schemas.openxmlformats.org/officeDocument/2006/relationships" xmlns:p="http://schemas.openxmlformats.org/presentationml/2006/main">
+  <p:cSld>
+    <p:spTree>
+      <p:nvGrpSpPr>
+        <p:cNvPr id="1" name=""/>
+        <p:cNvGrpSpPr/>
+        <p:nvPr/>
+      </p:nvGrpSpPr>
+      <p:grpSpPr>
+        <a:xfrm>
+          <a:off x="0" y="0"/>
+          <a:ext cx="0" cy="0"/>
+          <a:chOff x="0" y="0"/>
+          <a:chExt cx="0" cy="0"/>
+        </a:xfrm>
+      </p:grpSpPr>
+      <p:sp>
+        <p:nvSpPr>
+          <p:cNvPr id="2" name="Title 1"/>
+          <p:cNvSpPr>
+            <a:spLocks noGrp="1"/>
+          </p:cNvSpPr>
+          <p:nvPr>
+            <p:ph type="title"/>
+          </p:nvPr>
+        </p:nvSpPr>
+        <p:spPr/>
+        <p:txBody>
+          <a:bodyPr>
+            <a:normAutofit/>
+          </a:bodyPr>
+          <a:lstStyle/>
+          <a:p>
+            <a:r>
+              <a:rPr lang="en-US" dirty="0" smtClean="0"/>
+              <a:t>Overview</a:t>
+            </a:r>
+          </a:p>
+        </p:txBody>
+      </p:sp>
+      <p:pic>
+        <p:nvPicPr>
+          <p:cNvPr id="1026" name="Picture 2" descr="F:\RTC\AngularCourse\AnglerCourseGit\0-Appendix\Angular\1-overview2.png"/>
+          <p:cNvPicPr>
+            <a:picLocks noChangeAspect="1" noChangeArrowheads="1"/>
+          </p:cNvPicPr>
+          <p:nvPr/>
+        </p:nvPicPr>
+        <p:blipFill>
+          <a:blip r:embed="rId2"/>
+          <a:srcRect/>
+          <a:stretch>
+            <a:fillRect/>
+          </a:stretch>
+        </p:blipFill>
+        <p:spPr bwMode="auto">
+          <a:xfrm>
+            <a:off x="255587" y="1447800"/>
+            <a:ext cx="8888413" cy="4521200"/>
+          </a:xfrm>
+          <a:prstGeom prst="rect">
+            <a:avLst/>
+          </a:prstGeom>
+          <a:noFill/>
+        </p:spPr>
+      </p:pic>
+    </p:spTree>
+  </p:cSld>
+  <p:clrMapOvr>
+    <a:masterClrMapping/>
+  </p:clrMapOvr>
+</p:sld>
+</file>
+
+<file path=ppt/slides/slide3.xml><?xml version="1.0" encoding="utf-8"?>
+<p:sld xmlns:a="http://schemas.openxmlformats.org/drawingml/2006/main" xmlns:r="http://schemas.openxmlformats.org/officeDocument/2006/relationships" xmlns:p="http://schemas.openxmlformats.org/presentationml/2006/main">
+  <p:cSld>
+    <p:spTree>
+      <p:nvGrpSpPr>
+        <p:cNvPr id="1" name=""/>
+        <p:cNvGrpSpPr/>
+        <p:nvPr/>
+      </p:nvGrpSpPr>
+      <p:grpSpPr>
+        <a:xfrm>
+          <a:off x="0" y="0"/>
+          <a:ext cx="0" cy="0"/>
+          <a:chOff x="0" y="0"/>
+          <a:chExt cx="0" cy="0"/>
+        </a:xfrm>
+      </p:grpSpPr>
+      <p:sp>
+        <p:nvSpPr>
+          <p:cNvPr id="2" name="Title 1"/>
+          <p:cNvSpPr>
+            <a:spLocks noGrp="1"/>
+          </p:cNvSpPr>
+          <p:nvPr>
+            <p:ph type="title"/>
+          </p:nvPr>
+        </p:nvSpPr>
+        <p:spPr/>
+        <p:txBody>
+          <a:bodyPr>
+            <a:normAutofit fontScale="90000"/>
+          </a:bodyPr>
+          <a:lstStyle/>
+          <a:p>
+            <a:r>
+              <a:rPr lang="en-US" dirty="0" smtClean="0"/>
+              <a:t>Vue.js</a:t>
+            </a:r>
+            <a:br>
+              <a:rPr lang="en-US" dirty="0" smtClean="0"/>
+            </a:br>
+            <a:r>
+              <a:rPr lang="en-US" dirty="0" smtClean="0"/>
+              <a:t> - lecture 1 :Introduction to the Course</a:t>
+            </a:r>
+            <a:endParaRPr lang="en-US" dirty="0"/>
+          </a:p>
+        </p:txBody>
+      </p:sp>
+      <p:sp>
+        <p:nvSpPr>
+          <p:cNvPr id="5" name="Content Placeholder 4"/>
+          <p:cNvSpPr>
+            <a:spLocks noGrp="1"/>
+          </p:cNvSpPr>
+          <p:nvPr>
+            <p:ph idx="1"/>
+          </p:nvPr>
+        </p:nvSpPr>
+        <p:spPr/>
+        <p:txBody>
+          <a:bodyPr>
+            <a:noAutofit/>
+          </a:bodyPr>
+          <a:lstStyle/>
+          <a:p>
+            <a:pPr>
+              <a:buFont typeface="+mj-lt"/>
+              <a:buAutoNum type="arabicPeriod"/>
+            </a:pPr>
+            <a:endParaRPr lang="ar-EG" sz="2000" dirty="0" smtClean="0"/>
+          </a:p>
+          <a:p>
+            <a:pPr>
+              <a:buFont typeface="+mj-lt"/>
+              <a:buAutoNum type="arabicPeriod"/>
+            </a:pPr>
+            <a:r>
+              <a:rPr lang="en-US" sz="2000" dirty="0" smtClean="0"/>
+              <a:t>Client/Server Architecture</a:t>
+            </a:r>
+          </a:p>
+          <a:p>
+            <a:pPr>
+              <a:buFont typeface="+mj-lt"/>
+              <a:buAutoNum type="arabicPeriod"/>
+            </a:pPr>
+            <a:r>
+              <a:rPr lang="en-US" sz="2000" dirty="0" smtClean="0"/>
+              <a:t>JavaScript Quick review</a:t>
+            </a:r>
+          </a:p>
+          <a:p>
+            <a:pPr>
+              <a:buFont typeface="+mj-lt"/>
+              <a:buAutoNum type="arabicPeriod"/>
+            </a:pPr>
+            <a:r>
+              <a:rPr lang="en-US" sz="2000" dirty="0" smtClean="0"/>
+              <a:t>JSON</a:t>
+            </a:r>
+          </a:p>
+          <a:p>
+            <a:pPr>
+              <a:buFont typeface="+mj-lt"/>
+              <a:buAutoNum type="arabicPeriod"/>
+            </a:pPr>
+            <a:r>
+              <a:rPr lang="en-US" sz="2000" dirty="0" err="1" smtClean="0"/>
+              <a:t>Git</a:t>
+            </a:r>
+            <a:endParaRPr lang="ar-EG" sz="2000" dirty="0" smtClean="0"/>
+          </a:p>
+          <a:p>
+            <a:pPr>
+              <a:buFont typeface="+mj-lt"/>
+              <a:buAutoNum type="arabicPeriod"/>
+            </a:pPr>
+            <a:r>
+              <a:rPr lang="en-US" sz="2000" dirty="0" smtClean="0"/>
+              <a:t>What is Vue.js</a:t>
+            </a:r>
+          </a:p>
+          <a:p>
+            <a:pPr>
+              <a:buFont typeface="+mj-lt"/>
+              <a:buAutoNum type="arabicPeriod"/>
+            </a:pPr>
+            <a:r>
+              <a:rPr lang="en-US" sz="2000" dirty="0" smtClean="0"/>
+              <a:t>Environment Setup </a:t>
+            </a:r>
+          </a:p>
+          <a:p>
+            <a:pPr>
+              <a:buFont typeface="+mj-lt"/>
+              <a:buAutoNum type="arabicPeriod"/>
+            </a:pPr>
+            <a:r>
+              <a:rPr lang="en-US" sz="2000" dirty="0" smtClean="0"/>
+              <a:t>Vue.js reference</a:t>
+            </a:r>
+          </a:p>
+          <a:p>
+            <a:pPr>
+              <a:buFont typeface="+mj-lt"/>
+              <a:buAutoNum type="arabicPeriod"/>
+            </a:pPr>
+            <a:endParaRPr lang="en-US" sz="2000" dirty="0" smtClean="0"/>
+          </a:p>
+          <a:p>
+            <a:pPr>
+              <a:buFont typeface="+mj-lt"/>
+              <a:buAutoNum type="arabicPeriod"/>
+            </a:pPr>
+            <a:endParaRPr lang="en-US" sz="2000" dirty="0" smtClean="0"/>
+          </a:p>
+          <a:p>
+            <a:pPr>
+              <a:buFont typeface="+mj-lt"/>
+              <a:buAutoNum type="arabicPeriod"/>
+            </a:pPr>
+            <a:endParaRPr lang="en-US" sz="2000" dirty="0" smtClean="0"/>
+          </a:p>
+          <a:p>
+            <a:endParaRPr lang="en-US" sz="1400" dirty="0" smtClean="0"/>
+          </a:p>
+          <a:p>
+            <a:endParaRPr lang="en-US" sz="1400" dirty="0" smtClean="0"/>
+          </a:p>
+          <a:p>
+            <a:endParaRPr lang="en-US" sz="1400" dirty="0" smtClean="0"/>
+          </a:p>
+          <a:p>
+            <a:endParaRPr lang="en-US" sz="1400" dirty="0" smtClean="0"/>
+          </a:p>
+          <a:p>
+            <a:endParaRPr lang="en-US" sz="1400" dirty="0"/>
+          </a:p>
+        </p:txBody>
+      </p:sp>
+    </p:spTree>
+  </p:cSld>
+  <p:clrMapOvr>
+    <a:masterClrMapping/>
+  </p:clrMapOvr>
+</p:sld>
+</file>
+
+<file path=ppt/slides/slide30.xml><?xml version="1.0" encoding="utf-8"?>
+<p:sld xmlns:a="http://schemas.openxmlformats.org/drawingml/2006/main" xmlns:r="http://schemas.openxmlformats.org/officeDocument/2006/relationships" xmlns:p="http://schemas.openxmlformats.org/presentationml/2006/main">
+  <p:cSld>
+    <p:spTree>
+      <p:nvGrpSpPr>
+        <p:cNvPr id="1" name=""/>
+        <p:cNvGrpSpPr/>
+        <p:nvPr/>
+      </p:nvGrpSpPr>
+      <p:grpSpPr>
+        <a:xfrm>
+          <a:off x="0" y="0"/>
+          <a:ext cx="0" cy="0"/>
+          <a:chOff x="0" y="0"/>
+          <a:chExt cx="0" cy="0"/>
+        </a:xfrm>
+      </p:grpSpPr>
+      <p:sp>
+        <p:nvSpPr>
+          <p:cNvPr id="2" name="Title 1"/>
+          <p:cNvSpPr>
+            <a:spLocks noGrp="1"/>
+          </p:cNvSpPr>
+          <p:nvPr>
+            <p:ph type="title"/>
+          </p:nvPr>
+        </p:nvSpPr>
+        <p:spPr/>
+        <p:txBody>
+          <a:bodyPr/>
+          <a:lstStyle/>
+          <a:p>
+            <a:r>
+              <a:rPr lang="en-US" dirty="0" err="1" smtClean="0"/>
+              <a:t>Vuejs</a:t>
+            </a:r>
+            <a:r>
+              <a:rPr lang="en-US" dirty="0" smtClean="0"/>
+              <a:t> reference</a:t>
+            </a:r>
+            <a:endParaRPr lang="en-US" dirty="0"/>
+          </a:p>
+        </p:txBody>
+      </p:sp>
+      <p:sp>
+        <p:nvSpPr>
+          <p:cNvPr id="4" name="Content Placeholder 3"/>
+          <p:cNvSpPr>
+            <a:spLocks noGrp="1"/>
+          </p:cNvSpPr>
+          <p:nvPr>
+            <p:ph idx="1"/>
+          </p:nvPr>
+        </p:nvSpPr>
+        <p:spPr/>
+        <p:txBody>
+          <a:bodyPr/>
+          <a:lstStyle/>
+          <a:p>
+            <a:r>
+              <a:rPr lang="en-US" dirty="0" smtClean="0"/>
+              <a:t>https://vuejs.org/v2/guide/</a:t>
+            </a:r>
+          </a:p>
+          <a:p>
+            <a:endParaRPr lang="en-US" dirty="0" smtClean="0"/>
+          </a:p>
+          <a:p>
+            <a:endParaRPr lang="en-US" dirty="0"/>
+          </a:p>
+        </p:txBody>
+      </p:sp>
+    </p:spTree>
+  </p:cSld>
+  <p:clrMapOvr>
+    <a:masterClrMapping/>
+  </p:clrMapOvr>
 </p:sld>
 </file>
 
@@ -10706,52 +14844,46 @@
         </p:nvSpPr>
         <p:spPr/>
         <p:txBody>
-          <a:bodyPr>
-            <a:normAutofit fontScale="90000"/>
-          </a:bodyPr>
+          <a:bodyPr/>
           <a:lstStyle/>
           <a:p>
-            <a:pPr lvl="0"/>
-            <a:r>
-              <a:rPr lang="en-US" dirty="0"/>
-              <a:t>Web programming language</a:t>
-            </a:r>
-            <a:r>
-              <a:rPr lang="ar-EG" dirty="0"/>
-              <a:t/>
-            </a:r>
-            <a:br>
-              <a:rPr lang="ar-EG" dirty="0"/>
-            </a:br>
+            <a:r>
+              <a:rPr lang="en-US" dirty="0" smtClean="0"/>
+              <a:t>Client/Server Architecture</a:t>
+            </a:r>
             <a:endParaRPr lang="ar-EG" dirty="0"/>
           </a:p>
         </p:txBody>
       </p:sp>
-      <p:graphicFrame>
-        <p:nvGraphicFramePr>
+      <p:pic>
+        <p:nvPicPr>
           <p:cNvPr id="4" name="Content Placeholder 3"/>
-          <p:cNvGraphicFramePr>
-            <a:graphicFrameLocks noGrp="1"/>
-          </p:cNvGraphicFramePr>
+          <p:cNvPicPr>
+            <a:picLocks noGrp="1" noChangeAspect="1"/>
+          </p:cNvPicPr>
           <p:nvPr>
             <p:ph idx="1"/>
-            <p:extLst>
-              <p:ext uri="{D42A27DB-BD31-4B8C-83A1-F6EECF244321}">
-                <p14:modId xmlns="" xmlns:p14="http://schemas.microsoft.com/office/powerpoint/2010/main" val="30894002"/>
-              </p:ext>
-            </p:extLst>
           </p:nvPr>
-        </p:nvGraphicFramePr>
-        <p:xfrm>
-          <a:off x="457200" y="1600200"/>
-          <a:ext cx="8222776" cy="4525963"/>
-        </p:xfrm>
-        <a:graphic>
-          <a:graphicData uri="http://schemas.openxmlformats.org/drawingml/2006/diagram">
-            <dgm:relIds xmlns:dgm="http://schemas.openxmlformats.org/drawingml/2006/diagram" xmlns:r="http://schemas.openxmlformats.org/officeDocument/2006/relationships" r:dm="rId2" r:lo="rId3" r:qs="rId4" r:cs="rId5"/>
-          </a:graphicData>
-        </a:graphic>
-      </p:graphicFrame>
+        </p:nvPicPr>
+        <p:blipFill>
+          <a:blip r:embed="rId2">
+            <a:extLst>
+              <a:ext uri="{28A0092B-C50C-407E-A947-70E740481C1C}">
+                <a14:useLocalDpi xmlns:a14="http://schemas.microsoft.com/office/drawing/2010/main" xmlns="" val="0"/>
+              </a:ext>
+            </a:extLst>
+          </a:blip>
+          <a:stretch>
+            <a:fillRect/>
+          </a:stretch>
+        </p:blipFill>
+        <p:spPr>
+          <a:xfrm>
+            <a:off x="457199" y="1661170"/>
+            <a:ext cx="8147615" cy="4511030"/>
+          </a:xfrm>
+        </p:spPr>
+      </p:pic>
       <p:sp>
         <p:nvSpPr>
           <p:cNvPr id="3" name="Slide Number Placeholder 2"/>
@@ -10779,7 +14911,7 @@
     </p:spTree>
     <p:extLst>
       <p:ext uri="{BB962C8B-B14F-4D97-AF65-F5344CB8AC3E}">
-        <p14:creationId xmlns="" xmlns:p14="http://schemas.microsoft.com/office/powerpoint/2010/main" val="2446449492"/>
+        <p14:creationId xmlns:p14="http://schemas.microsoft.com/office/powerpoint/2010/main" xmlns="" val="278794199"/>
       </p:ext>
     </p:extLst>
   </p:cSld>
@@ -10815,47 +14947,6 @@
       </p:grpSpPr>
       <p:sp>
         <p:nvSpPr>
-          <p:cNvPr id="2" name="Title 1"/>
-          <p:cNvSpPr>
-            <a:spLocks noGrp="1"/>
-          </p:cNvSpPr>
-          <p:nvPr>
-            <p:ph type="title"/>
-          </p:nvPr>
-        </p:nvSpPr>
-        <p:spPr/>
-        <p:txBody>
-          <a:bodyPr>
-            <a:normAutofit fontScale="90000"/>
-          </a:bodyPr>
-          <a:lstStyle/>
-          <a:p>
-            <a:pPr lvl="0"/>
-            <a:r>
-              <a:rPr lang="en-US" dirty="0" smtClean="0"/>
-              <a:t>Course  </a:t>
-            </a:r>
-            <a:r>
-              <a:rPr lang="en-US" dirty="0" err="1" smtClean="0"/>
-              <a:t>PreRequisite</a:t>
-            </a:r>
-            <a:r>
-              <a:rPr lang="en-US" dirty="0" smtClean="0"/>
-              <a:t> </a:t>
-            </a:r>
-            <a:r>
-              <a:rPr lang="ar-EG" dirty="0"/>
-              <a:t/>
-            </a:r>
-            <a:br>
-              <a:rPr lang="ar-EG" dirty="0"/>
-            </a:br>
-            <a:endParaRPr lang="ar-EG" dirty="0"/>
-          </a:p>
-        </p:txBody>
-      </p:sp>
-      <p:sp>
-        <p:nvSpPr>
           <p:cNvPr id="3" name="Slide Number Placeholder 2"/>
           <p:cNvSpPr>
             <a:spLocks noGrp="1"/>
@@ -10880,7 +14971,36 @@
       </p:sp>
       <p:sp>
         <p:nvSpPr>
-          <p:cNvPr id="5" name="Content Placeholder 4"/>
+          <p:cNvPr id="7" name="Title 1"/>
+          <p:cNvSpPr>
+            <a:spLocks noGrp="1"/>
+          </p:cNvSpPr>
+          <p:nvPr>
+            <p:ph type="title"/>
+          </p:nvPr>
+        </p:nvSpPr>
+        <p:spPr>
+          <a:xfrm>
+            <a:off x="457200" y="56481"/>
+            <a:ext cx="8229600" cy="370548"/>
+          </a:xfrm>
+        </p:spPr>
+        <p:txBody>
+          <a:bodyPr>
+            <a:normAutofit fontScale="90000"/>
+          </a:bodyPr>
+          <a:lstStyle/>
+          <a:p>
+            <a:r>
+              <a:rPr lang="en-US" dirty="0"/>
+              <a:t>Core Components of Web Applications</a:t>
+            </a:r>
+          </a:p>
+        </p:txBody>
+      </p:sp>
+      <p:sp>
+        <p:nvSpPr>
+          <p:cNvPr id="8" name="Content Placeholder 2"/>
           <p:cNvSpPr>
             <a:spLocks noGrp="1"/>
           </p:cNvSpPr>
@@ -10888,56 +15008,774 @@
             <p:ph idx="1"/>
           </p:nvPr>
         </p:nvSpPr>
-        <p:spPr/>
+        <p:spPr>
+          <a:xfrm>
+            <a:off x="457200" y="660400"/>
+            <a:ext cx="8229600" cy="4525963"/>
+          </a:xfrm>
+        </p:spPr>
         <p:txBody>
-          <a:bodyPr/>
+          <a:bodyPr>
+            <a:normAutofit/>
+          </a:bodyPr>
           <a:lstStyle/>
           <a:p>
             <a:r>
-              <a:rPr lang="en-US" sz="2400" b="1" dirty="0" smtClean="0"/>
-              <a:t>Necessary Requirements </a:t>
-            </a:r>
-          </a:p>
-          <a:p>
-            <a:pPr lvl="1"/>
+              <a:rPr lang="en-US" sz="2000" dirty="0"/>
+              <a:t>UI (Front End (DOM, Framework))</a:t>
+            </a:r>
+          </a:p>
+          <a:p>
+            <a:r>
+              <a:rPr lang="en-US" sz="2000" dirty="0"/>
+              <a:t>Request Layer (Web API)</a:t>
+            </a:r>
+          </a:p>
+          <a:p>
+            <a:r>
+              <a:rPr lang="en-US" sz="2000" dirty="0"/>
+              <a:t>Back End (Database, Logic</a:t>
+            </a:r>
             <a:r>
               <a:rPr lang="en-US" sz="2000" dirty="0" smtClean="0"/>
-              <a:t>HTML</a:t>
-            </a:r>
-          </a:p>
-          <a:p>
-            <a:pPr lvl="1"/>
-            <a:r>
-              <a:rPr lang="en-US" sz="2000" dirty="0" smtClean="0"/>
-              <a:t>CSS</a:t>
-            </a:r>
-          </a:p>
-          <a:p>
-            <a:pPr lvl="1"/>
-            <a:r>
-              <a:rPr lang="en-US" sz="2000" dirty="0" smtClean="0"/>
-              <a:t>JS</a:t>
-            </a:r>
-          </a:p>
-          <a:p>
-            <a:endParaRPr lang="en-US" sz="2400" dirty="0" smtClean="0"/>
-          </a:p>
-          <a:p>
-            <a:r>
-              <a:rPr lang="en-US" sz="2400" b="1" smtClean="0"/>
-              <a:t>Preferred Requirements </a:t>
-            </a:r>
-            <a:endParaRPr lang="en-US" sz="2400" b="1" dirty="0" smtClean="0"/>
-          </a:p>
-          <a:p>
-            <a:pPr lvl="1"/>
-            <a:r>
-              <a:rPr lang="en-US" sz="2000" dirty="0" smtClean="0"/>
-              <a:t>TS</a:t>
-            </a:r>
-          </a:p>
-          <a:p>
+              <a:t>)</a:t>
+            </a:r>
+            <a:endParaRPr lang="en-US" sz="2000" dirty="0"/>
+          </a:p>
+        </p:txBody>
+      </p:sp>
+      <p:sp>
+        <p:nvSpPr>
+          <p:cNvPr id="9" name="Cloud 8"/>
+          <p:cNvSpPr/>
+          <p:nvPr/>
+        </p:nvSpPr>
+        <p:spPr>
+          <a:xfrm>
+            <a:off x="5692378" y="2838317"/>
+            <a:ext cx="1779320" cy="1045367"/>
+          </a:xfrm>
+          <a:prstGeom prst="cloud">
+            <a:avLst/>
+          </a:prstGeom>
+          <a:ln>
+            <a:headEnd type="none" w="med" len="med"/>
+            <a:tailEnd type="none" w="med" len="med"/>
+          </a:ln>
+        </p:spPr>
+        <p:style>
+          <a:lnRef idx="1">
+            <a:schemeClr val="accent1"/>
+          </a:lnRef>
+          <a:fillRef idx="2">
+            <a:schemeClr val="accent1"/>
+          </a:fillRef>
+          <a:effectRef idx="1">
+            <a:schemeClr val="accent1"/>
+          </a:effectRef>
+          <a:fontRef idx="minor">
+            <a:schemeClr val="dk1"/>
+          </a:fontRef>
+        </p:style>
+        <p:txBody>
+          <a:bodyPr rtlCol="0" anchor="ctr"/>
+          <a:lstStyle/>
+          <a:p>
+            <a:pPr algn="ctr"/>
+            <a:r>
+              <a:rPr lang="en-US" sz="1800" dirty="0"/>
+              <a:t>Internet</a:t>
+            </a:r>
+          </a:p>
+        </p:txBody>
+      </p:sp>
+      <p:sp>
+        <p:nvSpPr>
+          <p:cNvPr id="10" name="Rectangle 9"/>
+          <p:cNvSpPr/>
+          <p:nvPr/>
+        </p:nvSpPr>
+        <p:spPr>
+          <a:xfrm>
+            <a:off x="7778843" y="2685193"/>
+            <a:ext cx="1090613" cy="1351609"/>
+          </a:xfrm>
+          <a:prstGeom prst="rect">
+            <a:avLst/>
+          </a:prstGeom>
+          <a:ln>
+            <a:headEnd type="none" w="med" len="med"/>
+            <a:tailEnd type="none" w="med" len="med"/>
+          </a:ln>
+        </p:spPr>
+        <p:style>
+          <a:lnRef idx="1">
+            <a:schemeClr val="dk1"/>
+          </a:lnRef>
+          <a:fillRef idx="2">
+            <a:schemeClr val="dk1"/>
+          </a:fillRef>
+          <a:effectRef idx="1">
+            <a:schemeClr val="dk1"/>
+          </a:effectRef>
+          <a:fontRef idx="minor">
+            <a:schemeClr val="dk1"/>
+          </a:fontRef>
+        </p:style>
+        <p:txBody>
+          <a:bodyPr rtlCol="0" anchor="t"/>
+          <a:lstStyle/>
+          <a:p>
+            <a:pPr algn="ctr"/>
+            <a:r>
+              <a:rPr lang="en-US" sz="1800" dirty="0"/>
+              <a:t>Browser</a:t>
+            </a:r>
+          </a:p>
+        </p:txBody>
+      </p:sp>
+      <p:sp>
+        <p:nvSpPr>
+          <p:cNvPr id="11" name="Cylinder 9"/>
+          <p:cNvSpPr/>
+          <p:nvPr/>
+        </p:nvSpPr>
+        <p:spPr>
+          <a:xfrm>
+            <a:off x="1881143" y="4462460"/>
+            <a:ext cx="1090613" cy="1447800"/>
+          </a:xfrm>
+          <a:prstGeom prst="can">
+            <a:avLst/>
+          </a:prstGeom>
+          <a:ln>
+            <a:headEnd type="none" w="med" len="med"/>
+            <a:tailEnd type="none" w="med" len="med"/>
+          </a:ln>
+        </p:spPr>
+        <p:style>
+          <a:lnRef idx="1">
+            <a:schemeClr val="accent1"/>
+          </a:lnRef>
+          <a:fillRef idx="2">
+            <a:schemeClr val="accent1"/>
+          </a:fillRef>
+          <a:effectRef idx="1">
+            <a:schemeClr val="accent1"/>
+          </a:effectRef>
+          <a:fontRef idx="minor">
+            <a:schemeClr val="dk1"/>
+          </a:fontRef>
+        </p:style>
+        <p:txBody>
+          <a:bodyPr rtlCol="0" anchor="ctr"/>
+          <a:lstStyle/>
+          <a:p>
+            <a:pPr algn="ctr"/>
+            <a:r>
+              <a:rPr lang="en-US" sz="1800" dirty="0"/>
+              <a:t>Media Cache</a:t>
+            </a:r>
             <a:endParaRPr lang="en-US" dirty="0"/>
+          </a:p>
+        </p:txBody>
+      </p:sp>
+      <p:sp>
+        <p:nvSpPr>
+          <p:cNvPr id="12" name="Rectangle 11"/>
+          <p:cNvSpPr/>
+          <p:nvPr/>
+        </p:nvSpPr>
+        <p:spPr>
+          <a:xfrm>
+            <a:off x="1731125" y="2540532"/>
+            <a:ext cx="1390651" cy="1640933"/>
+          </a:xfrm>
+          <a:prstGeom prst="rect">
+            <a:avLst/>
+          </a:prstGeom>
+          <a:ln>
+            <a:headEnd type="none" w="med" len="med"/>
+            <a:tailEnd type="none" w="med" len="med"/>
+          </a:ln>
+        </p:spPr>
+        <p:style>
+          <a:lnRef idx="1">
+            <a:schemeClr val="dk1"/>
+          </a:lnRef>
+          <a:fillRef idx="2">
+            <a:schemeClr val="dk1"/>
+          </a:fillRef>
+          <a:effectRef idx="1">
+            <a:schemeClr val="dk1"/>
+          </a:effectRef>
+          <a:fontRef idx="minor">
+            <a:schemeClr val="dk1"/>
+          </a:fontRef>
+        </p:style>
+        <p:txBody>
+          <a:bodyPr rtlCol="0" anchor="t"/>
+          <a:lstStyle/>
+          <a:p>
+            <a:pPr algn="ctr"/>
+            <a:r>
+              <a:rPr lang="en-US" sz="1800" dirty="0"/>
+              <a:t>API</a:t>
+            </a:r>
+          </a:p>
+          <a:p>
+            <a:pPr algn="ctr"/>
+            <a:endParaRPr lang="en-US" sz="1800" dirty="0"/>
+          </a:p>
+        </p:txBody>
+      </p:sp>
+      <p:pic>
+        <p:nvPicPr>
+          <p:cNvPr id="13" name="Picture 12"/>
+          <p:cNvPicPr>
+            <a:picLocks noChangeAspect="1"/>
+          </p:cNvPicPr>
+          <p:nvPr/>
+        </p:nvPicPr>
+        <p:blipFill>
+          <a:blip r:embed="rId2" cstate="print">
+            <a:extLst>
+              <a:ext uri="{28A0092B-C50C-407E-A947-70E740481C1C}">
+                <a14:useLocalDpi xmlns="" xmlns:a14="http://schemas.microsoft.com/office/drawing/2010/main" val="0"/>
+              </a:ext>
+            </a:extLst>
+          </a:blip>
+          <a:stretch>
+            <a:fillRect/>
+          </a:stretch>
+        </p:blipFill>
+        <p:spPr>
+          <a:xfrm>
+            <a:off x="7838983" y="3100254"/>
+            <a:ext cx="982099" cy="783430"/>
+          </a:xfrm>
+          <a:prstGeom prst="rect">
+            <a:avLst/>
+          </a:prstGeom>
+        </p:spPr>
+      </p:pic>
+      <p:sp>
+        <p:nvSpPr>
+          <p:cNvPr id="14" name="Rectangle 13"/>
+          <p:cNvSpPr/>
+          <p:nvPr/>
+        </p:nvSpPr>
+        <p:spPr>
+          <a:xfrm>
+            <a:off x="3876674" y="2540533"/>
+            <a:ext cx="1390651" cy="1640932"/>
+          </a:xfrm>
+          <a:prstGeom prst="rect">
+            <a:avLst/>
+          </a:prstGeom>
+          <a:ln>
+            <a:headEnd type="none" w="med" len="med"/>
+            <a:tailEnd type="none" w="med" len="med"/>
+          </a:ln>
+        </p:spPr>
+        <p:style>
+          <a:lnRef idx="1">
+            <a:schemeClr val="dk1"/>
+          </a:lnRef>
+          <a:fillRef idx="2">
+            <a:schemeClr val="dk1"/>
+          </a:fillRef>
+          <a:effectRef idx="1">
+            <a:schemeClr val="dk1"/>
+          </a:effectRef>
+          <a:fontRef idx="minor">
+            <a:schemeClr val="dk1"/>
+          </a:fontRef>
+        </p:style>
+        <p:txBody>
+          <a:bodyPr rtlCol="0" anchor="t"/>
+          <a:lstStyle/>
+          <a:p>
+            <a:pPr algn="ctr"/>
+            <a:r>
+              <a:rPr lang="en-US" sz="1800" dirty="0"/>
+              <a:t>Front End</a:t>
+            </a:r>
+          </a:p>
+          <a:p>
+            <a:pPr algn="ctr"/>
+            <a:endParaRPr lang="en-US" sz="1800" dirty="0"/>
+          </a:p>
+        </p:txBody>
+      </p:sp>
+      <p:cxnSp>
+        <p:nvCxnSpPr>
+          <p:cNvPr id="15" name="Straight Arrow Connector 14"/>
+          <p:cNvCxnSpPr>
+            <a:stCxn id="11" idx="1"/>
+            <a:endCxn id="12" idx="2"/>
+          </p:cNvCxnSpPr>
+          <p:nvPr/>
+        </p:nvCxnSpPr>
+        <p:spPr>
+          <a:xfrm flipV="1">
+            <a:off x="2426450" y="4181465"/>
+            <a:ext cx="1" cy="280995"/>
+          </a:xfrm>
+          <a:prstGeom prst="straightConnector1">
+            <a:avLst/>
+          </a:prstGeom>
+          <a:ln>
+            <a:tailEnd type="triangle"/>
+          </a:ln>
+        </p:spPr>
+        <p:style>
+          <a:lnRef idx="1">
+            <a:schemeClr val="accent1"/>
+          </a:lnRef>
+          <a:fillRef idx="0">
+            <a:schemeClr val="accent1"/>
+          </a:fillRef>
+          <a:effectRef idx="0">
+            <a:schemeClr val="accent1"/>
+          </a:effectRef>
+          <a:fontRef idx="minor">
+            <a:schemeClr val="tx1"/>
+          </a:fontRef>
+        </p:style>
+      </p:cxnSp>
+      <p:cxnSp>
+        <p:nvCxnSpPr>
+          <p:cNvPr id="16" name="Straight Arrow Connector 15"/>
+          <p:cNvCxnSpPr>
+            <a:stCxn id="14" idx="3"/>
+            <a:endCxn id="9" idx="2"/>
+          </p:cNvCxnSpPr>
+          <p:nvPr/>
+        </p:nvCxnSpPr>
+        <p:spPr>
+          <a:xfrm>
+            <a:off x="5267325" y="3360999"/>
+            <a:ext cx="430572" cy="2"/>
+          </a:xfrm>
+          <a:prstGeom prst="straightConnector1">
+            <a:avLst/>
+          </a:prstGeom>
+          <a:ln w="28575">
+            <a:headEnd type="triangle"/>
+            <a:tailEnd type="triangle"/>
+          </a:ln>
+        </p:spPr>
+        <p:style>
+          <a:lnRef idx="1">
+            <a:schemeClr val="accent1"/>
+          </a:lnRef>
+          <a:fillRef idx="0">
+            <a:schemeClr val="accent1"/>
+          </a:fillRef>
+          <a:effectRef idx="0">
+            <a:schemeClr val="accent1"/>
+          </a:effectRef>
+          <a:fontRef idx="minor">
+            <a:schemeClr val="tx1"/>
+          </a:fontRef>
+        </p:style>
+      </p:cxnSp>
+      <p:cxnSp>
+        <p:nvCxnSpPr>
+          <p:cNvPr id="17" name="Straight Arrow Connector 16"/>
+          <p:cNvCxnSpPr>
+            <a:stCxn id="9" idx="0"/>
+          </p:cNvCxnSpPr>
+          <p:nvPr/>
+        </p:nvCxnSpPr>
+        <p:spPr>
+          <a:xfrm>
+            <a:off x="7470215" y="3361001"/>
+            <a:ext cx="308628" cy="0"/>
+          </a:xfrm>
+          <a:prstGeom prst="straightConnector1">
+            <a:avLst/>
+          </a:prstGeom>
+          <a:ln w="28575">
+            <a:headEnd type="triangle"/>
+            <a:tailEnd type="triangle"/>
+          </a:ln>
+        </p:spPr>
+        <p:style>
+          <a:lnRef idx="1">
+            <a:schemeClr val="accent1"/>
+          </a:lnRef>
+          <a:fillRef idx="0">
+            <a:schemeClr val="accent1"/>
+          </a:fillRef>
+          <a:effectRef idx="0">
+            <a:schemeClr val="accent1"/>
+          </a:effectRef>
+          <a:fontRef idx="minor">
+            <a:schemeClr val="tx1"/>
+          </a:fontRef>
+        </p:style>
+      </p:cxnSp>
+      <p:cxnSp>
+        <p:nvCxnSpPr>
+          <p:cNvPr id="18" name="Straight Arrow Connector 17"/>
+          <p:cNvCxnSpPr>
+            <a:stCxn id="12" idx="3"/>
+            <a:endCxn id="14" idx="1"/>
+          </p:cNvCxnSpPr>
+          <p:nvPr/>
+        </p:nvCxnSpPr>
+        <p:spPr>
+          <a:xfrm>
+            <a:off x="3121776" y="3360999"/>
+            <a:ext cx="754898" cy="0"/>
+          </a:xfrm>
+          <a:prstGeom prst="straightConnector1">
+            <a:avLst/>
+          </a:prstGeom>
+          <a:ln w="38100">
+            <a:headEnd type="triangle" w="med" len="med"/>
+            <a:tailEnd type="triangle" w="med" len="med"/>
+          </a:ln>
+        </p:spPr>
+        <p:style>
+          <a:lnRef idx="1">
+            <a:schemeClr val="dk1"/>
+          </a:lnRef>
+          <a:fillRef idx="0">
+            <a:schemeClr val="dk1"/>
+          </a:fillRef>
+          <a:effectRef idx="0">
+            <a:schemeClr val="dk1"/>
+          </a:effectRef>
+          <a:fontRef idx="minor">
+            <a:schemeClr val="tx1"/>
+          </a:fontRef>
+        </p:style>
+      </p:cxnSp>
+      <p:sp>
+        <p:nvSpPr>
+          <p:cNvPr id="19" name="TextBox 18"/>
+          <p:cNvSpPr txBox="1"/>
+          <p:nvPr/>
+        </p:nvSpPr>
+        <p:spPr>
+          <a:xfrm>
+            <a:off x="3104818" y="3030279"/>
+            <a:ext cx="1118659" cy="369332"/>
+          </a:xfrm>
+          <a:prstGeom prst="rect">
+            <a:avLst/>
+          </a:prstGeom>
+          <a:noFill/>
+        </p:spPr>
+        <p:txBody>
+          <a:bodyPr wrap="square" rtlCol="0">
+            <a:spAutoFit/>
+          </a:bodyPr>
+          <a:lstStyle/>
+          <a:p>
+            <a:r>
+              <a:rPr lang="en-US" sz="1800" dirty="0"/>
+              <a:t>JSON</a:t>
+            </a:r>
+          </a:p>
+        </p:txBody>
+      </p:sp>
+      <p:sp>
+        <p:nvSpPr>
+          <p:cNvPr id="20" name="Cylinder 43"/>
+          <p:cNvSpPr/>
+          <p:nvPr/>
+        </p:nvSpPr>
+        <p:spPr>
+          <a:xfrm>
+            <a:off x="283735" y="2685193"/>
+            <a:ext cx="944880" cy="1608558"/>
+          </a:xfrm>
+          <a:prstGeom prst="can">
+            <a:avLst/>
+          </a:prstGeom>
+          <a:ln>
+            <a:headEnd type="none" w="med" len="med"/>
+            <a:tailEnd type="none" w="med" len="med"/>
+          </a:ln>
+        </p:spPr>
+        <p:style>
+          <a:lnRef idx="1">
+            <a:schemeClr val="accent1"/>
+          </a:lnRef>
+          <a:fillRef idx="2">
+            <a:schemeClr val="accent1"/>
+          </a:fillRef>
+          <a:effectRef idx="1">
+            <a:schemeClr val="accent1"/>
+          </a:effectRef>
+          <a:fontRef idx="minor">
+            <a:schemeClr val="dk1"/>
+          </a:fontRef>
+        </p:style>
+        <p:txBody>
+          <a:bodyPr rtlCol="0" anchor="ctr"/>
+          <a:lstStyle/>
+          <a:p>
+            <a:pPr algn="ctr"/>
+            <a:r>
+              <a:rPr lang="en-US" sz="1400" dirty="0"/>
+              <a:t>Database</a:t>
+            </a:r>
+          </a:p>
+        </p:txBody>
+      </p:sp>
+      <p:pic>
+        <p:nvPicPr>
+          <p:cNvPr id="21" name="Picture 20"/>
+          <p:cNvPicPr>
+            <a:picLocks noChangeAspect="1"/>
+          </p:cNvPicPr>
+          <p:nvPr/>
+        </p:nvPicPr>
+        <p:blipFill>
+          <a:blip r:embed="rId3" cstate="print">
+            <a:extLst>
+              <a:ext uri="{28A0092B-C50C-407E-A947-70E740481C1C}">
+                <a14:useLocalDpi xmlns="" xmlns:a14="http://schemas.microsoft.com/office/drawing/2010/main" val="0"/>
+              </a:ext>
+            </a:extLst>
+          </a:blip>
+          <a:stretch>
+            <a:fillRect/>
+          </a:stretch>
+        </p:blipFill>
+        <p:spPr>
+          <a:xfrm>
+            <a:off x="3936132" y="3139141"/>
+            <a:ext cx="1271734" cy="744543"/>
+          </a:xfrm>
+          <a:prstGeom prst="rect">
+            <a:avLst/>
+          </a:prstGeom>
+        </p:spPr>
+      </p:pic>
+      <p:sp>
+        <p:nvSpPr>
+          <p:cNvPr id="22" name="Rectangle 21"/>
+          <p:cNvSpPr/>
+          <p:nvPr/>
+        </p:nvSpPr>
+        <p:spPr>
+          <a:xfrm>
+            <a:off x="1560960" y="3012573"/>
+            <a:ext cx="1139190" cy="958791"/>
+          </a:xfrm>
+          <a:prstGeom prst="rect">
+            <a:avLst/>
+          </a:prstGeom>
+          <a:ln>
+            <a:headEnd type="none" w="med" len="med"/>
+            <a:tailEnd type="none" w="med" len="med"/>
+          </a:ln>
+        </p:spPr>
+        <p:style>
+          <a:lnRef idx="1">
+            <a:schemeClr val="dk1"/>
+          </a:lnRef>
+          <a:fillRef idx="2">
+            <a:schemeClr val="dk1"/>
+          </a:fillRef>
+          <a:effectRef idx="1">
+            <a:schemeClr val="dk1"/>
+          </a:effectRef>
+          <a:fontRef idx="minor">
+            <a:schemeClr val="dk1"/>
+          </a:fontRef>
+        </p:style>
+        <p:txBody>
+          <a:bodyPr rtlCol="0" anchor="ctr"/>
+          <a:lstStyle/>
+          <a:p>
+            <a:pPr algn="ctr"/>
+            <a:r>
+              <a:rPr lang="en-US" sz="1800" dirty="0"/>
+              <a:t>Logic</a:t>
+            </a:r>
+          </a:p>
+        </p:txBody>
+      </p:sp>
+      <p:cxnSp>
+        <p:nvCxnSpPr>
+          <p:cNvPr id="23" name="Straight Arrow Connector 22"/>
+          <p:cNvCxnSpPr>
+            <a:stCxn id="20" idx="4"/>
+            <a:endCxn id="22" idx="1"/>
+          </p:cNvCxnSpPr>
+          <p:nvPr/>
+        </p:nvCxnSpPr>
+        <p:spPr>
+          <a:xfrm>
+            <a:off x="1228615" y="3489472"/>
+            <a:ext cx="332345" cy="2497"/>
+          </a:xfrm>
+          <a:prstGeom prst="straightConnector1">
+            <a:avLst/>
+          </a:prstGeom>
+          <a:ln>
+            <a:headEnd type="triangle"/>
+            <a:tailEnd type="triangle"/>
+          </a:ln>
+        </p:spPr>
+        <p:style>
+          <a:lnRef idx="1">
+            <a:schemeClr val="accent1"/>
+          </a:lnRef>
+          <a:fillRef idx="0">
+            <a:schemeClr val="accent1"/>
+          </a:fillRef>
+          <a:effectRef idx="0">
+            <a:schemeClr val="accent1"/>
+          </a:effectRef>
+          <a:fontRef idx="minor">
+            <a:schemeClr val="tx1"/>
+          </a:fontRef>
+        </p:style>
+      </p:cxnSp>
+      <p:sp>
+        <p:nvSpPr>
+          <p:cNvPr id="24" name="Right Brace 23"/>
+          <p:cNvSpPr/>
+          <p:nvPr/>
+        </p:nvSpPr>
+        <p:spPr>
+          <a:xfrm rot="16200000">
+            <a:off x="8219280" y="1912450"/>
+            <a:ext cx="209737" cy="1233745"/>
+          </a:xfrm>
+          <a:prstGeom prst="rightBrace">
+            <a:avLst/>
+          </a:prstGeom>
+        </p:spPr>
+        <p:style>
+          <a:lnRef idx="1">
+            <a:schemeClr val="dk1"/>
+          </a:lnRef>
+          <a:fillRef idx="0">
+            <a:schemeClr val="dk1"/>
+          </a:fillRef>
+          <a:effectRef idx="0">
+            <a:schemeClr val="dk1"/>
+          </a:effectRef>
+          <a:fontRef idx="minor">
+            <a:schemeClr val="tx1"/>
+          </a:fontRef>
+        </p:style>
+        <p:txBody>
+          <a:bodyPr rtlCol="0" anchor="ctr"/>
+          <a:lstStyle/>
+          <a:p>
+            <a:pPr algn="ctr"/>
+            <a:endParaRPr lang="en-US"/>
+          </a:p>
+        </p:txBody>
+      </p:sp>
+      <p:sp>
+        <p:nvSpPr>
+          <p:cNvPr id="25" name="TextBox 24"/>
+          <p:cNvSpPr txBox="1"/>
+          <p:nvPr/>
+        </p:nvSpPr>
+        <p:spPr>
+          <a:xfrm>
+            <a:off x="7896604" y="2055122"/>
+            <a:ext cx="855087" cy="369332"/>
+          </a:xfrm>
+          <a:prstGeom prst="rect">
+            <a:avLst/>
+          </a:prstGeom>
+          <a:noFill/>
+        </p:spPr>
+        <p:txBody>
+          <a:bodyPr wrap="square" rtlCol="0">
+            <a:spAutoFit/>
+          </a:bodyPr>
+          <a:lstStyle/>
+          <a:p>
+            <a:pPr algn="ctr"/>
+            <a:r>
+              <a:rPr lang="en-US" sz="1800" dirty="0"/>
+              <a:t>Client</a:t>
+            </a:r>
+          </a:p>
+        </p:txBody>
+      </p:sp>
+      <p:sp>
+        <p:nvSpPr>
+          <p:cNvPr id="26" name="Right Brace 25"/>
+          <p:cNvSpPr/>
+          <p:nvPr/>
+        </p:nvSpPr>
+        <p:spPr>
+          <a:xfrm rot="16200000">
+            <a:off x="2698210" y="-67195"/>
+            <a:ext cx="193824" cy="4944407"/>
+          </a:xfrm>
+          <a:prstGeom prst="rightBrace">
+            <a:avLst>
+              <a:gd name="adj1" fmla="val 8333"/>
+              <a:gd name="adj2" fmla="val 49904"/>
+            </a:avLst>
+          </a:prstGeom>
+        </p:spPr>
+        <p:style>
+          <a:lnRef idx="1">
+            <a:schemeClr val="dk1"/>
+          </a:lnRef>
+          <a:fillRef idx="0">
+            <a:schemeClr val="dk1"/>
+          </a:fillRef>
+          <a:effectRef idx="0">
+            <a:schemeClr val="dk1"/>
+          </a:effectRef>
+          <a:fontRef idx="minor">
+            <a:schemeClr val="tx1"/>
+          </a:fontRef>
+        </p:style>
+        <p:txBody>
+          <a:bodyPr rtlCol="0" anchor="ctr"/>
+          <a:lstStyle/>
+          <a:p>
+            <a:pPr algn="ctr"/>
+            <a:endParaRPr lang="en-US"/>
+          </a:p>
+        </p:txBody>
+      </p:sp>
+      <p:sp>
+        <p:nvSpPr>
+          <p:cNvPr id="27" name="TextBox 26"/>
+          <p:cNvSpPr txBox="1"/>
+          <p:nvPr/>
+        </p:nvSpPr>
+        <p:spPr>
+          <a:xfrm>
+            <a:off x="1547955" y="1953727"/>
+            <a:ext cx="2494334" cy="369332"/>
+          </a:xfrm>
+          <a:prstGeom prst="rect">
+            <a:avLst/>
+          </a:prstGeom>
+          <a:noFill/>
+        </p:spPr>
+        <p:txBody>
+          <a:bodyPr wrap="square" rtlCol="0">
+            <a:spAutoFit/>
+          </a:bodyPr>
+          <a:lstStyle/>
+          <a:p>
+            <a:pPr algn="ctr"/>
+            <a:r>
+              <a:rPr lang="en-US" sz="1800" dirty="0"/>
+              <a:t>Server</a:t>
+            </a:r>
           </a:p>
         </p:txBody>
       </p:sp>
@@ -10990,6 +15828,290 @@
         </p:nvSpPr>
         <p:spPr/>
         <p:txBody>
+          <a:bodyPr>
+            <a:normAutofit fontScale="90000"/>
+          </a:bodyPr>
+          <a:lstStyle/>
+          <a:p>
+            <a:pPr lvl="0"/>
+            <a:r>
+              <a:rPr lang="en-US" dirty="0"/>
+              <a:t>Web programming language</a:t>
+            </a:r>
+            <a:r>
+              <a:rPr lang="ar-EG" dirty="0"/>
+              <a:t/>
+            </a:r>
+            <a:br>
+              <a:rPr lang="ar-EG" dirty="0"/>
+            </a:br>
+            <a:endParaRPr lang="ar-EG" dirty="0"/>
+          </a:p>
+        </p:txBody>
+      </p:sp>
+      <p:graphicFrame>
+        <p:nvGraphicFramePr>
+          <p:cNvPr id="4" name="Content Placeholder 3"/>
+          <p:cNvGraphicFramePr>
+            <a:graphicFrameLocks noGrp="1"/>
+          </p:cNvGraphicFramePr>
+          <p:nvPr>
+            <p:ph idx="1"/>
+            <p:extLst>
+              <p:ext uri="{D42A27DB-BD31-4B8C-83A1-F6EECF244321}">
+                <p14:modId xmlns:p14="http://schemas.microsoft.com/office/powerpoint/2010/main" xmlns="" val="30894002"/>
+              </p:ext>
+            </p:extLst>
+          </p:nvPr>
+        </p:nvGraphicFramePr>
+        <p:xfrm>
+          <a:off x="457200" y="1600200"/>
+          <a:ext cx="8222776" cy="4525963"/>
+        </p:xfrm>
+        <a:graphic>
+          <a:graphicData uri="http://schemas.openxmlformats.org/drawingml/2006/diagram">
+            <dgm:relIds xmlns:dgm="http://schemas.openxmlformats.org/drawingml/2006/diagram" xmlns:r="http://schemas.openxmlformats.org/officeDocument/2006/relationships" r:dm="rId2" r:lo="rId3" r:qs="rId4" r:cs="rId5"/>
+          </a:graphicData>
+        </a:graphic>
+      </p:graphicFrame>
+      <p:sp>
+        <p:nvSpPr>
+          <p:cNvPr id="3" name="Slide Number Placeholder 2"/>
+          <p:cNvSpPr>
+            <a:spLocks noGrp="1"/>
+          </p:cNvSpPr>
+          <p:nvPr>
+            <p:ph type="sldNum" sz="quarter" idx="12"/>
+          </p:nvPr>
+        </p:nvSpPr>
+        <p:spPr/>
+        <p:txBody>
+          <a:bodyPr/>
+          <a:lstStyle/>
+          <a:p>
+            <a:fld id="{B6F15528-21DE-4FAA-801E-634DDDAF4B2B}" type="slidenum">
+              <a:rPr lang="en-US" smtClean="0"/>
+              <a:pPr/>
+              <a:t>6</a:t>
+            </a:fld>
+            <a:endParaRPr lang="en-US"/>
+          </a:p>
+        </p:txBody>
+      </p:sp>
+    </p:spTree>
+    <p:extLst>
+      <p:ext uri="{BB962C8B-B14F-4D97-AF65-F5344CB8AC3E}">
+        <p14:creationId xmlns:p14="http://schemas.microsoft.com/office/powerpoint/2010/main" xmlns="" val="2446449492"/>
+      </p:ext>
+    </p:extLst>
+  </p:cSld>
+  <p:clrMapOvr>
+    <a:masterClrMapping/>
+  </p:clrMapOvr>
+  <p:timing>
+    <p:tnLst>
+      <p:par>
+        <p:cTn id="1" dur="indefinite" restart="never" nodeType="tmRoot"/>
+      </p:par>
+    </p:tnLst>
+  </p:timing>
+</p:sld>
+</file>
+
+<file path=ppt/slides/slide7.xml><?xml version="1.0" encoding="utf-8"?>
+<p:sld xmlns:a="http://schemas.openxmlformats.org/drawingml/2006/main" xmlns:r="http://schemas.openxmlformats.org/officeDocument/2006/relationships" xmlns:p="http://schemas.openxmlformats.org/presentationml/2006/main">
+  <p:cSld>
+    <p:spTree>
+      <p:nvGrpSpPr>
+        <p:cNvPr id="1" name=""/>
+        <p:cNvGrpSpPr/>
+        <p:nvPr/>
+      </p:nvGrpSpPr>
+      <p:grpSpPr>
+        <a:xfrm>
+          <a:off x="0" y="0"/>
+          <a:ext cx="0" cy="0"/>
+          <a:chOff x="0" y="0"/>
+          <a:chExt cx="0" cy="0"/>
+        </a:xfrm>
+      </p:grpSpPr>
+      <p:sp>
+        <p:nvSpPr>
+          <p:cNvPr id="2" name="Title 1"/>
+          <p:cNvSpPr>
+            <a:spLocks noGrp="1"/>
+          </p:cNvSpPr>
+          <p:nvPr>
+            <p:ph type="title"/>
+          </p:nvPr>
+        </p:nvSpPr>
+        <p:spPr/>
+        <p:txBody>
+          <a:bodyPr>
+            <a:normAutofit fontScale="90000"/>
+          </a:bodyPr>
+          <a:lstStyle/>
+          <a:p>
+            <a:pPr lvl="0"/>
+            <a:r>
+              <a:rPr lang="en-US" dirty="0" smtClean="0"/>
+              <a:t>Course  </a:t>
+            </a:r>
+            <a:r>
+              <a:rPr lang="en-US" dirty="0" err="1" smtClean="0"/>
+              <a:t>PreRequisite</a:t>
+            </a:r>
+            <a:r>
+              <a:rPr lang="en-US" dirty="0" smtClean="0"/>
+              <a:t> </a:t>
+            </a:r>
+            <a:r>
+              <a:rPr lang="ar-EG" dirty="0"/>
+              <a:t/>
+            </a:r>
+            <a:br>
+              <a:rPr lang="ar-EG" dirty="0"/>
+            </a:br>
+            <a:endParaRPr lang="ar-EG" dirty="0"/>
+          </a:p>
+        </p:txBody>
+      </p:sp>
+      <p:sp>
+        <p:nvSpPr>
+          <p:cNvPr id="3" name="Slide Number Placeholder 2"/>
+          <p:cNvSpPr>
+            <a:spLocks noGrp="1"/>
+          </p:cNvSpPr>
+          <p:nvPr>
+            <p:ph type="sldNum" sz="quarter" idx="12"/>
+          </p:nvPr>
+        </p:nvSpPr>
+        <p:spPr/>
+        <p:txBody>
+          <a:bodyPr/>
+          <a:lstStyle/>
+          <a:p>
+            <a:fld id="{B6F15528-21DE-4FAA-801E-634DDDAF4B2B}" type="slidenum">
+              <a:rPr lang="en-US" smtClean="0"/>
+              <a:pPr/>
+              <a:t>7</a:t>
+            </a:fld>
+            <a:endParaRPr lang="en-US"/>
+          </a:p>
+        </p:txBody>
+      </p:sp>
+      <p:sp>
+        <p:nvSpPr>
+          <p:cNvPr id="5" name="Content Placeholder 4"/>
+          <p:cNvSpPr>
+            <a:spLocks noGrp="1"/>
+          </p:cNvSpPr>
+          <p:nvPr>
+            <p:ph idx="1"/>
+          </p:nvPr>
+        </p:nvSpPr>
+        <p:spPr/>
+        <p:txBody>
+          <a:bodyPr/>
+          <a:lstStyle/>
+          <a:p>
+            <a:r>
+              <a:rPr lang="en-US" sz="2400" b="1" dirty="0" smtClean="0"/>
+              <a:t>Necessary Requirements </a:t>
+            </a:r>
+          </a:p>
+          <a:p>
+            <a:pPr lvl="1"/>
+            <a:r>
+              <a:rPr lang="en-US" sz="2000" dirty="0" smtClean="0"/>
+              <a:t>HTML</a:t>
+            </a:r>
+          </a:p>
+          <a:p>
+            <a:pPr lvl="1"/>
+            <a:r>
+              <a:rPr lang="en-US" sz="2000" dirty="0" smtClean="0"/>
+              <a:t>CSS</a:t>
+            </a:r>
+          </a:p>
+          <a:p>
+            <a:pPr lvl="1"/>
+            <a:r>
+              <a:rPr lang="en-US" sz="2000" dirty="0" smtClean="0"/>
+              <a:t>JS</a:t>
+            </a:r>
+          </a:p>
+          <a:p>
+            <a:endParaRPr lang="en-US" sz="2400" dirty="0" smtClean="0"/>
+          </a:p>
+          <a:p>
+            <a:r>
+              <a:rPr lang="en-US" sz="2400" b="1" smtClean="0"/>
+              <a:t>Preferred Requirements </a:t>
+            </a:r>
+            <a:endParaRPr lang="en-US" sz="2400" b="1" dirty="0" smtClean="0"/>
+          </a:p>
+          <a:p>
+            <a:pPr lvl="1"/>
+            <a:r>
+              <a:rPr lang="en-US" sz="2000" dirty="0" smtClean="0"/>
+              <a:t>TS</a:t>
+            </a:r>
+          </a:p>
+          <a:p>
+            <a:endParaRPr lang="en-US" dirty="0"/>
+          </a:p>
+        </p:txBody>
+      </p:sp>
+    </p:spTree>
+    <p:extLst>
+      <p:ext uri="{BB962C8B-B14F-4D97-AF65-F5344CB8AC3E}">
+        <p14:creationId xmlns:p14="http://schemas.microsoft.com/office/powerpoint/2010/main" xmlns="" val="2446449492"/>
+      </p:ext>
+    </p:extLst>
+  </p:cSld>
+  <p:clrMapOvr>
+    <a:masterClrMapping/>
+  </p:clrMapOvr>
+  <p:timing>
+    <p:tnLst>
+      <p:par>
+        <p:cTn id="1" dur="indefinite" restart="never" nodeType="tmRoot"/>
+      </p:par>
+    </p:tnLst>
+  </p:timing>
+</p:sld>
+</file>
+
+<file path=ppt/slides/slide8.xml><?xml version="1.0" encoding="utf-8"?>
+<p:sld xmlns:a="http://schemas.openxmlformats.org/drawingml/2006/main" xmlns:r="http://schemas.openxmlformats.org/officeDocument/2006/relationships" xmlns:p="http://schemas.openxmlformats.org/presentationml/2006/main">
+  <p:cSld>
+    <p:spTree>
+      <p:nvGrpSpPr>
+        <p:cNvPr id="1" name=""/>
+        <p:cNvGrpSpPr/>
+        <p:nvPr/>
+      </p:nvGrpSpPr>
+      <p:grpSpPr>
+        <a:xfrm>
+          <a:off x="0" y="0"/>
+          <a:ext cx="0" cy="0"/>
+          <a:chOff x="0" y="0"/>
+          <a:chExt cx="0" cy="0"/>
+        </a:xfrm>
+      </p:grpSpPr>
+      <p:sp>
+        <p:nvSpPr>
+          <p:cNvPr id="2" name="Title 1"/>
+          <p:cNvSpPr>
+            <a:spLocks noGrp="1"/>
+          </p:cNvSpPr>
+          <p:nvPr>
+            <p:ph type="title"/>
+          </p:nvPr>
+        </p:nvSpPr>
+        <p:spPr/>
+        <p:txBody>
           <a:bodyPr/>
           <a:lstStyle/>
           <a:p>
@@ -11033,7 +16155,7 @@
 </p:sld>
 </file>
 
-<file path=ppt/slides/slide7.xml><?xml version="1.0" encoding="utf-8"?>
+<file path=ppt/slides/slide9.xml><?xml version="1.0" encoding="utf-8"?>
 <p:sld xmlns:a="http://schemas.openxmlformats.org/drawingml/2006/main" xmlns:r="http://schemas.openxmlformats.org/officeDocument/2006/relationships" xmlns:p="http://schemas.openxmlformats.org/presentationml/2006/main">
   <p:cSld>
     <p:spTree>
@@ -11064,7 +16186,7 @@
           <a:blip r:embed="rId3">
             <a:extLst>
               <a:ext uri="{28A0092B-C50C-407E-A947-70E740481C1C}">
-                <a14:useLocalDpi xmlns="" xmlns:a14="http://schemas.microsoft.com/office/drawing/2010/main" val="0"/>
+                <a14:useLocalDpi xmlns:a14="http://schemas.microsoft.com/office/drawing/2010/main" xmlns="" val="0"/>
               </a:ext>
             </a:extLst>
           </a:blip>
@@ -11097,7 +16219,7 @@
             <a:fld id="{B6F15528-21DE-4FAA-801E-634DDDAF4B2B}" type="slidenum">
               <a:rPr lang="en-US" smtClean="0"/>
               <a:pPr/>
-              <a:t>7</a:t>
+              <a:t>9</a:t>
             </a:fld>
             <a:endParaRPr lang="en-US"/>
           </a:p>
@@ -11207,7 +16329,7 @@
     </p:spTree>
     <p:extLst>
       <p:ext uri="{BB962C8B-B14F-4D97-AF65-F5344CB8AC3E}">
-        <p14:creationId xmlns="" xmlns:p14="http://schemas.microsoft.com/office/powerpoint/2010/main" val="2736865171"/>
+        <p14:creationId xmlns:p14="http://schemas.microsoft.com/office/powerpoint/2010/main" xmlns="" val="2736865171"/>
       </p:ext>
     </p:extLst>
   </p:cSld>
@@ -11221,315 +16343,6 @@
       </p:par>
     </p:tnLst>
   </p:timing>
-</p:sld>
-</file>
-
-<file path=ppt/slides/slide8.xml><?xml version="1.0" encoding="utf-8"?>
-<p:sld xmlns:a="http://schemas.openxmlformats.org/drawingml/2006/main" xmlns:r="http://schemas.openxmlformats.org/officeDocument/2006/relationships" xmlns:p="http://schemas.openxmlformats.org/presentationml/2006/main">
-  <p:cSld>
-    <p:spTree>
-      <p:nvGrpSpPr>
-        <p:cNvPr id="1" name=""/>
-        <p:cNvGrpSpPr/>
-        <p:nvPr/>
-      </p:nvGrpSpPr>
-      <p:grpSpPr>
-        <a:xfrm>
-          <a:off x="0" y="0"/>
-          <a:ext cx="0" cy="0"/>
-          <a:chOff x="0" y="0"/>
-          <a:chExt cx="0" cy="0"/>
-        </a:xfrm>
-      </p:grpSpPr>
-      <p:pic>
-        <p:nvPicPr>
-          <p:cNvPr id="4" name="Content Placeholder 3"/>
-          <p:cNvPicPr>
-            <a:picLocks noGrp="1" noChangeAspect="1"/>
-          </p:cNvPicPr>
-          <p:nvPr>
-            <p:ph idx="1"/>
-          </p:nvPr>
-        </p:nvPicPr>
-        <p:blipFill>
-          <a:blip r:embed="rId3"/>
-          <a:stretch>
-            <a:fillRect/>
-          </a:stretch>
-        </p:blipFill>
-        <p:spPr>
-          <a:xfrm>
-            <a:off x="762000" y="1841300"/>
-            <a:ext cx="7696200" cy="4150759"/>
-          </a:xfrm>
-        </p:spPr>
-      </p:pic>
-      <p:sp>
-        <p:nvSpPr>
-          <p:cNvPr id="2" name="Slide Number Placeholder 1"/>
-          <p:cNvSpPr>
-            <a:spLocks noGrp="1"/>
-          </p:cNvSpPr>
-          <p:nvPr>
-            <p:ph type="sldNum" sz="quarter" idx="12"/>
-          </p:nvPr>
-        </p:nvSpPr>
-        <p:spPr/>
-        <p:txBody>
-          <a:bodyPr/>
-          <a:lstStyle/>
-          <a:p>
-            <a:fld id="{B6F15528-21DE-4FAA-801E-634DDDAF4B2B}" type="slidenum">
-              <a:rPr lang="en-US" smtClean="0"/>
-              <a:pPr/>
-              <a:t>8</a:t>
-            </a:fld>
-            <a:endParaRPr lang="en-US"/>
-          </a:p>
-        </p:txBody>
-      </p:sp>
-      <p:sp>
-        <p:nvSpPr>
-          <p:cNvPr id="5" name="TextBox 4"/>
-          <p:cNvSpPr txBox="1"/>
-          <p:nvPr/>
-        </p:nvSpPr>
-        <p:spPr>
-          <a:xfrm>
-            <a:off x="1295400" y="381000"/>
-            <a:ext cx="6477000" cy="1446550"/>
-          </a:xfrm>
-          <a:prstGeom prst="rect">
-            <a:avLst/>
-          </a:prstGeom>
-          <a:noFill/>
-        </p:spPr>
-        <p:txBody>
-          <a:bodyPr wrap="square" rtlCol="1">
-            <a:spAutoFit/>
-          </a:bodyPr>
-          <a:lstStyle/>
-          <a:p>
-            <a:r>
-              <a:rPr lang="en-US" sz="4400" dirty="0" smtClean="0">
-                <a:effectLst>
-                  <a:glow rad="101600">
-                    <a:schemeClr val="accent2">
-                      <a:satMod val="175000"/>
-                      <a:alpha val="40000"/>
-                    </a:schemeClr>
-                  </a:glow>
-                </a:effectLst>
-              </a:rPr>
-              <a:t>client side  Cross-platform</a:t>
-            </a:r>
-          </a:p>
-          <a:p>
-            <a:endParaRPr lang="ar-EG" sz="4400" dirty="0">
-              <a:effectLst>
-                <a:glow rad="101600">
-                  <a:schemeClr val="accent2">
-                    <a:satMod val="175000"/>
-                    <a:alpha val="40000"/>
-                  </a:schemeClr>
-                </a:glow>
-              </a:effectLst>
-            </a:endParaRPr>
-          </a:p>
-        </p:txBody>
-      </p:sp>
-      <p:sp>
-        <p:nvSpPr>
-          <p:cNvPr id="6" name="Rectangle 5"/>
-          <p:cNvSpPr/>
-          <p:nvPr/>
-        </p:nvSpPr>
-        <p:spPr>
-          <a:xfrm>
-            <a:off x="2819400" y="3276600"/>
-            <a:ext cx="3352800" cy="1077218"/>
-          </a:xfrm>
-          <a:prstGeom prst="rect">
-            <a:avLst/>
-          </a:prstGeom>
-        </p:spPr>
-        <p:style>
-          <a:lnRef idx="2">
-            <a:schemeClr val="accent6">
-              <a:shade val="50000"/>
-            </a:schemeClr>
-          </a:lnRef>
-          <a:fillRef idx="1">
-            <a:schemeClr val="accent6"/>
-          </a:fillRef>
-          <a:effectRef idx="0">
-            <a:schemeClr val="accent6"/>
-          </a:effectRef>
-          <a:fontRef idx="minor">
-            <a:schemeClr val="lt1"/>
-          </a:fontRef>
-        </p:style>
-        <p:txBody>
-          <a:bodyPr wrap="square" lIns="91440" tIns="45720" rIns="91440" bIns="45720">
-            <a:spAutoFit/>
-          </a:bodyPr>
-          <a:lstStyle/>
-          <a:p>
-            <a:r>
-              <a:rPr lang="en-US" sz="3200" dirty="0" smtClean="0"/>
-              <a:t>  client side </a:t>
-            </a:r>
-            <a:br>
-              <a:rPr lang="en-US" sz="3200" dirty="0" smtClean="0"/>
-            </a:br>
-            <a:r>
-              <a:rPr lang="en-US" sz="3200" dirty="0" smtClean="0"/>
-              <a:t> Cross-platform</a:t>
-            </a:r>
-          </a:p>
-        </p:txBody>
-      </p:sp>
-    </p:spTree>
-    <p:extLst>
-      <p:ext uri="{BB962C8B-B14F-4D97-AF65-F5344CB8AC3E}">
-        <p14:creationId xmlns="" xmlns:p14="http://schemas.microsoft.com/office/powerpoint/2010/main" val="2736865171"/>
-      </p:ext>
-    </p:extLst>
-  </p:cSld>
-  <p:clrMapOvr>
-    <a:masterClrMapping/>
-  </p:clrMapOvr>
-  <p:timing>
-    <p:tnLst>
-      <p:par>
-        <p:cTn id="1" dur="indefinite" restart="never" nodeType="tmRoot"/>
-      </p:par>
-    </p:tnLst>
-  </p:timing>
-</p:sld>
-</file>
-
-<file path=ppt/slides/slide9.xml><?xml version="1.0" encoding="utf-8"?>
-<p:sld xmlns:a="http://schemas.openxmlformats.org/drawingml/2006/main" xmlns:r="http://schemas.openxmlformats.org/officeDocument/2006/relationships" xmlns:p="http://schemas.openxmlformats.org/presentationml/2006/main">
-  <p:cSld>
-    <p:spTree>
-      <p:nvGrpSpPr>
-        <p:cNvPr id="1" name=""/>
-        <p:cNvGrpSpPr/>
-        <p:nvPr/>
-      </p:nvGrpSpPr>
-      <p:grpSpPr>
-        <a:xfrm>
-          <a:off x="0" y="0"/>
-          <a:ext cx="0" cy="0"/>
-          <a:chOff x="0" y="0"/>
-          <a:chExt cx="0" cy="0"/>
-        </a:xfrm>
-      </p:grpSpPr>
-      <p:sp>
-        <p:nvSpPr>
-          <p:cNvPr id="2" name="Title 1"/>
-          <p:cNvSpPr>
-            <a:spLocks noGrp="1"/>
-          </p:cNvSpPr>
-          <p:nvPr>
-            <p:ph type="title"/>
-          </p:nvPr>
-        </p:nvSpPr>
-        <p:spPr/>
-        <p:txBody>
-          <a:bodyPr>
-            <a:normAutofit fontScale="90000"/>
-          </a:bodyPr>
-          <a:lstStyle/>
-          <a:p>
-            <a:r>
-              <a:rPr lang="en-US" dirty="0" smtClean="0"/>
-              <a:t>HTML  </a:t>
-            </a:r>
-            <a:r>
-              <a:rPr lang="en-US" b="1" dirty="0" smtClean="0">
-                <a:solidFill>
-                  <a:srgbClr val="FF0000"/>
-                </a:solidFill>
-              </a:rPr>
-              <a:t>H</a:t>
-            </a:r>
-            <a:r>
-              <a:rPr lang="en-US" dirty="0" smtClean="0"/>
-              <a:t>yper </a:t>
-            </a:r>
-            <a:r>
-              <a:rPr lang="en-US" b="1" dirty="0" smtClean="0">
-                <a:solidFill>
-                  <a:srgbClr val="FF0000"/>
-                </a:solidFill>
-              </a:rPr>
-              <a:t>T</a:t>
-            </a:r>
-            <a:r>
-              <a:rPr lang="en-US" dirty="0" smtClean="0"/>
-              <a:t>ext </a:t>
-            </a:r>
-            <a:r>
-              <a:rPr lang="en-US" b="1" dirty="0" smtClean="0">
-                <a:solidFill>
-                  <a:srgbClr val="FF0000"/>
-                </a:solidFill>
-              </a:rPr>
-              <a:t>M</a:t>
-            </a:r>
-            <a:r>
-              <a:rPr lang="en-US" dirty="0" smtClean="0"/>
-              <a:t>arkup </a:t>
-            </a:r>
-            <a:r>
-              <a:rPr lang="en-US" b="1" dirty="0" smtClean="0">
-                <a:solidFill>
-                  <a:srgbClr val="FF0000"/>
-                </a:solidFill>
-              </a:rPr>
-              <a:t>L</a:t>
-            </a:r>
-            <a:r>
-              <a:rPr lang="en-US" dirty="0" smtClean="0"/>
-              <a:t>anguage</a:t>
-            </a:r>
-            <a:br>
-              <a:rPr lang="en-US" dirty="0" smtClean="0"/>
-            </a:br>
-            <a:endParaRPr lang="ar-EG" dirty="0"/>
-          </a:p>
-        </p:txBody>
-      </p:sp>
-      <p:pic>
-        <p:nvPicPr>
-          <p:cNvPr id="4" name="Content Placeholder 3" descr="HTML.jpg"/>
-          <p:cNvPicPr>
-            <a:picLocks noGrp="1" noChangeAspect="1"/>
-          </p:cNvPicPr>
-          <p:nvPr>
-            <p:ph idx="1"/>
-          </p:nvPr>
-        </p:nvPicPr>
-        <p:blipFill>
-          <a:blip r:embed="rId2"/>
-          <a:stretch>
-            <a:fillRect/>
-          </a:stretch>
-        </p:blipFill>
-        <p:spPr>
-          <a:xfrm>
-            <a:off x="1828800" y="1828800"/>
-            <a:ext cx="5943600" cy="4480917"/>
-          </a:xfrm>
-        </p:spPr>
-      </p:pic>
-    </p:spTree>
-  </p:cSld>
-  <p:clrMapOvr>
-    <a:masterClrMapping/>
-  </p:clrMapOvr>
 </p:sld>
 </file>
 
